--- a/python/專題報告/專題報告-台灣交通事故.pptx
+++ b/python/專題報告/專題報告-台灣交通事故.pptx
@@ -8,9 +8,10 @@
     <p:sldId id="256" r:id="rId2"/>
     <p:sldId id="257" r:id="rId3"/>
     <p:sldId id="259" r:id="rId4"/>
-    <p:sldId id="260" r:id="rId5"/>
-    <p:sldId id="261" r:id="rId6"/>
-    <p:sldId id="258" r:id="rId7"/>
+    <p:sldId id="261" r:id="rId5"/>
+    <p:sldId id="260" r:id="rId6"/>
+    <p:sldId id="262" r:id="rId7"/>
+    <p:sldId id="258" r:id="rId8"/>
   </p:sldIdLst>
   <p:sldSz cx="12192000" cy="6858000"/>
   <p:notesSz cx="6858000" cy="9144000"/>
@@ -109,6 +110,11 @@
       </a:defRPr>
     </a:lvl9pPr>
   </p:defaultTextStyle>
+  <p:extLst>
+    <p:ext uri="{EFAFB233-063F-42B5-8137-9DF3F51BA10A}">
+      <p15:sldGuideLst xmlns:p15="http://schemas.microsoft.com/office/powerpoint/2012/main"/>
+    </p:ext>
+  </p:extLst>
 </p:presentation>
 </file>
 
@@ -5866,15 +5872,15 @@
             </a:r>
             <a:r>
               <a:rPr lang="zh-TW" altLang="en-US" dirty="0"/>
-              <a:t>檔和爬蟲抓取網頁資訊統整資料，最後用</a:t>
-            </a:r>
-            <a:endParaRPr lang="en-US" altLang="zh-TW" dirty="0"/>
-          </a:p>
-          <a:p>
-            <a:pPr algn="l"/>
+              <a:t>檔和爬蟲抓取網頁資訊再以</a:t>
+            </a:r>
+            <a:r>
+              <a:rPr lang="en-US" altLang="zh-TW" dirty="0"/>
+              <a:t>Pandas</a:t>
+            </a:r>
             <a:r>
               <a:rPr lang="zh-TW" altLang="en-US" dirty="0"/>
-              <a:t>繪圖程式繪製各種統計圖完成此專題。</a:t>
+              <a:t>統整資料，最後用繪圖程式繪製各種統計圖完成此專題。</a:t>
             </a:r>
           </a:p>
         </p:txBody>
@@ -6178,7 +6184,7 @@
           <p:cNvPr id="2" name="標題 1">
             <a:extLst>
               <a:ext uri="{FF2B5EF4-FFF2-40B4-BE49-F238E27FC236}">
-                <a16:creationId xmlns:a16="http://schemas.microsoft.com/office/drawing/2014/main" id="{A6908B27-3642-44D4-8A43-D8792F8C2C9D}"/>
+                <a16:creationId xmlns:a16="http://schemas.microsoft.com/office/drawing/2014/main" id="{17D5A0A8-1B36-49C2-B248-AD98B68FDF6D}"/>
               </a:ext>
             </a:extLst>
           </p:cNvPr>
@@ -6194,7 +6200,23 @@
           <a:bodyPr/>
           <a:lstStyle/>
           <a:p>
-            <a:endParaRPr lang="zh-TW" altLang="en-US"/>
+            <a:r>
+              <a:rPr lang="zh-TW" altLang="en-US" dirty="0"/>
+              <a:t>過程中遇到的問題</a:t>
+            </a:r>
+            <a:r>
+              <a:rPr lang="en-US" altLang="zh-TW" dirty="0"/>
+              <a:t>(</a:t>
+            </a:r>
+            <a:r>
+              <a:rPr lang="zh-TW" altLang="en-US" dirty="0"/>
+              <a:t>一</a:t>
+            </a:r>
+            <a:r>
+              <a:rPr lang="en-US" altLang="zh-TW" dirty="0"/>
+              <a:t>)</a:t>
+            </a:r>
+            <a:endParaRPr lang="zh-TW" altLang="en-US" dirty="0"/>
           </a:p>
         </p:txBody>
       </p:sp>
@@ -6203,7 +6225,7 @@
           <p:cNvPr id="3" name="內容版面配置區 2">
             <a:extLst>
               <a:ext uri="{FF2B5EF4-FFF2-40B4-BE49-F238E27FC236}">
-                <a16:creationId xmlns:a16="http://schemas.microsoft.com/office/drawing/2014/main" id="{D9F8F2D5-1943-430B-99F0-B2DAA1EA0A59}"/>
+                <a16:creationId xmlns:a16="http://schemas.microsoft.com/office/drawing/2014/main" id="{54EB2F56-CDEE-4BDF-A2A2-D64AFA3D644E}"/>
               </a:ext>
             </a:extLst>
           </p:cNvPr>
@@ -6214,19 +6236,183 @@
             <p:ph idx="1"/>
           </p:nvPr>
         </p:nvSpPr>
-        <p:spPr/>
-        <p:txBody>
-          <a:bodyPr/>
-          <a:lstStyle/>
-          <a:p>
-            <a:endParaRPr lang="zh-TW" altLang="en-US"/>
-          </a:p>
-        </p:txBody>
-      </p:sp>
+        <p:spPr>
+          <a:xfrm>
+            <a:off x="677334" y="1400961"/>
+            <a:ext cx="8596668" cy="4640402"/>
+          </a:xfrm>
+        </p:spPr>
+        <p:txBody>
+          <a:bodyPr>
+            <a:normAutofit/>
+          </a:bodyPr>
+          <a:lstStyle/>
+          <a:p>
+            <a:r>
+              <a:rPr lang="zh-TW" altLang="en-US" dirty="0"/>
+              <a:t>字典想要依</a:t>
+            </a:r>
+            <a:r>
+              <a:rPr lang="en-US" altLang="zh-TW" dirty="0"/>
+              <a:t>key</a:t>
+            </a:r>
+            <a:r>
+              <a:rPr lang="zh-TW" altLang="en-US" dirty="0"/>
+              <a:t>排序</a:t>
+            </a:r>
+            <a:r>
+              <a:rPr lang="en-US" altLang="zh-TW" dirty="0"/>
+              <a:t> </a:t>
+            </a:r>
+            <a:r>
+              <a:rPr lang="zh-TW" altLang="en-US" dirty="0"/>
+              <a:t>如</a:t>
+            </a:r>
+            <a:r>
+              <a:rPr lang="en-US" altLang="zh-TW" dirty="0" err="1"/>
+              <a:t>dict</a:t>
+            </a:r>
+            <a:r>
+              <a:rPr lang="en-US" altLang="zh-TW" dirty="0"/>
+              <a:t>={‘</a:t>
+            </a:r>
+            <a:r>
+              <a:rPr lang="zh-TW" altLang="en-US" dirty="0"/>
+              <a:t>臺北市</a:t>
+            </a:r>
+            <a:r>
+              <a:rPr lang="en-US" altLang="zh-TW" dirty="0"/>
+              <a:t>’:50,’</a:t>
+            </a:r>
+            <a:r>
+              <a:rPr lang="zh-TW" altLang="en-US" dirty="0"/>
+              <a:t>高雄市</a:t>
+            </a:r>
+            <a:r>
+              <a:rPr lang="en-US" altLang="zh-TW" dirty="0"/>
+              <a:t>’:30,’</a:t>
+            </a:r>
+            <a:r>
+              <a:rPr lang="zh-TW" altLang="en-US" dirty="0"/>
+              <a:t>臺中市</a:t>
+            </a:r>
+            <a:r>
+              <a:rPr lang="en-US" altLang="zh-TW" dirty="0"/>
+              <a:t>’:10}</a:t>
+            </a:r>
+          </a:p>
+          <a:p>
+            <a:endParaRPr lang="en-US" altLang="zh-TW" dirty="0"/>
+          </a:p>
+          <a:p>
+            <a:pPr marL="0" indent="0">
+              <a:buNone/>
+            </a:pPr>
+            <a:r>
+              <a:rPr lang="zh-TW" altLang="en-US" dirty="0"/>
+              <a:t>     </a:t>
+            </a:r>
+            <a:r>
+              <a:rPr lang="zh-TW" altLang="en-US" dirty="0">
+                <a:solidFill>
+                  <a:srgbClr val="FF0000"/>
+                </a:solidFill>
+              </a:rPr>
+              <a:t>解決辦法</a:t>
+            </a:r>
+            <a:r>
+              <a:rPr lang="en-US" altLang="zh-TW" dirty="0">
+                <a:solidFill>
+                  <a:srgbClr val="FF0000"/>
+                </a:solidFill>
+              </a:rPr>
+              <a:t>:</a:t>
+            </a:r>
+            <a:r>
+              <a:rPr lang="zh-TW" altLang="en-US" dirty="0"/>
+              <a:t>上網找到可以用</a:t>
+            </a:r>
+            <a:r>
+              <a:rPr lang="en-US" altLang="zh-TW" dirty="0"/>
+              <a:t>lambda</a:t>
+            </a:r>
+            <a:r>
+              <a:rPr lang="zh-TW" altLang="en-US" dirty="0"/>
+              <a:t>函式排序字典</a:t>
+            </a:r>
+            <a:endParaRPr lang="en-US" altLang="zh-TW" dirty="0"/>
+          </a:p>
+          <a:p>
+            <a:pPr marL="0" indent="0">
+              <a:buNone/>
+            </a:pPr>
+            <a:r>
+              <a:rPr lang="zh-TW" altLang="en-US" dirty="0"/>
+              <a:t>     </a:t>
+            </a:r>
+            <a:r>
+              <a:rPr lang="en-US" altLang="zh-TW" dirty="0"/>
+              <a:t>sorted(</a:t>
+            </a:r>
+            <a:r>
+              <a:rPr lang="en-US" altLang="zh-TW" dirty="0" err="1"/>
+              <a:t>avg_rate_dic.items</a:t>
+            </a:r>
+            <a:r>
+              <a:rPr lang="en-US" altLang="zh-TW" dirty="0"/>
+              <a:t>(), key=lambda </a:t>
+            </a:r>
+            <a:r>
+              <a:rPr lang="en-US" altLang="zh-TW" dirty="0" err="1"/>
+              <a:t>item:item</a:t>
+            </a:r>
+            <a:r>
+              <a:rPr lang="en-US" altLang="zh-TW" dirty="0"/>
+              <a:t>[1],reverse=1)</a:t>
+            </a:r>
+          </a:p>
+          <a:p>
+            <a:pPr marL="0" indent="0">
+              <a:buNone/>
+            </a:pPr>
+            <a:endParaRPr lang="en-US" altLang="zh-TW" dirty="0"/>
+          </a:p>
+        </p:txBody>
+      </p:sp>
+      <p:pic>
+        <p:nvPicPr>
+          <p:cNvPr id="5" name="圖片 4">
+            <a:extLst>
+              <a:ext uri="{FF2B5EF4-FFF2-40B4-BE49-F238E27FC236}">
+                <a16:creationId xmlns:a16="http://schemas.microsoft.com/office/drawing/2014/main" id="{0A8277B3-690D-46BD-8C01-87651860B5DF}"/>
+              </a:ext>
+            </a:extLst>
+          </p:cNvPr>
+          <p:cNvPicPr>
+            <a:picLocks noChangeAspect="1"/>
+          </p:cNvPicPr>
+          <p:nvPr/>
+        </p:nvPicPr>
+        <p:blipFill>
+          <a:blip r:embed="rId2"/>
+          <a:stretch>
+            <a:fillRect/>
+          </a:stretch>
+        </p:blipFill>
+        <p:spPr>
+          <a:xfrm>
+            <a:off x="1010349" y="3429000"/>
+            <a:ext cx="8191500" cy="2333625"/>
+          </a:xfrm>
+          <a:prstGeom prst="rect">
+            <a:avLst/>
+          </a:prstGeom>
+        </p:spPr>
+      </p:pic>
     </p:spTree>
     <p:extLst>
       <p:ext uri="{BB962C8B-B14F-4D97-AF65-F5344CB8AC3E}">
-        <p14:creationId xmlns:p14="http://schemas.microsoft.com/office/powerpoint/2010/main" val="2443154247"/>
+        <p14:creationId xmlns:p14="http://schemas.microsoft.com/office/powerpoint/2010/main" val="3403102465"/>
       </p:ext>
     </p:extLst>
   </p:cSld>
@@ -6258,7 +6444,7 @@
           <p:cNvPr id="2" name="標題 1">
             <a:extLst>
               <a:ext uri="{FF2B5EF4-FFF2-40B4-BE49-F238E27FC236}">
-                <a16:creationId xmlns:a16="http://schemas.microsoft.com/office/drawing/2014/main" id="{17D5A0A8-1B36-49C2-B248-AD98B68FDF6D}"/>
+                <a16:creationId xmlns:a16="http://schemas.microsoft.com/office/drawing/2014/main" id="{A6908B27-3642-44D4-8A43-D8792F8C2C9D}"/>
               </a:ext>
             </a:extLst>
           </p:cNvPr>
@@ -6274,7 +6460,23 @@
           <a:bodyPr/>
           <a:lstStyle/>
           <a:p>
-            <a:endParaRPr lang="zh-TW" altLang="en-US"/>
+            <a:r>
+              <a:rPr lang="zh-TW" altLang="en-US" dirty="0"/>
+              <a:t>過程中遇到的問題</a:t>
+            </a:r>
+            <a:r>
+              <a:rPr lang="en-US" altLang="zh-TW" dirty="0"/>
+              <a:t>(</a:t>
+            </a:r>
+            <a:r>
+              <a:rPr lang="zh-TW" altLang="en-US" dirty="0"/>
+              <a:t>二</a:t>
+            </a:r>
+            <a:r>
+              <a:rPr lang="en-US" altLang="zh-TW" dirty="0"/>
+              <a:t>)</a:t>
+            </a:r>
+            <a:endParaRPr lang="zh-TW" altLang="en-US" dirty="0"/>
           </a:p>
         </p:txBody>
       </p:sp>
@@ -6283,7 +6485,7 @@
           <p:cNvPr id="3" name="內容版面配置區 2">
             <a:extLst>
               <a:ext uri="{FF2B5EF4-FFF2-40B4-BE49-F238E27FC236}">
-                <a16:creationId xmlns:a16="http://schemas.microsoft.com/office/drawing/2014/main" id="{54EB2F56-CDEE-4BDF-A2A2-D64AFA3D644E}"/>
+                <a16:creationId xmlns:a16="http://schemas.microsoft.com/office/drawing/2014/main" id="{D9F8F2D5-1943-430B-99F0-B2DAA1EA0A59}"/>
               </a:ext>
             </a:extLst>
           </p:cNvPr>
@@ -6299,14 +6501,141 @@
           <a:bodyPr/>
           <a:lstStyle/>
           <a:p>
-            <a:endParaRPr lang="zh-TW" altLang="en-US"/>
-          </a:p>
-        </p:txBody>
-      </p:sp>
+            <a:r>
+              <a:rPr lang="zh-TW" altLang="en-US" dirty="0"/>
+              <a:t>資料中的車種欄位並不是數字</a:t>
+            </a:r>
+            <a:r>
+              <a:rPr lang="en-US" altLang="zh-TW" dirty="0"/>
+              <a:t>(</a:t>
+            </a:r>
+            <a:r>
+              <a:rPr lang="zh-TW" altLang="en-US" dirty="0"/>
+              <a:t>機車</a:t>
+            </a:r>
+            <a:r>
+              <a:rPr lang="en-US" altLang="zh-TW" dirty="0"/>
+              <a:t>;</a:t>
+            </a:r>
+            <a:r>
+              <a:rPr lang="zh-TW" altLang="en-US" dirty="0"/>
+              <a:t>行人</a:t>
+            </a:r>
+            <a:r>
+              <a:rPr lang="en-US" altLang="zh-TW" dirty="0"/>
+              <a:t>)</a:t>
+            </a:r>
+            <a:r>
+              <a:rPr lang="zh-TW" altLang="en-US" dirty="0"/>
+              <a:t> </a:t>
+            </a:r>
+            <a:r>
+              <a:rPr lang="en-US" altLang="zh-TW" dirty="0"/>
+              <a:t>(</a:t>
+            </a:r>
+            <a:r>
+              <a:rPr lang="zh-TW" altLang="en-US" dirty="0"/>
+              <a:t>機車</a:t>
+            </a:r>
+            <a:r>
+              <a:rPr lang="en-US" altLang="zh-TW" dirty="0"/>
+              <a:t>;</a:t>
+            </a:r>
+            <a:r>
+              <a:rPr lang="zh-TW" altLang="en-US" dirty="0"/>
+              <a:t>汽車</a:t>
+            </a:r>
+            <a:r>
+              <a:rPr lang="en-US" altLang="zh-TW" dirty="0"/>
+              <a:t>)(</a:t>
+            </a:r>
+            <a:r>
+              <a:rPr lang="zh-TW" altLang="en-US" dirty="0"/>
+              <a:t>汽車</a:t>
+            </a:r>
+            <a:r>
+              <a:rPr lang="en-US" altLang="zh-TW" dirty="0"/>
+              <a:t>;</a:t>
+            </a:r>
+            <a:r>
+              <a:rPr lang="zh-TW" altLang="en-US" dirty="0"/>
+              <a:t>汽車</a:t>
+            </a:r>
+            <a:r>
+              <a:rPr lang="en-US" altLang="zh-TW" dirty="0"/>
+              <a:t>;</a:t>
+            </a:r>
+            <a:r>
+              <a:rPr lang="zh-TW" altLang="en-US" dirty="0"/>
+              <a:t>行人</a:t>
+            </a:r>
+            <a:r>
+              <a:rPr lang="en-US" altLang="zh-TW" dirty="0"/>
+              <a:t>)</a:t>
+            </a:r>
+            <a:r>
+              <a:rPr lang="zh-TW" altLang="en-US" dirty="0"/>
+              <a:t>等等。</a:t>
+            </a:r>
+            <a:endParaRPr lang="en-US" altLang="zh-TW" dirty="0"/>
+          </a:p>
+          <a:p>
+            <a:pPr marL="0" indent="0">
+              <a:buNone/>
+            </a:pPr>
+            <a:r>
+              <a:rPr lang="zh-TW" altLang="en-US" dirty="0">
+                <a:solidFill>
+                  <a:srgbClr val="FF0000"/>
+                </a:solidFill>
+              </a:rPr>
+              <a:t>     解決辦法</a:t>
+            </a:r>
+            <a:r>
+              <a:rPr lang="en-US" altLang="zh-TW" dirty="0"/>
+              <a:t>:</a:t>
+            </a:r>
+            <a:r>
+              <a:rPr lang="zh-TW" altLang="en-US" dirty="0"/>
+              <a:t>用了大量的字典依各分類做條件篩選，加總各分類的總數。</a:t>
+            </a:r>
+          </a:p>
+        </p:txBody>
+      </p:sp>
+      <p:pic>
+        <p:nvPicPr>
+          <p:cNvPr id="5" name="圖片 4">
+            <a:extLst>
+              <a:ext uri="{FF2B5EF4-FFF2-40B4-BE49-F238E27FC236}">
+                <a16:creationId xmlns:a16="http://schemas.microsoft.com/office/drawing/2014/main" id="{3C1057D5-5C0D-4D5A-B1EF-1FBFB4225E2F}"/>
+              </a:ext>
+            </a:extLst>
+          </p:cNvPr>
+          <p:cNvPicPr>
+            <a:picLocks noChangeAspect="1"/>
+          </p:cNvPicPr>
+          <p:nvPr/>
+        </p:nvPicPr>
+        <p:blipFill>
+          <a:blip r:embed="rId2"/>
+          <a:stretch>
+            <a:fillRect/>
+          </a:stretch>
+        </p:blipFill>
+        <p:spPr>
+          <a:xfrm>
+            <a:off x="1053093" y="3071642"/>
+            <a:ext cx="7637902" cy="2976012"/>
+          </a:xfrm>
+          <a:prstGeom prst="rect">
+            <a:avLst/>
+          </a:prstGeom>
+        </p:spPr>
+      </p:pic>
     </p:spTree>
     <p:extLst>
       <p:ext uri="{BB962C8B-B14F-4D97-AF65-F5344CB8AC3E}">
-        <p14:creationId xmlns:p14="http://schemas.microsoft.com/office/powerpoint/2010/main" val="3403102465"/>
+        <p14:creationId xmlns:p14="http://schemas.microsoft.com/office/powerpoint/2010/main" val="2443154247"/>
       </p:ext>
     </p:extLst>
   </p:cSld>
@@ -6317,6 +6646,331 @@
 </file>
 
 <file path=ppt/slides/slide6.xml><?xml version="1.0" encoding="utf-8"?>
+<p:sld xmlns:a="http://schemas.openxmlformats.org/drawingml/2006/main" xmlns:r="http://schemas.openxmlformats.org/officeDocument/2006/relationships" xmlns:p="http://schemas.openxmlformats.org/presentationml/2006/main">
+  <p:cSld>
+    <p:spTree>
+      <p:nvGrpSpPr>
+        <p:cNvPr id="1" name=""/>
+        <p:cNvGrpSpPr/>
+        <p:nvPr/>
+      </p:nvGrpSpPr>
+      <p:grpSpPr>
+        <a:xfrm>
+          <a:off x="0" y="0"/>
+          <a:ext cx="0" cy="0"/>
+          <a:chOff x="0" y="0"/>
+          <a:chExt cx="0" cy="0"/>
+        </a:xfrm>
+      </p:grpSpPr>
+      <p:sp>
+        <p:nvSpPr>
+          <p:cNvPr id="2" name="標題 1">
+            <a:extLst>
+              <a:ext uri="{FF2B5EF4-FFF2-40B4-BE49-F238E27FC236}">
+                <a16:creationId xmlns:a16="http://schemas.microsoft.com/office/drawing/2014/main" id="{08BE8EE7-9B1B-4650-98A5-2F6264E69073}"/>
+              </a:ext>
+            </a:extLst>
+          </p:cNvPr>
+          <p:cNvSpPr>
+            <a:spLocks noGrp="1"/>
+          </p:cNvSpPr>
+          <p:nvPr>
+            <p:ph type="title"/>
+          </p:nvPr>
+        </p:nvSpPr>
+        <p:spPr/>
+        <p:txBody>
+          <a:bodyPr/>
+          <a:lstStyle/>
+          <a:p>
+            <a:r>
+              <a:rPr lang="zh-TW" altLang="en-US" dirty="0"/>
+              <a:t>過程中遇到的問題</a:t>
+            </a:r>
+            <a:r>
+              <a:rPr lang="en-US" altLang="zh-TW" dirty="0"/>
+              <a:t>(</a:t>
+            </a:r>
+            <a:r>
+              <a:rPr lang="zh-TW" altLang="en-US" dirty="0"/>
+              <a:t>三</a:t>
+            </a:r>
+            <a:r>
+              <a:rPr lang="en-US" altLang="zh-TW" dirty="0"/>
+              <a:t>)</a:t>
+            </a:r>
+            <a:endParaRPr lang="zh-TW" altLang="en-US" dirty="0"/>
+          </a:p>
+        </p:txBody>
+      </p:sp>
+      <p:sp>
+        <p:nvSpPr>
+          <p:cNvPr id="3" name="內容版面配置區 2">
+            <a:extLst>
+              <a:ext uri="{FF2B5EF4-FFF2-40B4-BE49-F238E27FC236}">
+                <a16:creationId xmlns:a16="http://schemas.microsoft.com/office/drawing/2014/main" id="{15ED451D-AFEB-48EA-9EA4-F0518201A73E}"/>
+              </a:ext>
+            </a:extLst>
+          </p:cNvPr>
+          <p:cNvSpPr>
+            <a:spLocks noGrp="1"/>
+          </p:cNvSpPr>
+          <p:nvPr>
+            <p:ph idx="1"/>
+          </p:nvPr>
+        </p:nvSpPr>
+        <p:spPr>
+          <a:xfrm>
+            <a:off x="677334" y="1359017"/>
+            <a:ext cx="8596668" cy="4682345"/>
+          </a:xfrm>
+        </p:spPr>
+        <p:txBody>
+          <a:bodyPr/>
+          <a:lstStyle/>
+          <a:p>
+            <a:r>
+              <a:rPr lang="zh-TW" altLang="en-US" dirty="0"/>
+              <a:t>以</a:t>
+            </a:r>
+            <a:r>
+              <a:rPr lang="en-US" altLang="zh-TW" dirty="0" err="1"/>
+              <a:t>Beautifulsoup</a:t>
+            </a:r>
+            <a:r>
+              <a:rPr lang="zh-TW" altLang="en-US" dirty="0"/>
+              <a:t>抓取資料後用</a:t>
+            </a:r>
+            <a:r>
+              <a:rPr lang="en-US" altLang="zh-TW" dirty="0" err="1"/>
+              <a:t>Numpy.reshape</a:t>
+            </a:r>
+            <a:r>
+              <a:rPr lang="en-US" altLang="zh-TW" dirty="0"/>
+              <a:t>()</a:t>
+            </a:r>
+            <a:r>
+              <a:rPr lang="zh-TW" altLang="en-US" dirty="0"/>
+              <a:t>轉為陣列後帶入到</a:t>
+            </a:r>
+            <a:r>
+              <a:rPr lang="en-US" altLang="zh-TW" dirty="0"/>
+              <a:t>Pandas</a:t>
+            </a:r>
+            <a:r>
+              <a:rPr lang="zh-TW" altLang="en-US" dirty="0"/>
+              <a:t>中</a:t>
+            </a:r>
+            <a:endParaRPr lang="en-US" altLang="zh-TW" dirty="0"/>
+          </a:p>
+          <a:p>
+            <a:pPr marL="0" indent="0">
+              <a:buNone/>
+            </a:pPr>
+            <a:r>
+              <a:rPr lang="zh-TW" altLang="en-US" dirty="0"/>
+              <a:t>     的</a:t>
+            </a:r>
+            <a:r>
+              <a:rPr lang="en-US" altLang="zh-TW" dirty="0" err="1"/>
+              <a:t>DataFrame</a:t>
+            </a:r>
+            <a:r>
+              <a:rPr lang="zh-TW" altLang="en-US" dirty="0"/>
+              <a:t>卻無法用</a:t>
+            </a:r>
+            <a:r>
+              <a:rPr lang="en-US" altLang="zh-TW" dirty="0"/>
+              <a:t>df[‘</a:t>
+            </a:r>
+            <a:r>
+              <a:rPr lang="en-US" altLang="zh-TW" dirty="0" err="1"/>
+              <a:t>columnName</a:t>
+            </a:r>
+            <a:r>
+              <a:rPr lang="en-US" altLang="zh-TW" dirty="0"/>
+              <a:t>’].sum()</a:t>
+            </a:r>
+            <a:r>
+              <a:rPr lang="zh-TW" altLang="en-US" dirty="0"/>
+              <a:t>做該欄的加總</a:t>
+            </a:r>
+            <a:endParaRPr lang="en-US" altLang="zh-TW" dirty="0"/>
+          </a:p>
+          <a:p>
+            <a:pPr marL="0" indent="0">
+              <a:buNone/>
+            </a:pPr>
+            <a:endParaRPr lang="en-US" altLang="zh-TW" dirty="0"/>
+          </a:p>
+          <a:p>
+            <a:pPr marL="0" indent="0">
+              <a:buNone/>
+            </a:pPr>
+            <a:r>
+              <a:rPr lang="zh-TW" altLang="en-US" dirty="0"/>
+              <a:t>     </a:t>
+            </a:r>
+            <a:r>
+              <a:rPr lang="zh-TW" altLang="en-US" dirty="0">
+                <a:solidFill>
+                  <a:srgbClr val="FF0000"/>
+                </a:solidFill>
+              </a:rPr>
+              <a:t>解決辦法</a:t>
+            </a:r>
+            <a:r>
+              <a:rPr lang="en-US" altLang="zh-TW" dirty="0">
+                <a:solidFill>
+                  <a:srgbClr val="FF0000"/>
+                </a:solidFill>
+              </a:rPr>
+              <a:t>:</a:t>
+            </a:r>
+            <a:r>
+              <a:rPr lang="zh-TW" altLang="en-US" dirty="0"/>
+              <a:t>觀察程式</a:t>
+            </a:r>
+            <a:r>
+              <a:rPr lang="en-US" altLang="zh-TW" dirty="0"/>
+              <a:t>df[‘</a:t>
+            </a:r>
+            <a:r>
+              <a:rPr lang="en-US" altLang="zh-TW" dirty="0" err="1"/>
+              <a:t>columnName</a:t>
+            </a:r>
+            <a:r>
+              <a:rPr lang="en-US" altLang="zh-TW" dirty="0"/>
+              <a:t>’].sum()</a:t>
+            </a:r>
+            <a:r>
+              <a:rPr lang="zh-TW" altLang="en-US" dirty="0"/>
+              <a:t>後加總的數字是用字串連接組成的，</a:t>
+            </a:r>
+            <a:endParaRPr lang="en-US" altLang="zh-TW" dirty="0"/>
+          </a:p>
+          <a:p>
+            <a:pPr marL="0" indent="0">
+              <a:buNone/>
+            </a:pPr>
+            <a:r>
+              <a:rPr lang="zh-TW" altLang="en-US" dirty="0"/>
+              <a:t>     發現用</a:t>
+            </a:r>
+            <a:r>
+              <a:rPr lang="en-US" altLang="zh-TW" dirty="0" err="1"/>
+              <a:t>Beautifulsoup</a:t>
+            </a:r>
+            <a:r>
+              <a:rPr lang="zh-TW" altLang="en-US" dirty="0"/>
+              <a:t>抓取的第一個欄位資料是</a:t>
+            </a:r>
+            <a:r>
+              <a:rPr lang="en-US" altLang="zh-TW" dirty="0"/>
+              <a:t>XX</a:t>
+            </a:r>
+            <a:r>
+              <a:rPr lang="zh-TW" altLang="en-US" dirty="0"/>
+              <a:t>年</a:t>
+            </a:r>
+            <a:r>
+              <a:rPr lang="en-US" altLang="zh-TW" dirty="0"/>
+              <a:t>X</a:t>
+            </a:r>
+            <a:r>
+              <a:rPr lang="zh-TW" altLang="en-US" dirty="0"/>
+              <a:t>月，陣列中應該要全部是</a:t>
+            </a:r>
+            <a:endParaRPr lang="en-US" altLang="zh-TW" dirty="0"/>
+          </a:p>
+          <a:p>
+            <a:pPr marL="0" indent="0">
+              <a:buNone/>
+            </a:pPr>
+            <a:r>
+              <a:rPr lang="zh-TW" altLang="en-US" dirty="0"/>
+              <a:t>     數字才能加總，不能有字串，修改爬蟲程式將日期資訊分開爬取就能順利解決。</a:t>
+            </a:r>
+            <a:endParaRPr lang="en-US" altLang="zh-TW" dirty="0"/>
+          </a:p>
+          <a:p>
+            <a:endParaRPr lang="zh-TW" altLang="en-US" dirty="0"/>
+          </a:p>
+        </p:txBody>
+      </p:sp>
+      <p:pic>
+        <p:nvPicPr>
+          <p:cNvPr id="5" name="圖片 4">
+            <a:extLst>
+              <a:ext uri="{FF2B5EF4-FFF2-40B4-BE49-F238E27FC236}">
+                <a16:creationId xmlns:a16="http://schemas.microsoft.com/office/drawing/2014/main" id="{3EE8C630-019C-42F3-B1B5-F4248F5F7533}"/>
+              </a:ext>
+            </a:extLst>
+          </p:cNvPr>
+          <p:cNvPicPr>
+            <a:picLocks noChangeAspect="1"/>
+          </p:cNvPicPr>
+          <p:nvPr/>
+        </p:nvPicPr>
+        <p:blipFill>
+          <a:blip r:embed="rId2"/>
+          <a:stretch>
+            <a:fillRect/>
+          </a:stretch>
+        </p:blipFill>
+        <p:spPr>
+          <a:xfrm>
+            <a:off x="1281112" y="3901525"/>
+            <a:ext cx="7257053" cy="2440552"/>
+          </a:xfrm>
+          <a:prstGeom prst="rect">
+            <a:avLst/>
+          </a:prstGeom>
+        </p:spPr>
+      </p:pic>
+      <p:pic>
+        <p:nvPicPr>
+          <p:cNvPr id="7" name="圖片 6">
+            <a:extLst>
+              <a:ext uri="{FF2B5EF4-FFF2-40B4-BE49-F238E27FC236}">
+                <a16:creationId xmlns:a16="http://schemas.microsoft.com/office/drawing/2014/main" id="{FC602482-F534-4EA7-A8A8-43582A973B62}"/>
+              </a:ext>
+            </a:extLst>
+          </p:cNvPr>
+          <p:cNvPicPr>
+            <a:picLocks noChangeAspect="1"/>
+          </p:cNvPicPr>
+          <p:nvPr/>
+        </p:nvPicPr>
+        <p:blipFill rotWithShape="1">
+          <a:blip r:embed="rId3"/>
+          <a:srcRect l="19" t="15967" r="43107" b="10616"/>
+          <a:stretch/>
+        </p:blipFill>
+        <p:spPr>
+          <a:xfrm>
+            <a:off x="6842392" y="4056076"/>
+            <a:ext cx="4127383" cy="1442907"/>
+          </a:xfrm>
+          <a:prstGeom prst="rect">
+            <a:avLst/>
+          </a:prstGeom>
+        </p:spPr>
+      </p:pic>
+    </p:spTree>
+    <p:extLst>
+      <p:ext uri="{BB962C8B-B14F-4D97-AF65-F5344CB8AC3E}">
+        <p14:creationId xmlns:p14="http://schemas.microsoft.com/office/powerpoint/2010/main" val="1798272861"/>
+      </p:ext>
+    </p:extLst>
+  </p:cSld>
+  <p:clrMapOvr>
+    <a:masterClrMapping/>
+  </p:clrMapOvr>
+</p:sld>
+</file>
+
+<file path=ppt/slides/slide7.xml><?xml version="1.0" encoding="utf-8"?>
 <p:sld xmlns:a="http://schemas.openxmlformats.org/drawingml/2006/main" xmlns:r="http://schemas.openxmlformats.org/officeDocument/2006/relationships" xmlns:p="http://schemas.openxmlformats.org/presentationml/2006/main">
   <p:cSld>
     <p:spTree>

--- a/python/專題報告/專題報告-台灣交通事故.pptx
+++ b/python/專題報告/專題報告-台灣交通事故.pptx
@@ -7,11 +7,16 @@
   <p:sldIdLst>
     <p:sldId id="256" r:id="rId2"/>
     <p:sldId id="257" r:id="rId3"/>
-    <p:sldId id="259" r:id="rId4"/>
+    <p:sldId id="260" r:id="rId4"/>
     <p:sldId id="261" r:id="rId5"/>
-    <p:sldId id="260" r:id="rId6"/>
-    <p:sldId id="262" r:id="rId7"/>
-    <p:sldId id="258" r:id="rId8"/>
+    <p:sldId id="259" r:id="rId6"/>
+    <p:sldId id="264" r:id="rId7"/>
+    <p:sldId id="263" r:id="rId8"/>
+    <p:sldId id="262" r:id="rId9"/>
+    <p:sldId id="265" r:id="rId10"/>
+    <p:sldId id="267" r:id="rId11"/>
+    <p:sldId id="266" r:id="rId12"/>
+    <p:sldId id="258" r:id="rId13"/>
   </p:sldIdLst>
   <p:sldSz cx="12192000" cy="6858000"/>
   <p:notesSz cx="6858000" cy="9144000"/>
@@ -841,7 +846,7 @@
             <a:fld id="{B61BEF0D-F0BB-DE4B-95CE-6DB70DBA9567}" type="datetimeFigureOut">
               <a:rPr lang="en-US" dirty="0"/>
               <a:pPr/>
-              <a:t>6/25/2020</a:t>
+              <a:t>6/26/2020</a:t>
             </a:fld>
             <a:endParaRPr lang="en-US" dirty="0"/>
           </a:p>
@@ -1089,7 +1094,7 @@
             <a:fld id="{B61BEF0D-F0BB-DE4B-95CE-6DB70DBA9567}" type="datetimeFigureOut">
               <a:rPr lang="en-US" dirty="0"/>
               <a:pPr/>
-              <a:t>6/25/2020</a:t>
+              <a:t>6/26/2020</a:t>
             </a:fld>
             <a:endParaRPr lang="en-US" dirty="0"/>
           </a:p>
@@ -1400,7 +1405,7 @@
             <a:fld id="{B61BEF0D-F0BB-DE4B-95CE-6DB70DBA9567}" type="datetimeFigureOut">
               <a:rPr lang="en-US" dirty="0"/>
               <a:pPr/>
-              <a:t>6/25/2020</a:t>
+              <a:t>6/26/2020</a:t>
             </a:fld>
             <a:endParaRPr lang="en-US" dirty="0"/>
           </a:p>
@@ -1738,7 +1743,7 @@
             <a:fld id="{B61BEF0D-F0BB-DE4B-95CE-6DB70DBA9567}" type="datetimeFigureOut">
               <a:rPr lang="en-US" dirty="0"/>
               <a:pPr/>
-              <a:t>6/25/2020</a:t>
+              <a:t>6/26/2020</a:t>
             </a:fld>
             <a:endParaRPr lang="en-US" dirty="0"/>
           </a:p>
@@ -2049,7 +2054,7 @@
             <a:fld id="{B61BEF0D-F0BB-DE4B-95CE-6DB70DBA9567}" type="datetimeFigureOut">
               <a:rPr lang="en-US" dirty="0"/>
               <a:pPr/>
-              <a:t>6/25/2020</a:t>
+              <a:t>6/26/2020</a:t>
             </a:fld>
             <a:endParaRPr lang="en-US" dirty="0"/>
           </a:p>
@@ -2439,7 +2444,7 @@
             <a:fld id="{B61BEF0D-F0BB-DE4B-95CE-6DB70DBA9567}" type="datetimeFigureOut">
               <a:rPr lang="en-US" dirty="0"/>
               <a:pPr/>
-              <a:t>6/25/2020</a:t>
+              <a:t>6/26/2020</a:t>
             </a:fld>
             <a:endParaRPr lang="en-US" dirty="0"/>
           </a:p>
@@ -2605,7 +2610,7 @@
           <a:p>
             <a:fld id="{55C6B4A9-1611-4792-9094-5F34BCA07E0B}" type="datetimeFigureOut">
               <a:rPr lang="en-US" dirty="0"/>
-              <a:t>6/25/2020</a:t>
+              <a:t>6/26/2020</a:t>
             </a:fld>
             <a:endParaRPr lang="en-US" dirty="0"/>
           </a:p>
@@ -2781,7 +2786,7 @@
             <a:fld id="{B61BEF0D-F0BB-DE4B-95CE-6DB70DBA9567}" type="datetimeFigureOut">
               <a:rPr lang="en-US" dirty="0"/>
               <a:pPr/>
-              <a:t>6/25/2020</a:t>
+              <a:t>6/26/2020</a:t>
             </a:fld>
             <a:endParaRPr lang="en-US" dirty="0"/>
           </a:p>
@@ -2954,7 +2959,7 @@
             <a:fld id="{B61BEF0D-F0BB-DE4B-95CE-6DB70DBA9567}" type="datetimeFigureOut">
               <a:rPr lang="en-US" dirty="0"/>
               <a:pPr/>
-              <a:t>6/25/2020</a:t>
+              <a:t>6/26/2020</a:t>
             </a:fld>
             <a:endParaRPr lang="en-US" dirty="0"/>
           </a:p>
@@ -3198,7 +3203,7 @@
             <a:fld id="{B61BEF0D-F0BB-DE4B-95CE-6DB70DBA9567}" type="datetimeFigureOut">
               <a:rPr lang="en-US" dirty="0"/>
               <a:pPr/>
-              <a:t>6/25/2020</a:t>
+              <a:t>6/26/2020</a:t>
             </a:fld>
             <a:endParaRPr lang="en-US" dirty="0"/>
           </a:p>
@@ -3426,7 +3431,7 @@
           <a:p>
             <a:fld id="{EB712588-04B1-427B-82EE-E8DB90309F08}" type="datetimeFigureOut">
               <a:rPr lang="en-US" dirty="0"/>
-              <a:t>6/25/2020</a:t>
+              <a:t>6/26/2020</a:t>
             </a:fld>
             <a:endParaRPr lang="en-US" dirty="0"/>
           </a:p>
@@ -3796,7 +3801,7 @@
             <a:fld id="{B61BEF0D-F0BB-DE4B-95CE-6DB70DBA9567}" type="datetimeFigureOut">
               <a:rPr lang="en-US" dirty="0"/>
               <a:pPr/>
-              <a:t>6/25/2020</a:t>
+              <a:t>6/26/2020</a:t>
             </a:fld>
             <a:endParaRPr lang="en-US" dirty="0"/>
           </a:p>
@@ -3916,7 +3921,7 @@
             <a:fld id="{B61BEF0D-F0BB-DE4B-95CE-6DB70DBA9567}" type="datetimeFigureOut">
               <a:rPr lang="en-US" dirty="0"/>
               <a:pPr/>
-              <a:t>6/25/2020</a:t>
+              <a:t>6/26/2020</a:t>
             </a:fld>
             <a:endParaRPr lang="en-US" dirty="0"/>
           </a:p>
@@ -4008,7 +4013,7 @@
             <a:fld id="{B61BEF0D-F0BB-DE4B-95CE-6DB70DBA9567}" type="datetimeFigureOut">
               <a:rPr lang="en-US" dirty="0"/>
               <a:pPr/>
-              <a:t>6/25/2020</a:t>
+              <a:t>6/26/2020</a:t>
             </a:fld>
             <a:endParaRPr lang="en-US" dirty="0"/>
           </a:p>
@@ -4259,7 +4264,7 @@
           <a:p>
             <a:fld id="{42A54C80-263E-416B-A8E0-580EDEADCBDC}" type="datetimeFigureOut">
               <a:rPr lang="en-US" dirty="0"/>
-              <a:t>6/25/2020</a:t>
+              <a:t>6/26/2020</a:t>
             </a:fld>
             <a:endParaRPr lang="en-US" dirty="0"/>
           </a:p>
@@ -4518,7 +4523,7 @@
             <a:fld id="{B61BEF0D-F0BB-DE4B-95CE-6DB70DBA9567}" type="datetimeFigureOut">
               <a:rPr lang="en-US" dirty="0"/>
               <a:pPr/>
-              <a:t>6/25/2020</a:t>
+              <a:t>6/26/2020</a:t>
             </a:fld>
             <a:endParaRPr lang="en-US" dirty="0"/>
           </a:p>
@@ -5258,7 +5263,7 @@
             <a:fld id="{B61BEF0D-F0BB-DE4B-95CE-6DB70DBA9567}" type="datetimeFigureOut">
               <a:rPr lang="en-US" dirty="0"/>
               <a:pPr/>
-              <a:t>6/25/2020</a:t>
+              <a:t>6/26/2020</a:t>
             </a:fld>
             <a:endParaRPr lang="en-US" dirty="0"/>
           </a:p>
@@ -5837,8 +5842,8 @@
         </p:nvSpPr>
         <p:spPr>
           <a:xfrm>
-            <a:off x="1845577" y="3934437"/>
-            <a:ext cx="7428425" cy="1400962"/>
+            <a:off x="2759978" y="3707934"/>
+            <a:ext cx="7453591" cy="1006678"/>
           </a:xfrm>
         </p:spPr>
         <p:txBody>
@@ -5872,23 +5877,1638 @@
             </a:r>
             <a:r>
               <a:rPr lang="zh-TW" altLang="en-US" dirty="0"/>
-              <a:t>檔和爬蟲抓取網頁資訊再以</a:t>
-            </a:r>
-            <a:r>
-              <a:rPr lang="en-US" altLang="zh-TW" dirty="0"/>
-              <a:t>Pandas</a:t>
-            </a:r>
+              <a:t>檔和爬蟲抓取網頁資訊統整資料，最後用</a:t>
+            </a:r>
+            <a:endParaRPr lang="en-US" altLang="zh-TW" dirty="0"/>
+          </a:p>
+          <a:p>
+            <a:pPr algn="l"/>
             <a:r>
               <a:rPr lang="zh-TW" altLang="en-US" dirty="0"/>
-              <a:t>統整資料，最後用繪圖程式繪製各種統計圖完成此專題。</a:t>
-            </a:r>
-          </a:p>
-        </p:txBody>
-      </p:sp>
+              <a:t>繪圖程式繪製各種統計圖完成此專題。</a:t>
+            </a:r>
+          </a:p>
+        </p:txBody>
+      </p:sp>
+      <p:pic>
+        <p:nvPicPr>
+          <p:cNvPr id="5" name="圖片 4">
+            <a:extLst>
+              <a:ext uri="{FF2B5EF4-FFF2-40B4-BE49-F238E27FC236}">
+                <a16:creationId xmlns:a16="http://schemas.microsoft.com/office/drawing/2014/main" id="{A060CEE6-3F65-466C-85E1-4FAD0D378B0A}"/>
+              </a:ext>
+            </a:extLst>
+          </p:cNvPr>
+          <p:cNvPicPr>
+            <a:picLocks noChangeAspect="1"/>
+          </p:cNvPicPr>
+          <p:nvPr/>
+        </p:nvPicPr>
+        <p:blipFill rotWithShape="1">
+          <a:blip r:embed="rId2"/>
+          <a:srcRect l="9137" t="13713" r="7173" b="16472"/>
+          <a:stretch/>
+        </p:blipFill>
+        <p:spPr>
+          <a:xfrm>
+            <a:off x="6199464" y="5129867"/>
+            <a:ext cx="1761688" cy="1564547"/>
+          </a:xfrm>
+          <a:prstGeom prst="rect">
+            <a:avLst/>
+          </a:prstGeom>
+        </p:spPr>
+      </p:pic>
     </p:spTree>
     <p:extLst>
       <p:ext uri="{BB962C8B-B14F-4D97-AF65-F5344CB8AC3E}">
         <p14:creationId xmlns:p14="http://schemas.microsoft.com/office/powerpoint/2010/main" val="1724568722"/>
+      </p:ext>
+    </p:extLst>
+  </p:cSld>
+  <p:clrMapOvr>
+    <a:masterClrMapping/>
+  </p:clrMapOvr>
+</p:sld>
+</file>
+
+<file path=ppt/slides/slide10.xml><?xml version="1.0" encoding="utf-8"?>
+<p:sld xmlns:a="http://schemas.openxmlformats.org/drawingml/2006/main" xmlns:r="http://schemas.openxmlformats.org/officeDocument/2006/relationships" xmlns:p="http://schemas.openxmlformats.org/presentationml/2006/main">
+  <p:cSld>
+    <p:spTree>
+      <p:nvGrpSpPr>
+        <p:cNvPr id="1" name=""/>
+        <p:cNvGrpSpPr/>
+        <p:nvPr/>
+      </p:nvGrpSpPr>
+      <p:grpSpPr>
+        <a:xfrm>
+          <a:off x="0" y="0"/>
+          <a:ext cx="0" cy="0"/>
+          <a:chOff x="0" y="0"/>
+          <a:chExt cx="0" cy="0"/>
+        </a:xfrm>
+      </p:grpSpPr>
+      <p:sp>
+        <p:nvSpPr>
+          <p:cNvPr id="2" name="標題 1">
+            <a:extLst>
+              <a:ext uri="{FF2B5EF4-FFF2-40B4-BE49-F238E27FC236}">
+                <a16:creationId xmlns:a16="http://schemas.microsoft.com/office/drawing/2014/main" id="{BCA50BD2-ADA4-455B-A50B-19E3D2317D7A}"/>
+              </a:ext>
+            </a:extLst>
+          </p:cNvPr>
+          <p:cNvSpPr>
+            <a:spLocks noGrp="1"/>
+          </p:cNvSpPr>
+          <p:nvPr>
+            <p:ph type="title"/>
+          </p:nvPr>
+        </p:nvSpPr>
+        <p:spPr/>
+        <p:txBody>
+          <a:bodyPr/>
+          <a:lstStyle/>
+          <a:p>
+            <a:r>
+              <a:rPr lang="zh-TW" altLang="en-US" dirty="0"/>
+              <a:t>機車事故前</a:t>
+            </a:r>
+            <a:r>
+              <a:rPr lang="en-US" altLang="zh-TW" dirty="0"/>
+              <a:t>5</a:t>
+            </a:r>
+            <a:r>
+              <a:rPr lang="zh-TW" altLang="en-US" dirty="0"/>
+              <a:t>名縣市</a:t>
+            </a:r>
+            <a:r>
+              <a:rPr lang="en-US" altLang="zh-TW" dirty="0"/>
+              <a:t>(</a:t>
+            </a:r>
+            <a:r>
+              <a:rPr lang="zh-TW" altLang="en-US" dirty="0"/>
+              <a:t>年度統計</a:t>
+            </a:r>
+            <a:r>
+              <a:rPr lang="en-US" altLang="zh-TW" dirty="0"/>
+              <a:t>)</a:t>
+            </a:r>
+            <a:endParaRPr lang="zh-TW" altLang="en-US" dirty="0"/>
+          </a:p>
+        </p:txBody>
+      </p:sp>
+      <p:graphicFrame>
+        <p:nvGraphicFramePr>
+          <p:cNvPr id="4" name="表格 4">
+            <a:extLst>
+              <a:ext uri="{FF2B5EF4-FFF2-40B4-BE49-F238E27FC236}">
+                <a16:creationId xmlns:a16="http://schemas.microsoft.com/office/drawing/2014/main" id="{11F5FAAA-6DF2-45AC-A98F-FAEF0BC76277}"/>
+              </a:ext>
+            </a:extLst>
+          </p:cNvPr>
+          <p:cNvGraphicFramePr>
+            <a:graphicFrameLocks noGrp="1"/>
+          </p:cNvGraphicFramePr>
+          <p:nvPr>
+            <p:ph idx="1"/>
+            <p:extLst>
+              <p:ext uri="{D42A27DB-BD31-4B8C-83A1-F6EECF244321}">
+                <p14:modId xmlns:p14="http://schemas.microsoft.com/office/powerpoint/2010/main" val="87940893"/>
+              </p:ext>
+            </p:extLst>
+          </p:nvPr>
+        </p:nvGraphicFramePr>
+        <p:xfrm>
+          <a:off x="677334" y="1497857"/>
+          <a:ext cx="8596308" cy="1483360"/>
+        </p:xfrm>
+        <a:graphic>
+          <a:graphicData uri="http://schemas.openxmlformats.org/drawingml/2006/table">
+            <a:tbl>
+              <a:tblPr firstRow="1" bandRow="1">
+                <a:tableStyleId>{5C22544A-7EE6-4342-B048-85BDC9FD1C3A}</a:tableStyleId>
+              </a:tblPr>
+              <a:tblGrid>
+                <a:gridCol w="1432718">
+                  <a:extLst>
+                    <a:ext uri="{9D8B030D-6E8A-4147-A177-3AD203B41FA5}">
+                      <a16:colId xmlns:a16="http://schemas.microsoft.com/office/drawing/2014/main" val="2141291189"/>
+                    </a:ext>
+                  </a:extLst>
+                </a:gridCol>
+                <a:gridCol w="1432718">
+                  <a:extLst>
+                    <a:ext uri="{9D8B030D-6E8A-4147-A177-3AD203B41FA5}">
+                      <a16:colId xmlns:a16="http://schemas.microsoft.com/office/drawing/2014/main" val="3396378759"/>
+                    </a:ext>
+                  </a:extLst>
+                </a:gridCol>
+                <a:gridCol w="1432718">
+                  <a:extLst>
+                    <a:ext uri="{9D8B030D-6E8A-4147-A177-3AD203B41FA5}">
+                      <a16:colId xmlns:a16="http://schemas.microsoft.com/office/drawing/2014/main" val="4043148101"/>
+                    </a:ext>
+                  </a:extLst>
+                </a:gridCol>
+                <a:gridCol w="1432718">
+                  <a:extLst>
+                    <a:ext uri="{9D8B030D-6E8A-4147-A177-3AD203B41FA5}">
+                      <a16:colId xmlns:a16="http://schemas.microsoft.com/office/drawing/2014/main" val="1993468942"/>
+                    </a:ext>
+                  </a:extLst>
+                </a:gridCol>
+                <a:gridCol w="1432718">
+                  <a:extLst>
+                    <a:ext uri="{9D8B030D-6E8A-4147-A177-3AD203B41FA5}">
+                      <a16:colId xmlns:a16="http://schemas.microsoft.com/office/drawing/2014/main" val="2163184711"/>
+                    </a:ext>
+                  </a:extLst>
+                </a:gridCol>
+                <a:gridCol w="1432718">
+                  <a:extLst>
+                    <a:ext uri="{9D8B030D-6E8A-4147-A177-3AD203B41FA5}">
+                      <a16:colId xmlns:a16="http://schemas.microsoft.com/office/drawing/2014/main" val="589574047"/>
+                    </a:ext>
+                  </a:extLst>
+                </a:gridCol>
+              </a:tblGrid>
+              <a:tr h="370840">
+                <a:tc>
+                  <a:txBody>
+                    <a:bodyPr/>
+                    <a:lstStyle/>
+                    <a:p>
+                      <a:r>
+                        <a:rPr lang="en-US" altLang="zh-TW" dirty="0"/>
+                        <a:t>A1</a:t>
+                      </a:r>
+                      <a:r>
+                        <a:rPr lang="zh-TW" altLang="en-US" dirty="0"/>
+                        <a:t>類</a:t>
+                      </a:r>
+                    </a:p>
+                  </a:txBody>
+                  <a:tcPr/>
+                </a:tc>
+                <a:tc>
+                  <a:txBody>
+                    <a:bodyPr/>
+                    <a:lstStyle/>
+                    <a:p>
+                      <a:r>
+                        <a:rPr lang="zh-TW" altLang="en-US" dirty="0"/>
+                        <a:t>第</a:t>
+                      </a:r>
+                      <a:r>
+                        <a:rPr lang="en-US" altLang="zh-TW" dirty="0"/>
+                        <a:t>1</a:t>
+                      </a:r>
+                      <a:r>
+                        <a:rPr lang="zh-TW" altLang="en-US" dirty="0"/>
+                        <a:t>名</a:t>
+                      </a:r>
+                    </a:p>
+                  </a:txBody>
+                  <a:tcPr/>
+                </a:tc>
+                <a:tc>
+                  <a:txBody>
+                    <a:bodyPr/>
+                    <a:lstStyle/>
+                    <a:p>
+                      <a:pPr marL="0" marR="0" lvl="0" indent="0" algn="l" defTabSz="457200" rtl="0" eaLnBrk="1" fontAlgn="auto" latinLnBrk="0" hangingPunct="1">
+                        <a:lnSpc>
+                          <a:spcPct val="100000"/>
+                        </a:lnSpc>
+                        <a:spcBef>
+                          <a:spcPts val="0"/>
+                        </a:spcBef>
+                        <a:spcAft>
+                          <a:spcPts val="0"/>
+                        </a:spcAft>
+                        <a:buClrTx/>
+                        <a:buSzTx/>
+                        <a:buFontTx/>
+                        <a:buNone/>
+                        <a:tabLst/>
+                        <a:defRPr/>
+                      </a:pPr>
+                      <a:r>
+                        <a:rPr lang="zh-TW" altLang="en-US" dirty="0"/>
+                        <a:t>第</a:t>
+                      </a:r>
+                      <a:r>
+                        <a:rPr lang="en-US" altLang="zh-TW" dirty="0"/>
+                        <a:t>2</a:t>
+                      </a:r>
+                      <a:r>
+                        <a:rPr lang="zh-TW" altLang="en-US" dirty="0"/>
+                        <a:t>名</a:t>
+                      </a:r>
+                    </a:p>
+                  </a:txBody>
+                  <a:tcPr/>
+                </a:tc>
+                <a:tc>
+                  <a:txBody>
+                    <a:bodyPr/>
+                    <a:lstStyle/>
+                    <a:p>
+                      <a:pPr marL="0" marR="0" lvl="0" indent="0" algn="l" defTabSz="457200" rtl="0" eaLnBrk="1" fontAlgn="auto" latinLnBrk="0" hangingPunct="1">
+                        <a:lnSpc>
+                          <a:spcPct val="100000"/>
+                        </a:lnSpc>
+                        <a:spcBef>
+                          <a:spcPts val="0"/>
+                        </a:spcBef>
+                        <a:spcAft>
+                          <a:spcPts val="0"/>
+                        </a:spcAft>
+                        <a:buClrTx/>
+                        <a:buSzTx/>
+                        <a:buFontTx/>
+                        <a:buNone/>
+                        <a:tabLst/>
+                        <a:defRPr/>
+                      </a:pPr>
+                      <a:r>
+                        <a:rPr lang="zh-TW" altLang="en-US" dirty="0"/>
+                        <a:t>第</a:t>
+                      </a:r>
+                      <a:r>
+                        <a:rPr lang="en-US" altLang="zh-TW" dirty="0"/>
+                        <a:t>3</a:t>
+                      </a:r>
+                      <a:r>
+                        <a:rPr lang="zh-TW" altLang="en-US" dirty="0"/>
+                        <a:t>名</a:t>
+                      </a:r>
+                      <a:endParaRPr lang="en-US" altLang="zh-TW" dirty="0"/>
+                    </a:p>
+                  </a:txBody>
+                  <a:tcPr/>
+                </a:tc>
+                <a:tc>
+                  <a:txBody>
+                    <a:bodyPr/>
+                    <a:lstStyle/>
+                    <a:p>
+                      <a:pPr marL="0" marR="0" lvl="0" indent="0" algn="l" defTabSz="457200" rtl="0" eaLnBrk="1" fontAlgn="auto" latinLnBrk="0" hangingPunct="1">
+                        <a:lnSpc>
+                          <a:spcPct val="100000"/>
+                        </a:lnSpc>
+                        <a:spcBef>
+                          <a:spcPts val="0"/>
+                        </a:spcBef>
+                        <a:spcAft>
+                          <a:spcPts val="0"/>
+                        </a:spcAft>
+                        <a:buClrTx/>
+                        <a:buSzTx/>
+                        <a:buFontTx/>
+                        <a:buNone/>
+                        <a:tabLst/>
+                        <a:defRPr/>
+                      </a:pPr>
+                      <a:r>
+                        <a:rPr lang="zh-TW" altLang="en-US" dirty="0"/>
+                        <a:t>第</a:t>
+                      </a:r>
+                      <a:r>
+                        <a:rPr lang="en-US" altLang="zh-TW" dirty="0"/>
+                        <a:t>4</a:t>
+                      </a:r>
+                      <a:r>
+                        <a:rPr lang="zh-TW" altLang="en-US" dirty="0"/>
+                        <a:t>名</a:t>
+                      </a:r>
+                    </a:p>
+                  </a:txBody>
+                  <a:tcPr/>
+                </a:tc>
+                <a:tc>
+                  <a:txBody>
+                    <a:bodyPr/>
+                    <a:lstStyle/>
+                    <a:p>
+                      <a:pPr marL="0" marR="0" lvl="0" indent="0" algn="l" defTabSz="457200" rtl="0" eaLnBrk="1" fontAlgn="auto" latinLnBrk="0" hangingPunct="1">
+                        <a:lnSpc>
+                          <a:spcPct val="100000"/>
+                        </a:lnSpc>
+                        <a:spcBef>
+                          <a:spcPts val="0"/>
+                        </a:spcBef>
+                        <a:spcAft>
+                          <a:spcPts val="0"/>
+                        </a:spcAft>
+                        <a:buClrTx/>
+                        <a:buSzTx/>
+                        <a:buFontTx/>
+                        <a:buNone/>
+                        <a:tabLst/>
+                        <a:defRPr/>
+                      </a:pPr>
+                      <a:r>
+                        <a:rPr lang="zh-TW" altLang="en-US" dirty="0"/>
+                        <a:t>第</a:t>
+                      </a:r>
+                      <a:r>
+                        <a:rPr lang="en-US" altLang="zh-TW" dirty="0"/>
+                        <a:t>5</a:t>
+                      </a:r>
+                      <a:r>
+                        <a:rPr lang="zh-TW" altLang="en-US" dirty="0"/>
+                        <a:t>名</a:t>
+                      </a:r>
+                    </a:p>
+                  </a:txBody>
+                  <a:tcPr/>
+                </a:tc>
+                <a:extLst>
+                  <a:ext uri="{0D108BD9-81ED-4DB2-BD59-A6C34878D82A}">
+                    <a16:rowId xmlns:a16="http://schemas.microsoft.com/office/drawing/2014/main" val="3104829493"/>
+                  </a:ext>
+                </a:extLst>
+              </a:tr>
+              <a:tr h="370840">
+                <a:tc>
+                  <a:txBody>
+                    <a:bodyPr/>
+                    <a:lstStyle/>
+                    <a:p>
+                      <a:r>
+                        <a:rPr lang="en-US" altLang="zh-TW" dirty="0"/>
+                        <a:t>107</a:t>
+                      </a:r>
+                      <a:r>
+                        <a:rPr lang="zh-TW" altLang="en-US" dirty="0"/>
+                        <a:t>年</a:t>
+                      </a:r>
+                    </a:p>
+                  </a:txBody>
+                  <a:tcPr/>
+                </a:tc>
+                <a:tc>
+                  <a:txBody>
+                    <a:bodyPr/>
+                    <a:lstStyle/>
+                    <a:p>
+                      <a:r>
+                        <a:rPr lang="zh-TW" altLang="en-US" dirty="0"/>
+                        <a:t>嘉義縣</a:t>
+                      </a:r>
+                    </a:p>
+                  </a:txBody>
+                  <a:tcPr/>
+                </a:tc>
+                <a:tc>
+                  <a:txBody>
+                    <a:bodyPr/>
+                    <a:lstStyle/>
+                    <a:p>
+                      <a:r>
+                        <a:rPr lang="zh-TW" altLang="en-US" dirty="0"/>
+                        <a:t>臺東縣</a:t>
+                      </a:r>
+                    </a:p>
+                  </a:txBody>
+                  <a:tcPr/>
+                </a:tc>
+                <a:tc>
+                  <a:txBody>
+                    <a:bodyPr/>
+                    <a:lstStyle/>
+                    <a:p>
+                      <a:r>
+                        <a:rPr lang="zh-TW" altLang="en-US" dirty="0"/>
+                        <a:t>屏東縣</a:t>
+                      </a:r>
+                    </a:p>
+                  </a:txBody>
+                  <a:tcPr/>
+                </a:tc>
+                <a:tc>
+                  <a:txBody>
+                    <a:bodyPr/>
+                    <a:lstStyle/>
+                    <a:p>
+                      <a:r>
+                        <a:rPr lang="zh-TW" altLang="en-US" dirty="0"/>
+                        <a:t>南投縣</a:t>
+                      </a:r>
+                    </a:p>
+                  </a:txBody>
+                  <a:tcPr/>
+                </a:tc>
+                <a:tc>
+                  <a:txBody>
+                    <a:bodyPr/>
+                    <a:lstStyle/>
+                    <a:p>
+                      <a:r>
+                        <a:rPr lang="zh-TW" altLang="en-US" dirty="0"/>
+                        <a:t>新竹縣</a:t>
+                      </a:r>
+                    </a:p>
+                  </a:txBody>
+                  <a:tcPr/>
+                </a:tc>
+                <a:extLst>
+                  <a:ext uri="{0D108BD9-81ED-4DB2-BD59-A6C34878D82A}">
+                    <a16:rowId xmlns:a16="http://schemas.microsoft.com/office/drawing/2014/main" val="637522521"/>
+                  </a:ext>
+                </a:extLst>
+              </a:tr>
+              <a:tr h="370840">
+                <a:tc>
+                  <a:txBody>
+                    <a:bodyPr/>
+                    <a:lstStyle/>
+                    <a:p>
+                      <a:r>
+                        <a:rPr lang="en-US" altLang="zh-TW" dirty="0"/>
+                        <a:t>108</a:t>
+                      </a:r>
+                      <a:r>
+                        <a:rPr lang="zh-TW" altLang="en-US" dirty="0"/>
+                        <a:t>年</a:t>
+                      </a:r>
+                    </a:p>
+                  </a:txBody>
+                  <a:tcPr/>
+                </a:tc>
+                <a:tc>
+                  <a:txBody>
+                    <a:bodyPr/>
+                    <a:lstStyle/>
+                    <a:p>
+                      <a:r>
+                        <a:rPr lang="zh-TW" altLang="en-US" dirty="0"/>
+                        <a:t>嘉義縣</a:t>
+                      </a:r>
+                    </a:p>
+                  </a:txBody>
+                  <a:tcPr/>
+                </a:tc>
+                <a:tc>
+                  <a:txBody>
+                    <a:bodyPr/>
+                    <a:lstStyle/>
+                    <a:p>
+                      <a:r>
+                        <a:rPr lang="zh-TW" altLang="en-US" dirty="0"/>
+                        <a:t>臺東縣</a:t>
+                      </a:r>
+                    </a:p>
+                  </a:txBody>
+                  <a:tcPr/>
+                </a:tc>
+                <a:tc>
+                  <a:txBody>
+                    <a:bodyPr/>
+                    <a:lstStyle/>
+                    <a:p>
+                      <a:r>
+                        <a:rPr lang="zh-TW" altLang="en-US" dirty="0"/>
+                        <a:t>屏東縣</a:t>
+                      </a:r>
+                    </a:p>
+                  </a:txBody>
+                  <a:tcPr/>
+                </a:tc>
+                <a:tc>
+                  <a:txBody>
+                    <a:bodyPr/>
+                    <a:lstStyle/>
+                    <a:p>
+                      <a:r>
+                        <a:rPr lang="zh-TW" altLang="en-US" dirty="0"/>
+                        <a:t>雲林縣</a:t>
+                      </a:r>
+                    </a:p>
+                  </a:txBody>
+                  <a:tcPr/>
+                </a:tc>
+                <a:tc>
+                  <a:txBody>
+                    <a:bodyPr/>
+                    <a:lstStyle/>
+                    <a:p>
+                      <a:r>
+                        <a:rPr lang="zh-TW" altLang="en-US" dirty="0"/>
+                        <a:t>苗栗縣</a:t>
+                      </a:r>
+                    </a:p>
+                  </a:txBody>
+                  <a:tcPr/>
+                </a:tc>
+                <a:extLst>
+                  <a:ext uri="{0D108BD9-81ED-4DB2-BD59-A6C34878D82A}">
+                    <a16:rowId xmlns:a16="http://schemas.microsoft.com/office/drawing/2014/main" val="2332558387"/>
+                  </a:ext>
+                </a:extLst>
+              </a:tr>
+              <a:tr h="370840">
+                <a:tc>
+                  <a:txBody>
+                    <a:bodyPr/>
+                    <a:lstStyle/>
+                    <a:p>
+                      <a:r>
+                        <a:rPr lang="en-US" altLang="zh-TW" dirty="0"/>
+                        <a:t>109</a:t>
+                      </a:r>
+                      <a:r>
+                        <a:rPr lang="zh-TW" altLang="en-US" dirty="0"/>
+                        <a:t>年</a:t>
+                      </a:r>
+                      <a:r>
+                        <a:rPr lang="en-US" altLang="zh-TW" dirty="0"/>
+                        <a:t>(1-5</a:t>
+                      </a:r>
+                      <a:r>
+                        <a:rPr lang="zh-TW" altLang="en-US" dirty="0"/>
+                        <a:t>月</a:t>
+                      </a:r>
+                      <a:r>
+                        <a:rPr lang="en-US" altLang="zh-TW" dirty="0"/>
+                        <a:t>)</a:t>
+                      </a:r>
+                      <a:endParaRPr lang="zh-TW" altLang="en-US" dirty="0"/>
+                    </a:p>
+                  </a:txBody>
+                  <a:tcPr/>
+                </a:tc>
+                <a:tc>
+                  <a:txBody>
+                    <a:bodyPr/>
+                    <a:lstStyle/>
+                    <a:p>
+                      <a:r>
+                        <a:rPr lang="zh-TW" altLang="en-US" dirty="0"/>
+                        <a:t>新竹市</a:t>
+                      </a:r>
+                    </a:p>
+                  </a:txBody>
+                  <a:tcPr/>
+                </a:tc>
+                <a:tc>
+                  <a:txBody>
+                    <a:bodyPr/>
+                    <a:lstStyle/>
+                    <a:p>
+                      <a:r>
+                        <a:rPr lang="zh-TW" altLang="en-US" dirty="0"/>
+                        <a:t>臺東縣</a:t>
+                      </a:r>
+                    </a:p>
+                  </a:txBody>
+                  <a:tcPr/>
+                </a:tc>
+                <a:tc>
+                  <a:txBody>
+                    <a:bodyPr/>
+                    <a:lstStyle/>
+                    <a:p>
+                      <a:r>
+                        <a:rPr lang="zh-TW" altLang="en-US" dirty="0"/>
+                        <a:t>嘉義縣</a:t>
+                      </a:r>
+                    </a:p>
+                  </a:txBody>
+                  <a:tcPr/>
+                </a:tc>
+                <a:tc>
+                  <a:txBody>
+                    <a:bodyPr/>
+                    <a:lstStyle/>
+                    <a:p>
+                      <a:r>
+                        <a:rPr lang="zh-TW" altLang="en-US" dirty="0"/>
+                        <a:t>雲林縣</a:t>
+                      </a:r>
+                    </a:p>
+                  </a:txBody>
+                  <a:tcPr/>
+                </a:tc>
+                <a:tc>
+                  <a:txBody>
+                    <a:bodyPr/>
+                    <a:lstStyle/>
+                    <a:p>
+                      <a:r>
+                        <a:rPr lang="zh-TW" altLang="en-US" dirty="0"/>
+                        <a:t>屏東縣</a:t>
+                      </a:r>
+                    </a:p>
+                  </a:txBody>
+                  <a:tcPr/>
+                </a:tc>
+                <a:extLst>
+                  <a:ext uri="{0D108BD9-81ED-4DB2-BD59-A6C34878D82A}">
+                    <a16:rowId xmlns:a16="http://schemas.microsoft.com/office/drawing/2014/main" val="583257043"/>
+                  </a:ext>
+                </a:extLst>
+              </a:tr>
+            </a:tbl>
+          </a:graphicData>
+        </a:graphic>
+      </p:graphicFrame>
+      <p:graphicFrame>
+        <p:nvGraphicFramePr>
+          <p:cNvPr id="6" name="表格 6">
+            <a:extLst>
+              <a:ext uri="{FF2B5EF4-FFF2-40B4-BE49-F238E27FC236}">
+                <a16:creationId xmlns:a16="http://schemas.microsoft.com/office/drawing/2014/main" id="{935ADF7E-D808-440C-850B-446D3D6849E5}"/>
+              </a:ext>
+            </a:extLst>
+          </p:cNvPr>
+          <p:cNvGraphicFramePr>
+            <a:graphicFrameLocks noGrp="1"/>
+          </p:cNvGraphicFramePr>
+          <p:nvPr>
+            <p:extLst>
+              <p:ext uri="{D42A27DB-BD31-4B8C-83A1-F6EECF244321}">
+                <p14:modId xmlns:p14="http://schemas.microsoft.com/office/powerpoint/2010/main" val="4158936488"/>
+              </p:ext>
+            </p:extLst>
+          </p:nvPr>
+        </p:nvGraphicFramePr>
+        <p:xfrm>
+          <a:off x="677334" y="3212798"/>
+          <a:ext cx="8596308" cy="1483360"/>
+        </p:xfrm>
+        <a:graphic>
+          <a:graphicData uri="http://schemas.openxmlformats.org/drawingml/2006/table">
+            <a:tbl>
+              <a:tblPr firstRow="1" bandRow="1">
+                <a:tableStyleId>{5C22544A-7EE6-4342-B048-85BDC9FD1C3A}</a:tableStyleId>
+              </a:tblPr>
+              <a:tblGrid>
+                <a:gridCol w="1432718">
+                  <a:extLst>
+                    <a:ext uri="{9D8B030D-6E8A-4147-A177-3AD203B41FA5}">
+                      <a16:colId xmlns:a16="http://schemas.microsoft.com/office/drawing/2014/main" val="1116018780"/>
+                    </a:ext>
+                  </a:extLst>
+                </a:gridCol>
+                <a:gridCol w="1432718">
+                  <a:extLst>
+                    <a:ext uri="{9D8B030D-6E8A-4147-A177-3AD203B41FA5}">
+                      <a16:colId xmlns:a16="http://schemas.microsoft.com/office/drawing/2014/main" val="1176679098"/>
+                    </a:ext>
+                  </a:extLst>
+                </a:gridCol>
+                <a:gridCol w="1432718">
+                  <a:extLst>
+                    <a:ext uri="{9D8B030D-6E8A-4147-A177-3AD203B41FA5}">
+                      <a16:colId xmlns:a16="http://schemas.microsoft.com/office/drawing/2014/main" val="244448536"/>
+                    </a:ext>
+                  </a:extLst>
+                </a:gridCol>
+                <a:gridCol w="1432718">
+                  <a:extLst>
+                    <a:ext uri="{9D8B030D-6E8A-4147-A177-3AD203B41FA5}">
+                      <a16:colId xmlns:a16="http://schemas.microsoft.com/office/drawing/2014/main" val="1243064271"/>
+                    </a:ext>
+                  </a:extLst>
+                </a:gridCol>
+                <a:gridCol w="1432718">
+                  <a:extLst>
+                    <a:ext uri="{9D8B030D-6E8A-4147-A177-3AD203B41FA5}">
+                      <a16:colId xmlns:a16="http://schemas.microsoft.com/office/drawing/2014/main" val="1453833011"/>
+                    </a:ext>
+                  </a:extLst>
+                </a:gridCol>
+                <a:gridCol w="1432718">
+                  <a:extLst>
+                    <a:ext uri="{9D8B030D-6E8A-4147-A177-3AD203B41FA5}">
+                      <a16:colId xmlns:a16="http://schemas.microsoft.com/office/drawing/2014/main" val="3212860802"/>
+                    </a:ext>
+                  </a:extLst>
+                </a:gridCol>
+              </a:tblGrid>
+              <a:tr h="370840">
+                <a:tc>
+                  <a:txBody>
+                    <a:bodyPr/>
+                    <a:lstStyle/>
+                    <a:p>
+                      <a:r>
+                        <a:rPr lang="en-US" altLang="zh-TW" dirty="0"/>
+                        <a:t>A2</a:t>
+                      </a:r>
+                      <a:r>
+                        <a:rPr lang="zh-TW" altLang="en-US" dirty="0"/>
+                        <a:t>類</a:t>
+                      </a:r>
+                    </a:p>
+                  </a:txBody>
+                  <a:tcPr/>
+                </a:tc>
+                <a:tc>
+                  <a:txBody>
+                    <a:bodyPr/>
+                    <a:lstStyle/>
+                    <a:p>
+                      <a:pPr marL="0" marR="0" lvl="0" indent="0" algn="l" defTabSz="457200" rtl="0" eaLnBrk="1" fontAlgn="auto" latinLnBrk="0" hangingPunct="1">
+                        <a:lnSpc>
+                          <a:spcPct val="100000"/>
+                        </a:lnSpc>
+                        <a:spcBef>
+                          <a:spcPts val="0"/>
+                        </a:spcBef>
+                        <a:spcAft>
+                          <a:spcPts val="0"/>
+                        </a:spcAft>
+                        <a:buClrTx/>
+                        <a:buSzTx/>
+                        <a:buFontTx/>
+                        <a:buNone/>
+                        <a:tabLst/>
+                        <a:defRPr/>
+                      </a:pPr>
+                      <a:r>
+                        <a:rPr lang="zh-TW" altLang="en-US" dirty="0"/>
+                        <a:t>第</a:t>
+                      </a:r>
+                      <a:r>
+                        <a:rPr lang="en-US" altLang="zh-TW" dirty="0"/>
+                        <a:t>1</a:t>
+                      </a:r>
+                      <a:r>
+                        <a:rPr lang="zh-TW" altLang="en-US" dirty="0"/>
+                        <a:t>名</a:t>
+                      </a:r>
+                    </a:p>
+                  </a:txBody>
+                  <a:tcPr/>
+                </a:tc>
+                <a:tc>
+                  <a:txBody>
+                    <a:bodyPr/>
+                    <a:lstStyle/>
+                    <a:p>
+                      <a:r>
+                        <a:rPr lang="zh-TW" altLang="en-US" dirty="0"/>
+                        <a:t>第</a:t>
+                      </a:r>
+                      <a:r>
+                        <a:rPr lang="en-US" altLang="zh-TW" dirty="0"/>
+                        <a:t>2</a:t>
+                      </a:r>
+                      <a:r>
+                        <a:rPr lang="zh-TW" altLang="en-US" dirty="0"/>
+                        <a:t>名</a:t>
+                      </a:r>
+                    </a:p>
+                  </a:txBody>
+                  <a:tcPr/>
+                </a:tc>
+                <a:tc>
+                  <a:txBody>
+                    <a:bodyPr/>
+                    <a:lstStyle/>
+                    <a:p>
+                      <a:r>
+                        <a:rPr lang="zh-TW" altLang="en-US" dirty="0"/>
+                        <a:t>第</a:t>
+                      </a:r>
+                      <a:r>
+                        <a:rPr lang="en-US" altLang="zh-TW" dirty="0"/>
+                        <a:t>3</a:t>
+                      </a:r>
+                      <a:r>
+                        <a:rPr lang="zh-TW" altLang="en-US" dirty="0"/>
+                        <a:t>名</a:t>
+                      </a:r>
+                    </a:p>
+                  </a:txBody>
+                  <a:tcPr/>
+                </a:tc>
+                <a:tc>
+                  <a:txBody>
+                    <a:bodyPr/>
+                    <a:lstStyle/>
+                    <a:p>
+                      <a:r>
+                        <a:rPr lang="zh-TW" altLang="en-US" dirty="0"/>
+                        <a:t>第</a:t>
+                      </a:r>
+                      <a:r>
+                        <a:rPr lang="en-US" altLang="zh-TW" dirty="0"/>
+                        <a:t>4</a:t>
+                      </a:r>
+                      <a:r>
+                        <a:rPr lang="zh-TW" altLang="en-US" dirty="0"/>
+                        <a:t>名</a:t>
+                      </a:r>
+                    </a:p>
+                  </a:txBody>
+                  <a:tcPr/>
+                </a:tc>
+                <a:tc>
+                  <a:txBody>
+                    <a:bodyPr/>
+                    <a:lstStyle/>
+                    <a:p>
+                      <a:r>
+                        <a:rPr lang="zh-TW" altLang="en-US" dirty="0"/>
+                        <a:t>第</a:t>
+                      </a:r>
+                      <a:r>
+                        <a:rPr lang="en-US" altLang="zh-TW" dirty="0"/>
+                        <a:t>5</a:t>
+                      </a:r>
+                      <a:r>
+                        <a:rPr lang="zh-TW" altLang="en-US" dirty="0"/>
+                        <a:t>名</a:t>
+                      </a:r>
+                    </a:p>
+                  </a:txBody>
+                  <a:tcPr/>
+                </a:tc>
+                <a:extLst>
+                  <a:ext uri="{0D108BD9-81ED-4DB2-BD59-A6C34878D82A}">
+                    <a16:rowId xmlns:a16="http://schemas.microsoft.com/office/drawing/2014/main" val="1513116674"/>
+                  </a:ext>
+                </a:extLst>
+              </a:tr>
+              <a:tr h="370840">
+                <a:tc>
+                  <a:txBody>
+                    <a:bodyPr/>
+                    <a:lstStyle/>
+                    <a:p>
+                      <a:pPr marL="0" marR="0" lvl="0" indent="0" algn="l" defTabSz="457200" rtl="0" eaLnBrk="1" fontAlgn="auto" latinLnBrk="0" hangingPunct="1">
+                        <a:lnSpc>
+                          <a:spcPct val="100000"/>
+                        </a:lnSpc>
+                        <a:spcBef>
+                          <a:spcPts val="0"/>
+                        </a:spcBef>
+                        <a:spcAft>
+                          <a:spcPts val="0"/>
+                        </a:spcAft>
+                        <a:buClrTx/>
+                        <a:buSzTx/>
+                        <a:buFontTx/>
+                        <a:buNone/>
+                        <a:tabLst/>
+                        <a:defRPr/>
+                      </a:pPr>
+                      <a:r>
+                        <a:rPr lang="en-US" altLang="zh-TW" dirty="0"/>
+                        <a:t>107</a:t>
+                      </a:r>
+                      <a:r>
+                        <a:rPr lang="zh-TW" altLang="en-US" dirty="0"/>
+                        <a:t>年</a:t>
+                      </a:r>
+                    </a:p>
+                  </a:txBody>
+                  <a:tcPr/>
+                </a:tc>
+                <a:tc>
+                  <a:txBody>
+                    <a:bodyPr/>
+                    <a:lstStyle/>
+                    <a:p>
+                      <a:r>
+                        <a:rPr lang="zh-TW" altLang="en-US" dirty="0"/>
+                        <a:t>新竹市</a:t>
+                      </a:r>
+                    </a:p>
+                  </a:txBody>
+                  <a:tcPr/>
+                </a:tc>
+                <a:tc>
+                  <a:txBody>
+                    <a:bodyPr/>
+                    <a:lstStyle/>
+                    <a:p>
+                      <a:r>
+                        <a:rPr lang="zh-TW" altLang="en-US" dirty="0"/>
+                        <a:t>新竹縣</a:t>
+                      </a:r>
+                    </a:p>
+                  </a:txBody>
+                  <a:tcPr/>
+                </a:tc>
+                <a:tc>
+                  <a:txBody>
+                    <a:bodyPr/>
+                    <a:lstStyle/>
+                    <a:p>
+                      <a:r>
+                        <a:rPr lang="zh-TW" altLang="en-US" dirty="0"/>
+                        <a:t>臺南市</a:t>
+                      </a:r>
+                    </a:p>
+                  </a:txBody>
+                  <a:tcPr/>
+                </a:tc>
+                <a:tc>
+                  <a:txBody>
+                    <a:bodyPr/>
+                    <a:lstStyle/>
+                    <a:p>
+                      <a:r>
+                        <a:rPr lang="zh-TW" altLang="en-US" dirty="0"/>
+                        <a:t>桃園市</a:t>
+                      </a:r>
+                    </a:p>
+                  </a:txBody>
+                  <a:tcPr/>
+                </a:tc>
+                <a:tc>
+                  <a:txBody>
+                    <a:bodyPr/>
+                    <a:lstStyle/>
+                    <a:p>
+                      <a:r>
+                        <a:rPr lang="zh-TW" altLang="en-US" dirty="0"/>
+                        <a:t>臺中市</a:t>
+                      </a:r>
+                    </a:p>
+                  </a:txBody>
+                  <a:tcPr/>
+                </a:tc>
+                <a:extLst>
+                  <a:ext uri="{0D108BD9-81ED-4DB2-BD59-A6C34878D82A}">
+                    <a16:rowId xmlns:a16="http://schemas.microsoft.com/office/drawing/2014/main" val="2762328190"/>
+                  </a:ext>
+                </a:extLst>
+              </a:tr>
+              <a:tr h="370840">
+                <a:tc>
+                  <a:txBody>
+                    <a:bodyPr/>
+                    <a:lstStyle/>
+                    <a:p>
+                      <a:pPr marL="0" marR="0" lvl="0" indent="0" algn="l" defTabSz="457200" rtl="0" eaLnBrk="1" fontAlgn="auto" latinLnBrk="0" hangingPunct="1">
+                        <a:lnSpc>
+                          <a:spcPct val="100000"/>
+                        </a:lnSpc>
+                        <a:spcBef>
+                          <a:spcPts val="0"/>
+                        </a:spcBef>
+                        <a:spcAft>
+                          <a:spcPts val="0"/>
+                        </a:spcAft>
+                        <a:buClrTx/>
+                        <a:buSzTx/>
+                        <a:buFontTx/>
+                        <a:buNone/>
+                        <a:tabLst/>
+                        <a:defRPr/>
+                      </a:pPr>
+                      <a:r>
+                        <a:rPr lang="en-US" altLang="zh-TW" dirty="0"/>
+                        <a:t>108</a:t>
+                      </a:r>
+                      <a:r>
+                        <a:rPr lang="zh-TW" altLang="en-US" dirty="0"/>
+                        <a:t>年</a:t>
+                      </a:r>
+                    </a:p>
+                  </a:txBody>
+                  <a:tcPr/>
+                </a:tc>
+                <a:tc>
+                  <a:txBody>
+                    <a:bodyPr/>
+                    <a:lstStyle/>
+                    <a:p>
+                      <a:r>
+                        <a:rPr lang="zh-TW" altLang="en-US" dirty="0"/>
+                        <a:t>新竹市</a:t>
+                      </a:r>
+                    </a:p>
+                  </a:txBody>
+                  <a:tcPr/>
+                </a:tc>
+                <a:tc>
+                  <a:txBody>
+                    <a:bodyPr/>
+                    <a:lstStyle/>
+                    <a:p>
+                      <a:r>
+                        <a:rPr lang="zh-TW" altLang="en-US" dirty="0"/>
+                        <a:t>桃園市</a:t>
+                      </a:r>
+                    </a:p>
+                  </a:txBody>
+                  <a:tcPr/>
+                </a:tc>
+                <a:tc>
+                  <a:txBody>
+                    <a:bodyPr/>
+                    <a:lstStyle/>
+                    <a:p>
+                      <a:r>
+                        <a:rPr lang="zh-TW" altLang="en-US" dirty="0"/>
+                        <a:t>新竹縣</a:t>
+                      </a:r>
+                    </a:p>
+                  </a:txBody>
+                  <a:tcPr/>
+                </a:tc>
+                <a:tc>
+                  <a:txBody>
+                    <a:bodyPr/>
+                    <a:lstStyle/>
+                    <a:p>
+                      <a:r>
+                        <a:rPr lang="zh-TW" altLang="en-US" dirty="0"/>
+                        <a:t>臺南市</a:t>
+                      </a:r>
+                    </a:p>
+                  </a:txBody>
+                  <a:tcPr/>
+                </a:tc>
+                <a:tc>
+                  <a:txBody>
+                    <a:bodyPr/>
+                    <a:lstStyle/>
+                    <a:p>
+                      <a:r>
+                        <a:rPr lang="zh-TW" altLang="en-US" dirty="0"/>
+                        <a:t>宜蘭縣</a:t>
+                      </a:r>
+                    </a:p>
+                  </a:txBody>
+                  <a:tcPr/>
+                </a:tc>
+                <a:extLst>
+                  <a:ext uri="{0D108BD9-81ED-4DB2-BD59-A6C34878D82A}">
+                    <a16:rowId xmlns:a16="http://schemas.microsoft.com/office/drawing/2014/main" val="3022469250"/>
+                  </a:ext>
+                </a:extLst>
+              </a:tr>
+              <a:tr h="370840">
+                <a:tc>
+                  <a:txBody>
+                    <a:bodyPr/>
+                    <a:lstStyle/>
+                    <a:p>
+                      <a:pPr marL="0" marR="0" lvl="0" indent="0" algn="l" defTabSz="457200" rtl="0" eaLnBrk="1" fontAlgn="auto" latinLnBrk="0" hangingPunct="1">
+                        <a:lnSpc>
+                          <a:spcPct val="100000"/>
+                        </a:lnSpc>
+                        <a:spcBef>
+                          <a:spcPts val="0"/>
+                        </a:spcBef>
+                        <a:spcAft>
+                          <a:spcPts val="0"/>
+                        </a:spcAft>
+                        <a:buClrTx/>
+                        <a:buSzTx/>
+                        <a:buFontTx/>
+                        <a:buNone/>
+                        <a:tabLst/>
+                        <a:defRPr/>
+                      </a:pPr>
+                      <a:r>
+                        <a:rPr lang="en-US" altLang="zh-TW" dirty="0"/>
+                        <a:t>109</a:t>
+                      </a:r>
+                      <a:r>
+                        <a:rPr lang="zh-TW" altLang="en-US" dirty="0"/>
+                        <a:t>年</a:t>
+                      </a:r>
+                      <a:r>
+                        <a:rPr lang="en-US" altLang="zh-TW" dirty="0"/>
+                        <a:t>(1-5</a:t>
+                      </a:r>
+                      <a:r>
+                        <a:rPr lang="zh-TW" altLang="en-US" dirty="0"/>
+                        <a:t>月</a:t>
+                      </a:r>
+                      <a:r>
+                        <a:rPr lang="en-US" altLang="zh-TW" dirty="0"/>
+                        <a:t>)</a:t>
+                      </a:r>
+                      <a:endParaRPr lang="zh-TW" altLang="en-US" dirty="0"/>
+                    </a:p>
+                  </a:txBody>
+                  <a:tcPr/>
+                </a:tc>
+                <a:tc>
+                  <a:txBody>
+                    <a:bodyPr/>
+                    <a:lstStyle/>
+                    <a:p>
+                      <a:r>
+                        <a:rPr lang="zh-TW" altLang="en-US" dirty="0"/>
+                        <a:t>新竹市</a:t>
+                      </a:r>
+                    </a:p>
+                  </a:txBody>
+                  <a:tcPr/>
+                </a:tc>
+                <a:tc>
+                  <a:txBody>
+                    <a:bodyPr/>
+                    <a:lstStyle/>
+                    <a:p>
+                      <a:r>
+                        <a:rPr lang="zh-TW" altLang="en-US" dirty="0"/>
+                        <a:t>桃園市</a:t>
+                      </a:r>
+                    </a:p>
+                  </a:txBody>
+                  <a:tcPr/>
+                </a:tc>
+                <a:tc>
+                  <a:txBody>
+                    <a:bodyPr/>
+                    <a:lstStyle/>
+                    <a:p>
+                      <a:r>
+                        <a:rPr lang="zh-TW" altLang="en-US" dirty="0"/>
+                        <a:t>新竹縣</a:t>
+                      </a:r>
+                    </a:p>
+                  </a:txBody>
+                  <a:tcPr/>
+                </a:tc>
+                <a:tc>
+                  <a:txBody>
+                    <a:bodyPr/>
+                    <a:lstStyle/>
+                    <a:p>
+                      <a:r>
+                        <a:rPr lang="zh-TW" altLang="en-US" dirty="0"/>
+                        <a:t>臺北市</a:t>
+                      </a:r>
+                    </a:p>
+                  </a:txBody>
+                  <a:tcPr/>
+                </a:tc>
+                <a:tc>
+                  <a:txBody>
+                    <a:bodyPr/>
+                    <a:lstStyle/>
+                    <a:p>
+                      <a:r>
+                        <a:rPr lang="zh-TW" altLang="en-US" dirty="0"/>
+                        <a:t>臺南市</a:t>
+                      </a:r>
+                    </a:p>
+                  </a:txBody>
+                  <a:tcPr/>
+                </a:tc>
+                <a:extLst>
+                  <a:ext uri="{0D108BD9-81ED-4DB2-BD59-A6C34878D82A}">
+                    <a16:rowId xmlns:a16="http://schemas.microsoft.com/office/drawing/2014/main" val="2527315894"/>
+                  </a:ext>
+                </a:extLst>
+              </a:tr>
+            </a:tbl>
+          </a:graphicData>
+        </a:graphic>
+      </p:graphicFrame>
+      <p:pic>
+        <p:nvPicPr>
+          <p:cNvPr id="9" name="圖片 8">
+            <a:extLst>
+              <a:ext uri="{FF2B5EF4-FFF2-40B4-BE49-F238E27FC236}">
+                <a16:creationId xmlns:a16="http://schemas.microsoft.com/office/drawing/2014/main" id="{D1F54261-6B86-4C8E-9DFD-BE55BE9A0303}"/>
+              </a:ext>
+            </a:extLst>
+          </p:cNvPr>
+          <p:cNvPicPr>
+            <a:picLocks noChangeAspect="1"/>
+          </p:cNvPicPr>
+          <p:nvPr/>
+        </p:nvPicPr>
+        <p:blipFill rotWithShape="1">
+          <a:blip r:embed="rId2"/>
+          <a:srcRect l="20966" t="11529" r="24055" b="27139"/>
+          <a:stretch/>
+        </p:blipFill>
+        <p:spPr>
+          <a:xfrm rot="276847">
+            <a:off x="5796304" y="4911947"/>
+            <a:ext cx="2113915" cy="1768601"/>
+          </a:xfrm>
+          <a:prstGeom prst="rect">
+            <a:avLst/>
+          </a:prstGeom>
+        </p:spPr>
+      </p:pic>
+    </p:spTree>
+    <p:extLst>
+      <p:ext uri="{BB962C8B-B14F-4D97-AF65-F5344CB8AC3E}">
+        <p14:creationId xmlns:p14="http://schemas.microsoft.com/office/powerpoint/2010/main" val="3655638742"/>
+      </p:ext>
+    </p:extLst>
+  </p:cSld>
+  <p:clrMapOvr>
+    <a:masterClrMapping/>
+  </p:clrMapOvr>
+</p:sld>
+</file>
+
+<file path=ppt/slides/slide11.xml><?xml version="1.0" encoding="utf-8"?>
+<p:sld xmlns:a="http://schemas.openxmlformats.org/drawingml/2006/main" xmlns:r="http://schemas.openxmlformats.org/officeDocument/2006/relationships" xmlns:p="http://schemas.openxmlformats.org/presentationml/2006/main">
+  <p:cSld>
+    <p:spTree>
+      <p:nvGrpSpPr>
+        <p:cNvPr id="1" name=""/>
+        <p:cNvGrpSpPr/>
+        <p:nvPr/>
+      </p:nvGrpSpPr>
+      <p:grpSpPr>
+        <a:xfrm>
+          <a:off x="0" y="0"/>
+          <a:ext cx="0" cy="0"/>
+          <a:chOff x="0" y="0"/>
+          <a:chExt cx="0" cy="0"/>
+        </a:xfrm>
+      </p:grpSpPr>
+      <p:sp>
+        <p:nvSpPr>
+          <p:cNvPr id="2" name="標題 1">
+            <a:extLst>
+              <a:ext uri="{FF2B5EF4-FFF2-40B4-BE49-F238E27FC236}">
+                <a16:creationId xmlns:a16="http://schemas.microsoft.com/office/drawing/2014/main" id="{5F798CFA-05BB-4C63-A02F-A19967461BD9}"/>
+              </a:ext>
+            </a:extLst>
+          </p:cNvPr>
+          <p:cNvSpPr>
+            <a:spLocks noGrp="1"/>
+          </p:cNvSpPr>
+          <p:nvPr>
+            <p:ph type="title"/>
+          </p:nvPr>
+        </p:nvSpPr>
+        <p:spPr/>
+        <p:txBody>
+          <a:bodyPr/>
+          <a:lstStyle/>
+          <a:p>
+            <a:r>
+              <a:rPr lang="zh-TW" altLang="en-US" dirty="0"/>
+              <a:t>分析報告</a:t>
+            </a:r>
+          </a:p>
+        </p:txBody>
+      </p:sp>
+      <p:sp>
+        <p:nvSpPr>
+          <p:cNvPr id="3" name="內容版面配置區 2">
+            <a:extLst>
+              <a:ext uri="{FF2B5EF4-FFF2-40B4-BE49-F238E27FC236}">
+                <a16:creationId xmlns:a16="http://schemas.microsoft.com/office/drawing/2014/main" id="{04872BDE-4D4A-4F8D-9816-306D92087116}"/>
+              </a:ext>
+            </a:extLst>
+          </p:cNvPr>
+          <p:cNvSpPr>
+            <a:spLocks noGrp="1"/>
+          </p:cNvSpPr>
+          <p:nvPr>
+            <p:ph idx="1"/>
+          </p:nvPr>
+        </p:nvSpPr>
+        <p:spPr>
+          <a:xfrm>
+            <a:off x="601833" y="1598525"/>
+            <a:ext cx="8596668" cy="4760330"/>
+          </a:xfrm>
+        </p:spPr>
+        <p:txBody>
+          <a:bodyPr>
+            <a:normAutofit/>
+          </a:bodyPr>
+          <a:lstStyle/>
+          <a:p>
+            <a:r>
+              <a:rPr lang="zh-TW" altLang="en-US" dirty="0"/>
+              <a:t>經觀察月份事故圖可以發現每年的</a:t>
+            </a:r>
+            <a:r>
+              <a:rPr lang="en-US" altLang="zh-TW" dirty="0"/>
+              <a:t>1</a:t>
+            </a:r>
+            <a:r>
+              <a:rPr lang="zh-TW" altLang="en-US" dirty="0"/>
+              <a:t>月及</a:t>
+            </a:r>
+            <a:r>
+              <a:rPr lang="en-US" altLang="zh-TW" dirty="0"/>
+              <a:t>12</a:t>
+            </a:r>
+            <a:r>
+              <a:rPr lang="zh-TW" altLang="en-US" dirty="0"/>
+              <a:t>月事故總數都是偏高的。</a:t>
+            </a:r>
+            <a:endParaRPr lang="en-US" altLang="zh-TW" dirty="0"/>
+          </a:p>
+          <a:p>
+            <a:r>
+              <a:rPr lang="zh-TW" altLang="en-US" dirty="0"/>
+              <a:t>機車在每年的事故中佔比相當高，已超過</a:t>
+            </a:r>
+            <a:r>
+              <a:rPr lang="en-US" altLang="zh-TW" dirty="0"/>
+              <a:t>5</a:t>
+            </a:r>
+            <a:r>
+              <a:rPr lang="zh-TW" altLang="en-US" dirty="0"/>
+              <a:t>成，還是逐年上升的趨勢。</a:t>
+            </a:r>
+            <a:endParaRPr lang="en-US" altLang="zh-TW" dirty="0"/>
+          </a:p>
+          <a:p>
+            <a:r>
+              <a:rPr lang="zh-TW" altLang="en-US" dirty="0"/>
+              <a:t>機車在新竹市、新竹縣、桃園市、台南市事故比率每年都在前</a:t>
+            </a:r>
+            <a:r>
+              <a:rPr lang="en-US" altLang="zh-TW" dirty="0"/>
+              <a:t>5</a:t>
+            </a:r>
+            <a:r>
+              <a:rPr lang="zh-TW" altLang="en-US" dirty="0"/>
+              <a:t>名。</a:t>
+            </a:r>
+            <a:endParaRPr lang="en-US" altLang="zh-TW" dirty="0"/>
+          </a:p>
+          <a:p>
+            <a:endParaRPr lang="en-US" altLang="zh-TW" dirty="0"/>
+          </a:p>
+          <a:p>
+            <a:r>
+              <a:rPr lang="zh-TW" altLang="en-US" dirty="0"/>
+              <a:t>結論</a:t>
+            </a:r>
+            <a:r>
+              <a:rPr lang="en-US" altLang="zh-TW" dirty="0"/>
+              <a:t>:</a:t>
+            </a:r>
+            <a:r>
+              <a:rPr lang="zh-TW" altLang="en-US" dirty="0"/>
+              <a:t>應該針對此四個縣市進行交通取締、安全宣導，以減少事故的發生，</a:t>
+            </a:r>
+            <a:endParaRPr lang="en-US" altLang="zh-TW" dirty="0"/>
+          </a:p>
+          <a:p>
+            <a:pPr marL="0" indent="0">
+              <a:buNone/>
+            </a:pPr>
+            <a:r>
+              <a:rPr lang="zh-TW" altLang="en-US" dirty="0"/>
+              <a:t>             重點月份應該以每年度的</a:t>
+            </a:r>
+            <a:r>
+              <a:rPr lang="en-US" altLang="zh-TW" dirty="0"/>
+              <a:t>12</a:t>
+            </a:r>
+            <a:r>
+              <a:rPr lang="zh-TW" altLang="en-US" dirty="0"/>
+              <a:t>月、</a:t>
+            </a:r>
+            <a:r>
+              <a:rPr lang="en-US" altLang="zh-TW" dirty="0"/>
+              <a:t>1</a:t>
+            </a:r>
+            <a:r>
+              <a:rPr lang="zh-TW" altLang="en-US" dirty="0"/>
+              <a:t>月為主。</a:t>
+            </a:r>
+            <a:endParaRPr lang="en-US" altLang="zh-TW" dirty="0"/>
+          </a:p>
+          <a:p>
+            <a:pPr marL="0" indent="0">
+              <a:buNone/>
+            </a:pPr>
+            <a:r>
+              <a:rPr lang="zh-TW" altLang="en-US" dirty="0"/>
+              <a:t>             如是保險業者也應該針對這些地區銷售機車強制險以外的保險，可以</a:t>
+            </a:r>
+            <a:endParaRPr lang="en-US" altLang="zh-TW" dirty="0"/>
+          </a:p>
+          <a:p>
+            <a:pPr marL="0" indent="0">
+              <a:buNone/>
+            </a:pPr>
+            <a:r>
+              <a:rPr lang="zh-TW" altLang="en-US" dirty="0"/>
+              <a:t>             藉由此圖表向客戶做比較，選擇對自身安全更有保障的商品，以促進</a:t>
+            </a:r>
+            <a:endParaRPr lang="en-US" altLang="zh-TW" dirty="0"/>
+          </a:p>
+          <a:p>
+            <a:pPr marL="0" indent="0">
+              <a:buNone/>
+            </a:pPr>
+            <a:r>
+              <a:rPr lang="zh-TW" altLang="en-US" dirty="0"/>
+              <a:t>             保單的銷售額。</a:t>
+            </a:r>
+            <a:endParaRPr lang="en-US" altLang="zh-TW" dirty="0"/>
+          </a:p>
+          <a:p>
+            <a:pPr marL="0" indent="0">
+              <a:buNone/>
+            </a:pPr>
+            <a:r>
+              <a:rPr lang="zh-TW" altLang="en-US" dirty="0"/>
+              <a:t>             也提醒各位以後在這些區域時請多注意自身安全。</a:t>
+            </a:r>
+            <a:endParaRPr lang="en-US" altLang="zh-TW" dirty="0"/>
+          </a:p>
+          <a:p>
+            <a:pPr marL="0" indent="0">
+              <a:buNone/>
+            </a:pPr>
+            <a:r>
+              <a:rPr lang="zh-TW" altLang="en-US" dirty="0"/>
+              <a:t> </a:t>
+            </a:r>
+            <a:endParaRPr lang="en-US" altLang="zh-TW" dirty="0"/>
+          </a:p>
+          <a:p>
+            <a:endParaRPr lang="en-US" altLang="zh-TW" dirty="0"/>
+          </a:p>
+          <a:p>
+            <a:endParaRPr lang="en-US" altLang="zh-TW" dirty="0"/>
+          </a:p>
+          <a:p>
+            <a:endParaRPr lang="en-US" altLang="zh-TW" dirty="0"/>
+          </a:p>
+        </p:txBody>
+      </p:sp>
+    </p:spTree>
+    <p:extLst>
+      <p:ext uri="{BB962C8B-B14F-4D97-AF65-F5344CB8AC3E}">
+        <p14:creationId xmlns:p14="http://schemas.microsoft.com/office/powerpoint/2010/main" val="2943201077"/>
+      </p:ext>
+    </p:extLst>
+  </p:cSld>
+  <p:clrMapOvr>
+    <a:masterClrMapping/>
+  </p:clrMapOvr>
+</p:sld>
+</file>
+
+<file path=ppt/slides/slide12.xml><?xml version="1.0" encoding="utf-8"?>
+<p:sld xmlns:a="http://schemas.openxmlformats.org/drawingml/2006/main" xmlns:r="http://schemas.openxmlformats.org/officeDocument/2006/relationships" xmlns:p="http://schemas.openxmlformats.org/presentationml/2006/main">
+  <p:cSld>
+    <p:spTree>
+      <p:nvGrpSpPr>
+        <p:cNvPr id="1" name=""/>
+        <p:cNvGrpSpPr/>
+        <p:nvPr/>
+      </p:nvGrpSpPr>
+      <p:grpSpPr>
+        <a:xfrm>
+          <a:off x="0" y="0"/>
+          <a:ext cx="0" cy="0"/>
+          <a:chOff x="0" y="0"/>
+          <a:chExt cx="0" cy="0"/>
+        </a:xfrm>
+      </p:grpSpPr>
+      <p:sp>
+        <p:nvSpPr>
+          <p:cNvPr id="2" name="標題 1">
+            <a:extLst>
+              <a:ext uri="{FF2B5EF4-FFF2-40B4-BE49-F238E27FC236}">
+                <a16:creationId xmlns:a16="http://schemas.microsoft.com/office/drawing/2014/main" id="{DA9E6672-7C5F-4180-BD0A-6756D2B4A415}"/>
+              </a:ext>
+            </a:extLst>
+          </p:cNvPr>
+          <p:cNvSpPr>
+            <a:spLocks noGrp="1"/>
+          </p:cNvSpPr>
+          <p:nvPr>
+            <p:ph type="title"/>
+          </p:nvPr>
+        </p:nvSpPr>
+        <p:spPr/>
+        <p:txBody>
+          <a:bodyPr/>
+          <a:lstStyle/>
+          <a:p>
+            <a:r>
+              <a:rPr lang="zh-TW" altLang="en-US" dirty="0"/>
+              <a:t>資料來源</a:t>
+            </a:r>
+          </a:p>
+        </p:txBody>
+      </p:sp>
+      <p:sp>
+        <p:nvSpPr>
+          <p:cNvPr id="3" name="內容版面配置區 2">
+            <a:extLst>
+              <a:ext uri="{FF2B5EF4-FFF2-40B4-BE49-F238E27FC236}">
+                <a16:creationId xmlns:a16="http://schemas.microsoft.com/office/drawing/2014/main" id="{332D6E1B-1BDA-421C-B2E6-50C67D65E975}"/>
+              </a:ext>
+            </a:extLst>
+          </p:cNvPr>
+          <p:cNvSpPr>
+            <a:spLocks noGrp="1"/>
+          </p:cNvSpPr>
+          <p:nvPr>
+            <p:ph idx="1"/>
+          </p:nvPr>
+        </p:nvSpPr>
+        <p:spPr>
+          <a:xfrm>
+            <a:off x="677334" y="2449585"/>
+            <a:ext cx="8596668" cy="3591777"/>
+          </a:xfrm>
+        </p:spPr>
+        <p:txBody>
+          <a:bodyPr/>
+          <a:lstStyle/>
+          <a:p>
+            <a:r>
+              <a:rPr lang="zh-TW" altLang="en-US" dirty="0"/>
+              <a:t>交通部公路總局</a:t>
+            </a:r>
+            <a:endParaRPr lang="en-US" altLang="zh-TW" dirty="0"/>
+          </a:p>
+          <a:p>
+            <a:pPr marL="0" indent="0">
+              <a:buNone/>
+            </a:pPr>
+            <a:r>
+              <a:rPr lang="en-US" altLang="zh-TW" dirty="0"/>
+              <a:t>https://stat.thb.gov.tw/hb01/webMain.aspx?sys=100&amp;funid=defjsp</a:t>
+            </a:r>
+          </a:p>
+          <a:p>
+            <a:r>
+              <a:rPr lang="zh-TW" altLang="en-US" dirty="0"/>
+              <a:t>內政部警政署全球資訊網</a:t>
+            </a:r>
+            <a:endParaRPr lang="en-US" altLang="zh-TW" dirty="0"/>
+          </a:p>
+          <a:p>
+            <a:pPr marL="0" indent="0">
+              <a:buNone/>
+            </a:pPr>
+            <a:r>
+              <a:rPr lang="en-US" altLang="zh-TW" dirty="0"/>
+              <a:t>https://www.npa.gov.tw/NPAGip/wSite/lp?ctNode=12744&amp;CtUnit=2543&amp;BaseDSD=7</a:t>
+            </a:r>
+          </a:p>
+          <a:p>
+            <a:endParaRPr lang="en-US" altLang="zh-TW" dirty="0"/>
+          </a:p>
+          <a:p>
+            <a:endParaRPr lang="zh-TW" altLang="en-US" dirty="0"/>
+          </a:p>
+        </p:txBody>
+      </p:sp>
+    </p:spTree>
+    <p:extLst>
+      <p:ext uri="{BB962C8B-B14F-4D97-AF65-F5344CB8AC3E}">
+        <p14:creationId xmlns:p14="http://schemas.microsoft.com/office/powerpoint/2010/main" val="254079639"/>
       </p:ext>
     </p:extLst>
   </p:cSld>
@@ -5959,7 +7579,12 @@
             <p:ph idx="1"/>
           </p:nvPr>
         </p:nvSpPr>
-        <p:spPr/>
+        <p:spPr>
+          <a:xfrm>
+            <a:off x="601833" y="1741139"/>
+            <a:ext cx="8596668" cy="3880773"/>
+          </a:xfrm>
+        </p:spPr>
         <p:txBody>
           <a:bodyPr/>
           <a:lstStyle/>
@@ -6104,7 +7729,7 @@
           <p:cNvPr id="2" name="標題 1">
             <a:extLst>
               <a:ext uri="{FF2B5EF4-FFF2-40B4-BE49-F238E27FC236}">
-                <a16:creationId xmlns:a16="http://schemas.microsoft.com/office/drawing/2014/main" id="{A2FA30BF-016F-45D9-9424-2A4D13795848}"/>
+                <a16:creationId xmlns:a16="http://schemas.microsoft.com/office/drawing/2014/main" id="{A6908B27-3642-44D4-8A43-D8792F8C2C9D}"/>
               </a:ext>
             </a:extLst>
           </p:cNvPr>
@@ -6115,44 +7740,129 @@
             <p:ph type="title"/>
           </p:nvPr>
         </p:nvSpPr>
-        <p:spPr/>
+        <p:spPr>
+          <a:xfrm>
+            <a:off x="677334" y="151002"/>
+            <a:ext cx="8596668" cy="853166"/>
+          </a:xfrm>
+        </p:spPr>
         <p:txBody>
           <a:bodyPr/>
           <a:lstStyle/>
           <a:p>
-            <a:endParaRPr lang="zh-TW" altLang="en-US"/>
-          </a:p>
-        </p:txBody>
-      </p:sp>
-      <p:sp>
-        <p:nvSpPr>
-          <p:cNvPr id="3" name="內容版面配置區 2">
+            <a:r>
+              <a:rPr lang="zh-TW" altLang="en-US" dirty="0"/>
+              <a:t>各月份事故總數</a:t>
+            </a:r>
+            <a:r>
+              <a:rPr lang="en-US" altLang="zh-TW" dirty="0"/>
+              <a:t>(A1</a:t>
+            </a:r>
+            <a:r>
+              <a:rPr lang="zh-TW" altLang="en-US" dirty="0"/>
+              <a:t>類</a:t>
+            </a:r>
+            <a:r>
+              <a:rPr lang="en-US" altLang="zh-TW" dirty="0"/>
+              <a:t>)</a:t>
+            </a:r>
+            <a:endParaRPr lang="zh-TW" altLang="en-US" dirty="0"/>
+          </a:p>
+        </p:txBody>
+      </p:sp>
+      <p:pic>
+        <p:nvPicPr>
+          <p:cNvPr id="9" name="內容版面配置區 8">
             <a:extLst>
               <a:ext uri="{FF2B5EF4-FFF2-40B4-BE49-F238E27FC236}">
-                <a16:creationId xmlns:a16="http://schemas.microsoft.com/office/drawing/2014/main" id="{6E8F0AE2-FEF3-404F-B9A7-23C16898C985}"/>
+                <a16:creationId xmlns:a16="http://schemas.microsoft.com/office/drawing/2014/main" id="{DFFD8BCE-F736-440A-8B1A-B62B36F8865F}"/>
               </a:ext>
             </a:extLst>
           </p:cNvPr>
-          <p:cNvSpPr>
-            <a:spLocks noGrp="1"/>
-          </p:cNvSpPr>
+          <p:cNvPicPr>
+            <a:picLocks noGrp="1" noChangeAspect="1"/>
+          </p:cNvPicPr>
           <p:nvPr>
             <p:ph idx="1"/>
           </p:nvPr>
-        </p:nvSpPr>
-        <p:spPr/>
-        <p:txBody>
-          <a:bodyPr/>
-          <a:lstStyle/>
-          <a:p>
-            <a:endParaRPr lang="zh-TW" altLang="en-US"/>
-          </a:p>
-        </p:txBody>
-      </p:sp>
+        </p:nvPicPr>
+        <p:blipFill>
+          <a:blip r:embed="rId2"/>
+          <a:stretch>
+            <a:fillRect/>
+          </a:stretch>
+        </p:blipFill>
+        <p:spPr>
+          <a:xfrm>
+            <a:off x="529506" y="1004168"/>
+            <a:ext cx="4299156" cy="2926916"/>
+          </a:xfrm>
+        </p:spPr>
+      </p:pic>
+      <p:pic>
+        <p:nvPicPr>
+          <p:cNvPr id="11" name="圖片 10">
+            <a:extLst>
+              <a:ext uri="{FF2B5EF4-FFF2-40B4-BE49-F238E27FC236}">
+                <a16:creationId xmlns:a16="http://schemas.microsoft.com/office/drawing/2014/main" id="{01489A80-2937-463E-B29C-D89841BCCCFB}"/>
+              </a:ext>
+            </a:extLst>
+          </p:cNvPr>
+          <p:cNvPicPr>
+            <a:picLocks noChangeAspect="1"/>
+          </p:cNvPicPr>
+          <p:nvPr/>
+        </p:nvPicPr>
+        <p:blipFill>
+          <a:blip r:embed="rId3"/>
+          <a:stretch>
+            <a:fillRect/>
+          </a:stretch>
+        </p:blipFill>
+        <p:spPr>
+          <a:xfrm>
+            <a:off x="4902141" y="1004168"/>
+            <a:ext cx="4299156" cy="2926916"/>
+          </a:xfrm>
+          <a:prstGeom prst="rect">
+            <a:avLst/>
+          </a:prstGeom>
+        </p:spPr>
+      </p:pic>
+      <p:pic>
+        <p:nvPicPr>
+          <p:cNvPr id="13" name="圖片 12">
+            <a:extLst>
+              <a:ext uri="{FF2B5EF4-FFF2-40B4-BE49-F238E27FC236}">
+                <a16:creationId xmlns:a16="http://schemas.microsoft.com/office/drawing/2014/main" id="{639030BA-9920-467C-80A0-FB62C0DFB52A}"/>
+              </a:ext>
+            </a:extLst>
+          </p:cNvPr>
+          <p:cNvPicPr>
+            <a:picLocks noChangeAspect="1"/>
+          </p:cNvPicPr>
+          <p:nvPr/>
+        </p:nvPicPr>
+        <p:blipFill>
+          <a:blip r:embed="rId4"/>
+          <a:stretch>
+            <a:fillRect/>
+          </a:stretch>
+        </p:blipFill>
+        <p:spPr>
+          <a:xfrm>
+            <a:off x="456027" y="3931084"/>
+            <a:ext cx="4315426" cy="2926916"/>
+          </a:xfrm>
+          <a:prstGeom prst="rect">
+            <a:avLst/>
+          </a:prstGeom>
+        </p:spPr>
+      </p:pic>
     </p:spTree>
     <p:extLst>
       <p:ext uri="{BB962C8B-B14F-4D97-AF65-F5344CB8AC3E}">
-        <p14:creationId xmlns:p14="http://schemas.microsoft.com/office/powerpoint/2010/main" val="4228529609"/>
+        <p14:creationId xmlns:p14="http://schemas.microsoft.com/office/powerpoint/2010/main" val="2443154247"/>
       </p:ext>
     </p:extLst>
   </p:cSld>
@@ -6195,22 +7905,27 @@
             <p:ph type="title"/>
           </p:nvPr>
         </p:nvSpPr>
-        <p:spPr/>
+        <p:spPr>
+          <a:xfrm>
+            <a:off x="677334" y="75501"/>
+            <a:ext cx="8596668" cy="1854899"/>
+          </a:xfrm>
+        </p:spPr>
         <p:txBody>
           <a:bodyPr/>
           <a:lstStyle/>
           <a:p>
             <a:r>
               <a:rPr lang="zh-TW" altLang="en-US" dirty="0"/>
-              <a:t>過程中遇到的問題</a:t>
+              <a:t>各月份事故總數</a:t>
             </a:r>
             <a:r>
               <a:rPr lang="en-US" altLang="zh-TW" dirty="0"/>
-              <a:t>(</a:t>
+              <a:t>(A2</a:t>
             </a:r>
             <a:r>
               <a:rPr lang="zh-TW" altLang="en-US" dirty="0"/>
-              <a:t>一</a:t>
+              <a:t>類</a:t>
             </a:r>
             <a:r>
               <a:rPr lang="en-US" altLang="zh-TW" dirty="0"/>
@@ -6220,171 +7935,41 @@
           </a:p>
         </p:txBody>
       </p:sp>
-      <p:sp>
-        <p:nvSpPr>
-          <p:cNvPr id="3" name="內容版面配置區 2">
+      <p:pic>
+        <p:nvPicPr>
+          <p:cNvPr id="5" name="內容版面配置區 4">
             <a:extLst>
               <a:ext uri="{FF2B5EF4-FFF2-40B4-BE49-F238E27FC236}">
-                <a16:creationId xmlns:a16="http://schemas.microsoft.com/office/drawing/2014/main" id="{54EB2F56-CDEE-4BDF-A2A2-D64AFA3D644E}"/>
+                <a16:creationId xmlns:a16="http://schemas.microsoft.com/office/drawing/2014/main" id="{A8095846-0235-41AE-8AAC-AF196C02C317}"/>
               </a:ext>
             </a:extLst>
           </p:cNvPr>
-          <p:cNvSpPr>
-            <a:spLocks noGrp="1"/>
-          </p:cNvSpPr>
+          <p:cNvPicPr>
+            <a:picLocks noGrp="1" noChangeAspect="1"/>
+          </p:cNvPicPr>
           <p:nvPr>
             <p:ph idx="1"/>
           </p:nvPr>
-        </p:nvSpPr>
+        </p:nvPicPr>
+        <p:blipFill>
+          <a:blip r:embed="rId2"/>
+          <a:stretch>
+            <a:fillRect/>
+          </a:stretch>
+        </p:blipFill>
         <p:spPr>
           <a:xfrm>
-            <a:off x="677334" y="1400961"/>
-            <a:ext cx="8596668" cy="4640402"/>
+            <a:off x="268256" y="860294"/>
+            <a:ext cx="4578640" cy="3044177"/>
           </a:xfrm>
         </p:spPr>
-        <p:txBody>
-          <a:bodyPr>
-            <a:normAutofit/>
-          </a:bodyPr>
-          <a:lstStyle/>
-          <a:p>
-            <a:r>
-              <a:rPr lang="zh-TW" altLang="en-US" dirty="0"/>
-              <a:t>字典想要依</a:t>
-            </a:r>
-            <a:r>
-              <a:rPr lang="en-US" altLang="zh-TW" dirty="0"/>
-              <a:t>key</a:t>
-            </a:r>
-            <a:r>
-              <a:rPr lang="zh-TW" altLang="en-US" dirty="0"/>
-              <a:t>排序</a:t>
-            </a:r>
-            <a:r>
-              <a:rPr lang="en-US" altLang="zh-TW" dirty="0"/>
-              <a:t> </a:t>
-            </a:r>
-            <a:r>
-              <a:rPr lang="zh-TW" altLang="en-US" dirty="0"/>
-              <a:t>如</a:t>
-            </a:r>
-            <a:r>
-              <a:rPr lang="en-US" altLang="zh-TW" dirty="0" err="1"/>
-              <a:t>dict</a:t>
-            </a:r>
-            <a:r>
-              <a:rPr lang="en-US" altLang="zh-TW" dirty="0"/>
-              <a:t>={‘</a:t>
-            </a:r>
-            <a:r>
-              <a:rPr lang="zh-TW" altLang="en-US" dirty="0"/>
-              <a:t>臺北市</a:t>
-            </a:r>
-            <a:r>
-              <a:rPr lang="en-US" altLang="zh-TW" dirty="0"/>
-              <a:t>’:50,’</a:t>
-            </a:r>
-            <a:r>
-              <a:rPr lang="zh-TW" altLang="en-US" dirty="0"/>
-              <a:t>高雄市</a:t>
-            </a:r>
-            <a:r>
-              <a:rPr lang="en-US" altLang="zh-TW" dirty="0"/>
-              <a:t>’:30,’</a:t>
-            </a:r>
-            <a:r>
-              <a:rPr lang="zh-TW" altLang="en-US" dirty="0"/>
-              <a:t>臺中市</a:t>
-            </a:r>
-            <a:r>
-              <a:rPr lang="en-US" altLang="zh-TW" dirty="0"/>
-              <a:t>’:10}</a:t>
-            </a:r>
-          </a:p>
-          <a:p>
-            <a:endParaRPr lang="en-US" altLang="zh-TW" dirty="0"/>
-          </a:p>
-          <a:p>
-            <a:pPr marL="0" indent="0">
-              <a:buNone/>
-            </a:pPr>
-            <a:r>
-              <a:rPr lang="zh-TW" altLang="en-US" dirty="0"/>
-              <a:t>     </a:t>
-            </a:r>
-            <a:r>
-              <a:rPr lang="zh-TW" altLang="en-US" dirty="0">
-                <a:solidFill>
-                  <a:srgbClr val="FF0000"/>
-                </a:solidFill>
-              </a:rPr>
-              <a:t>解決辦法</a:t>
-            </a:r>
-            <a:r>
-              <a:rPr lang="en-US" altLang="zh-TW" dirty="0">
-                <a:solidFill>
-                  <a:srgbClr val="FF0000"/>
-                </a:solidFill>
-              </a:rPr>
-              <a:t>:</a:t>
-            </a:r>
-            <a:r>
-              <a:rPr lang="zh-TW" altLang="en-US" dirty="0"/>
-              <a:t>上網找到可以用</a:t>
-            </a:r>
-            <a:r>
-              <a:rPr lang="en-US" altLang="zh-TW" dirty="0"/>
-              <a:t>lambda</a:t>
-            </a:r>
-            <a:r>
-              <a:rPr lang="zh-TW" altLang="en-US" dirty="0"/>
-              <a:t>函式排序字典</a:t>
-            </a:r>
-            <a:endParaRPr lang="en-US" altLang="zh-TW" dirty="0"/>
-          </a:p>
-          <a:p>
-            <a:pPr marL="0" indent="0">
-              <a:buNone/>
-            </a:pPr>
-            <a:r>
-              <a:rPr lang="zh-TW" altLang="en-US" dirty="0"/>
-              <a:t>     </a:t>
-            </a:r>
-            <a:r>
-              <a:rPr lang="en-US" altLang="zh-TW" dirty="0"/>
-              <a:t>sorted(</a:t>
-            </a:r>
-            <a:r>
-              <a:rPr lang="en-US" altLang="zh-TW" dirty="0" err="1"/>
-              <a:t>avg_rate_dic.items</a:t>
-            </a:r>
-            <a:r>
-              <a:rPr lang="en-US" altLang="zh-TW" dirty="0"/>
-              <a:t>(), key=lambda </a:t>
-            </a:r>
-            <a:r>
-              <a:rPr lang="en-US" altLang="zh-TW" dirty="0" err="1"/>
-              <a:t>item:item</a:t>
-            </a:r>
-            <a:r>
-              <a:rPr lang="en-US" altLang="zh-TW" dirty="0"/>
-              <a:t>[1],reverse=1)</a:t>
-            </a:r>
-          </a:p>
-          <a:p>
-            <a:pPr marL="0" indent="0">
-              <a:buNone/>
-            </a:pPr>
-            <a:endParaRPr lang="en-US" altLang="zh-TW" dirty="0"/>
-          </a:p>
-        </p:txBody>
-      </p:sp>
+      </p:pic>
       <p:pic>
         <p:nvPicPr>
-          <p:cNvPr id="5" name="圖片 4">
+          <p:cNvPr id="7" name="圖片 6">
             <a:extLst>
               <a:ext uri="{FF2B5EF4-FFF2-40B4-BE49-F238E27FC236}">
-                <a16:creationId xmlns:a16="http://schemas.microsoft.com/office/drawing/2014/main" id="{0A8277B3-690D-46BD-8C01-87651860B5DF}"/>
+                <a16:creationId xmlns:a16="http://schemas.microsoft.com/office/drawing/2014/main" id="{4125D5D6-2C42-4775-BA8E-0FC4EAFDE48D}"/>
               </a:ext>
             </a:extLst>
           </p:cNvPr>
@@ -6394,15 +7979,45 @@
           <p:nvPr/>
         </p:nvPicPr>
         <p:blipFill>
-          <a:blip r:embed="rId2"/>
+          <a:blip r:embed="rId3"/>
           <a:stretch>
             <a:fillRect/>
           </a:stretch>
         </p:blipFill>
         <p:spPr>
           <a:xfrm>
-            <a:off x="1010349" y="3429000"/>
-            <a:ext cx="8191500" cy="2333625"/>
+            <a:off x="4846896" y="803365"/>
+            <a:ext cx="4749887" cy="3158033"/>
+          </a:xfrm>
+          <a:prstGeom prst="rect">
+            <a:avLst/>
+          </a:prstGeom>
+        </p:spPr>
+      </p:pic>
+      <p:pic>
+        <p:nvPicPr>
+          <p:cNvPr id="9" name="圖片 8">
+            <a:extLst>
+              <a:ext uri="{FF2B5EF4-FFF2-40B4-BE49-F238E27FC236}">
+                <a16:creationId xmlns:a16="http://schemas.microsoft.com/office/drawing/2014/main" id="{8EC8DA1C-5E65-42B4-A19D-D427017C8C98}"/>
+              </a:ext>
+            </a:extLst>
+          </p:cNvPr>
+          <p:cNvPicPr>
+            <a:picLocks noChangeAspect="1"/>
+          </p:cNvPicPr>
+          <p:nvPr/>
+        </p:nvPicPr>
+        <p:blipFill>
+          <a:blip r:embed="rId4"/>
+          <a:stretch>
+            <a:fillRect/>
+          </a:stretch>
+        </p:blipFill>
+        <p:spPr>
+          <a:xfrm>
+            <a:off x="454429" y="3754228"/>
+            <a:ext cx="4235017" cy="2795715"/>
           </a:xfrm>
           <a:prstGeom prst="rect">
             <a:avLst/>
@@ -6444,7 +8059,7 @@
           <p:cNvPr id="2" name="標題 1">
             <a:extLst>
               <a:ext uri="{FF2B5EF4-FFF2-40B4-BE49-F238E27FC236}">
-                <a16:creationId xmlns:a16="http://schemas.microsoft.com/office/drawing/2014/main" id="{A6908B27-3642-44D4-8A43-D8792F8C2C9D}"/>
+                <a16:creationId xmlns:a16="http://schemas.microsoft.com/office/drawing/2014/main" id="{A2FA30BF-016F-45D9-9424-2A4D13795848}"/>
               </a:ext>
             </a:extLst>
           </p:cNvPr>
@@ -6455,159 +8070,143 @@
             <p:ph type="title"/>
           </p:nvPr>
         </p:nvSpPr>
-        <p:spPr/>
-        <p:txBody>
-          <a:bodyPr/>
+        <p:spPr>
+          <a:xfrm>
+            <a:off x="1033893" y="194183"/>
+            <a:ext cx="8596668" cy="1080944"/>
+          </a:xfrm>
+        </p:spPr>
+        <p:txBody>
+          <a:bodyPr>
+            <a:normAutofit fontScale="90000"/>
+          </a:bodyPr>
           <a:lstStyle/>
           <a:p>
+            <a:pPr algn="ctr"/>
             <a:r>
               <a:rPr lang="zh-TW" altLang="en-US" dirty="0"/>
-              <a:t>過程中遇到的問題</a:t>
-            </a:r>
-            <a:r>
+              <a:t>各年度總事故占比</a:t>
+            </a:r>
+            <a:br>
               <a:rPr lang="en-US" altLang="zh-TW" dirty="0"/>
-              <a:t>(</a:t>
-            </a:r>
-            <a:r>
-              <a:rPr lang="zh-TW" altLang="en-US" dirty="0"/>
-              <a:t>二</a:t>
-            </a:r>
-            <a:r>
-              <a:rPr lang="en-US" altLang="zh-TW" dirty="0"/>
-              <a:t>)</a:t>
-            </a:r>
+            </a:br>
             <a:endParaRPr lang="zh-TW" altLang="en-US" dirty="0"/>
           </a:p>
         </p:txBody>
       </p:sp>
       <p:sp>
         <p:nvSpPr>
-          <p:cNvPr id="3" name="內容版面配置區 2">
+          <p:cNvPr id="51" name="文字方塊 50">
             <a:extLst>
               <a:ext uri="{FF2B5EF4-FFF2-40B4-BE49-F238E27FC236}">
-                <a16:creationId xmlns:a16="http://schemas.microsoft.com/office/drawing/2014/main" id="{D9F8F2D5-1943-430B-99F0-B2DAA1EA0A59}"/>
+                <a16:creationId xmlns:a16="http://schemas.microsoft.com/office/drawing/2014/main" id="{FBF0E095-04C8-40E5-9B11-E1B5FCF70A10}"/>
               </a:ext>
             </a:extLst>
           </p:cNvPr>
-          <p:cNvSpPr>
-            <a:spLocks noGrp="1"/>
-          </p:cNvSpPr>
-          <p:nvPr>
-            <p:ph idx="1"/>
-          </p:nvPr>
-        </p:nvSpPr>
-        <p:spPr/>
-        <p:txBody>
-          <a:bodyPr/>
+          <p:cNvSpPr txBox="1"/>
+          <p:nvPr/>
+        </p:nvSpPr>
+        <p:spPr>
+          <a:xfrm>
+            <a:off x="10430311" y="2283031"/>
+            <a:ext cx="1325461" cy="1446550"/>
+          </a:xfrm>
+          <a:prstGeom prst="rect">
+            <a:avLst/>
+          </a:prstGeom>
+          <a:noFill/>
+        </p:spPr>
+        <p:txBody>
+          <a:bodyPr wrap="square" rtlCol="0">
+            <a:spAutoFit/>
+          </a:bodyPr>
           <a:lstStyle/>
           <a:p>
             <a:r>
-              <a:rPr lang="zh-TW" altLang="en-US" dirty="0"/>
-              <a:t>資料中的車種欄位並不是數字</a:t>
-            </a:r>
-            <a:r>
-              <a:rPr lang="en-US" altLang="zh-TW" dirty="0"/>
-              <a:t>(</a:t>
-            </a:r>
-            <a:r>
-              <a:rPr lang="zh-TW" altLang="en-US" dirty="0"/>
-              <a:t>機車</a:t>
-            </a:r>
-            <a:r>
-              <a:rPr lang="en-US" altLang="zh-TW" dirty="0"/>
-              <a:t>;</a:t>
-            </a:r>
-            <a:r>
-              <a:rPr lang="zh-TW" altLang="en-US" dirty="0"/>
-              <a:t>行人</a:t>
-            </a:r>
-            <a:r>
-              <a:rPr lang="en-US" altLang="zh-TW" dirty="0"/>
-              <a:t>)</a:t>
-            </a:r>
-            <a:r>
-              <a:rPr lang="zh-TW" altLang="en-US" dirty="0"/>
-              <a:t> </a:t>
-            </a:r>
-            <a:r>
-              <a:rPr lang="en-US" altLang="zh-TW" dirty="0"/>
-              <a:t>(</a:t>
-            </a:r>
-            <a:r>
-              <a:rPr lang="zh-TW" altLang="en-US" dirty="0"/>
-              <a:t>機車</a:t>
-            </a:r>
-            <a:r>
-              <a:rPr lang="en-US" altLang="zh-TW" dirty="0"/>
-              <a:t>;</a:t>
-            </a:r>
-            <a:r>
-              <a:rPr lang="zh-TW" altLang="en-US" dirty="0"/>
-              <a:t>汽車</a:t>
-            </a:r>
-            <a:r>
-              <a:rPr lang="en-US" altLang="zh-TW" dirty="0"/>
-              <a:t>)(</a:t>
-            </a:r>
-            <a:r>
-              <a:rPr lang="zh-TW" altLang="en-US" dirty="0"/>
-              <a:t>汽車</a:t>
-            </a:r>
-            <a:r>
-              <a:rPr lang="en-US" altLang="zh-TW" dirty="0"/>
-              <a:t>;</a:t>
-            </a:r>
-            <a:r>
-              <a:rPr lang="zh-TW" altLang="en-US" dirty="0"/>
-              <a:t>汽車</a:t>
-            </a:r>
-            <a:r>
-              <a:rPr lang="en-US" altLang="zh-TW" dirty="0"/>
-              <a:t>;</a:t>
-            </a:r>
-            <a:r>
-              <a:rPr lang="zh-TW" altLang="en-US" dirty="0"/>
-              <a:t>行人</a:t>
-            </a:r>
-            <a:r>
-              <a:rPr lang="en-US" altLang="zh-TW" dirty="0"/>
-              <a:t>)</a:t>
-            </a:r>
-            <a:r>
-              <a:rPr lang="zh-TW" altLang="en-US" dirty="0"/>
-              <a:t>等等。</a:t>
-            </a:r>
-            <a:endParaRPr lang="en-US" altLang="zh-TW" dirty="0"/>
-          </a:p>
-          <a:p>
-            <a:pPr marL="0" indent="0">
-              <a:buNone/>
-            </a:pPr>
-            <a:r>
-              <a:rPr lang="zh-TW" altLang="en-US" dirty="0">
-                <a:solidFill>
-                  <a:srgbClr val="FF0000"/>
-                </a:solidFill>
-              </a:rPr>
-              <a:t>     解決辦法</a:t>
-            </a:r>
-            <a:r>
-              <a:rPr lang="en-US" altLang="zh-TW" dirty="0"/>
-              <a:t>:</a:t>
-            </a:r>
-            <a:r>
-              <a:rPr lang="zh-TW" altLang="en-US" dirty="0"/>
-              <a:t>用了大量的字典依各分類做條件篩選，加總各分類的總數。</a:t>
+              <a:rPr lang="en-US" altLang="zh-TW" sz="4400" dirty="0"/>
+              <a:t>A1</a:t>
+            </a:r>
+            <a:r>
+              <a:rPr lang="zh-TW" altLang="en-US" sz="4400" dirty="0"/>
+              <a:t>類</a:t>
+            </a:r>
+          </a:p>
+        </p:txBody>
+      </p:sp>
+      <p:sp>
+        <p:nvSpPr>
+          <p:cNvPr id="52" name="文字方塊 51">
+            <a:extLst>
+              <a:ext uri="{FF2B5EF4-FFF2-40B4-BE49-F238E27FC236}">
+                <a16:creationId xmlns:a16="http://schemas.microsoft.com/office/drawing/2014/main" id="{833CE4E3-6048-42AF-B352-2BFB18DC7D0E}"/>
+              </a:ext>
+            </a:extLst>
+          </p:cNvPr>
+          <p:cNvSpPr txBox="1"/>
+          <p:nvPr/>
+        </p:nvSpPr>
+        <p:spPr>
+          <a:xfrm>
+            <a:off x="10430311" y="4745588"/>
+            <a:ext cx="889233" cy="1446550"/>
+          </a:xfrm>
+          <a:prstGeom prst="rect">
+            <a:avLst/>
+          </a:prstGeom>
+          <a:noFill/>
+        </p:spPr>
+        <p:txBody>
+          <a:bodyPr wrap="square" rtlCol="0">
+            <a:spAutoFit/>
+          </a:bodyPr>
+          <a:lstStyle/>
+          <a:p>
+            <a:r>
+              <a:rPr lang="en-US" altLang="zh-TW" sz="4400" dirty="0"/>
+              <a:t>A2</a:t>
+            </a:r>
+            <a:r>
+              <a:rPr lang="zh-TW" altLang="en-US" sz="4400" dirty="0"/>
+              <a:t>類</a:t>
             </a:r>
           </a:p>
         </p:txBody>
       </p:sp>
       <p:pic>
         <p:nvPicPr>
-          <p:cNvPr id="5" name="圖片 4">
+          <p:cNvPr id="56" name="內容版面配置區 55">
             <a:extLst>
               <a:ext uri="{FF2B5EF4-FFF2-40B4-BE49-F238E27FC236}">
-                <a16:creationId xmlns:a16="http://schemas.microsoft.com/office/drawing/2014/main" id="{3C1057D5-5C0D-4D5A-B1EF-1FBFB4225E2F}"/>
+                <a16:creationId xmlns:a16="http://schemas.microsoft.com/office/drawing/2014/main" id="{D9EDCC76-E25D-4AF1-8DD3-5328CF6F1B48}"/>
+              </a:ext>
+            </a:extLst>
+          </p:cNvPr>
+          <p:cNvPicPr>
+            <a:picLocks noGrp="1" noChangeAspect="1"/>
+          </p:cNvPicPr>
+          <p:nvPr>
+            <p:ph idx="1"/>
+          </p:nvPr>
+        </p:nvPicPr>
+        <p:blipFill>
+          <a:blip r:embed="rId2"/>
+          <a:stretch>
+            <a:fillRect/>
+          </a:stretch>
+        </p:blipFill>
+        <p:spPr>
+          <a:xfrm>
+            <a:off x="0" y="1690571"/>
+            <a:ext cx="3598133" cy="2401159"/>
+          </a:xfrm>
+        </p:spPr>
+      </p:pic>
+      <p:pic>
+        <p:nvPicPr>
+          <p:cNvPr id="58" name="圖片 57">
+            <a:extLst>
+              <a:ext uri="{FF2B5EF4-FFF2-40B4-BE49-F238E27FC236}">
+                <a16:creationId xmlns:a16="http://schemas.microsoft.com/office/drawing/2014/main" id="{D3D6CF50-49C8-453C-AF22-D828813C066C}"/>
               </a:ext>
             </a:extLst>
           </p:cNvPr>
@@ -6617,25 +8216,182 @@
           <p:nvPr/>
         </p:nvPicPr>
         <p:blipFill>
-          <a:blip r:embed="rId2"/>
+          <a:blip r:embed="rId3"/>
           <a:stretch>
             <a:fillRect/>
           </a:stretch>
         </p:blipFill>
         <p:spPr>
           <a:xfrm>
-            <a:off x="1053093" y="3071642"/>
-            <a:ext cx="7637902" cy="2976012"/>
+            <a:off x="3044433" y="1583563"/>
+            <a:ext cx="3918833" cy="2615173"/>
           </a:xfrm>
           <a:prstGeom prst="rect">
             <a:avLst/>
           </a:prstGeom>
         </p:spPr>
       </p:pic>
+      <p:pic>
+        <p:nvPicPr>
+          <p:cNvPr id="60" name="圖片 59">
+            <a:extLst>
+              <a:ext uri="{FF2B5EF4-FFF2-40B4-BE49-F238E27FC236}">
+                <a16:creationId xmlns:a16="http://schemas.microsoft.com/office/drawing/2014/main" id="{A22B5E76-64D4-4FB4-A3D6-A2F7DB99F6F7}"/>
+              </a:ext>
+            </a:extLst>
+          </p:cNvPr>
+          <p:cNvPicPr>
+            <a:picLocks noChangeAspect="1"/>
+          </p:cNvPicPr>
+          <p:nvPr/>
+        </p:nvPicPr>
+        <p:blipFill rotWithShape="1">
+          <a:blip r:embed="rId4"/>
+          <a:srcRect l="612" t="-2093" r="14360"/>
+          <a:stretch/>
+        </p:blipFill>
+        <p:spPr>
+          <a:xfrm>
+            <a:off x="6332917" y="1527510"/>
+            <a:ext cx="3440257" cy="2734098"/>
+          </a:xfrm>
+          <a:prstGeom prst="rect">
+            <a:avLst/>
+          </a:prstGeom>
+        </p:spPr>
+      </p:pic>
+      <p:pic>
+        <p:nvPicPr>
+          <p:cNvPr id="62" name="圖片 61">
+            <a:extLst>
+              <a:ext uri="{FF2B5EF4-FFF2-40B4-BE49-F238E27FC236}">
+                <a16:creationId xmlns:a16="http://schemas.microsoft.com/office/drawing/2014/main" id="{E15C3868-7576-460E-B4E2-8E4183487003}"/>
+              </a:ext>
+            </a:extLst>
+          </p:cNvPr>
+          <p:cNvPicPr>
+            <a:picLocks noChangeAspect="1"/>
+          </p:cNvPicPr>
+          <p:nvPr/>
+        </p:nvPicPr>
+        <p:blipFill>
+          <a:blip r:embed="rId5"/>
+          <a:stretch>
+            <a:fillRect/>
+          </a:stretch>
+        </p:blipFill>
+        <p:spPr>
+          <a:xfrm>
+            <a:off x="0" y="4091730"/>
+            <a:ext cx="3699545" cy="2468835"/>
+          </a:xfrm>
+          <a:prstGeom prst="rect">
+            <a:avLst/>
+          </a:prstGeom>
+        </p:spPr>
+      </p:pic>
+      <p:pic>
+        <p:nvPicPr>
+          <p:cNvPr id="64" name="圖片 63">
+            <a:extLst>
+              <a:ext uri="{FF2B5EF4-FFF2-40B4-BE49-F238E27FC236}">
+                <a16:creationId xmlns:a16="http://schemas.microsoft.com/office/drawing/2014/main" id="{2CC643A6-2FD5-40EA-BA70-8212D7A3B998}"/>
+              </a:ext>
+            </a:extLst>
+          </p:cNvPr>
+          <p:cNvPicPr>
+            <a:picLocks noChangeAspect="1"/>
+          </p:cNvPicPr>
+          <p:nvPr/>
+        </p:nvPicPr>
+        <p:blipFill>
+          <a:blip r:embed="rId6"/>
+          <a:stretch>
+            <a:fillRect/>
+          </a:stretch>
+        </p:blipFill>
+        <p:spPr>
+          <a:xfrm>
+            <a:off x="3095816" y="4104257"/>
+            <a:ext cx="3816066" cy="2546593"/>
+          </a:xfrm>
+          <a:prstGeom prst="rect">
+            <a:avLst/>
+          </a:prstGeom>
+        </p:spPr>
+      </p:pic>
+      <p:pic>
+        <p:nvPicPr>
+          <p:cNvPr id="66" name="圖片 65">
+            <a:extLst>
+              <a:ext uri="{FF2B5EF4-FFF2-40B4-BE49-F238E27FC236}">
+                <a16:creationId xmlns:a16="http://schemas.microsoft.com/office/drawing/2014/main" id="{7892DE28-1301-468C-ABAD-EFBAD8EDEF9A}"/>
+              </a:ext>
+            </a:extLst>
+          </p:cNvPr>
+          <p:cNvPicPr>
+            <a:picLocks noChangeAspect="1"/>
+          </p:cNvPicPr>
+          <p:nvPr/>
+        </p:nvPicPr>
+        <p:blipFill rotWithShape="1">
+          <a:blip r:embed="rId7"/>
+          <a:srcRect t="1608" r="12462"/>
+          <a:stretch/>
+        </p:blipFill>
+        <p:spPr>
+          <a:xfrm>
+            <a:off x="6308153" y="4274135"/>
+            <a:ext cx="3238519" cy="2429146"/>
+          </a:xfrm>
+          <a:prstGeom prst="rect">
+            <a:avLst/>
+          </a:prstGeom>
+        </p:spPr>
+      </p:pic>
+      <p:sp>
+        <p:nvSpPr>
+          <p:cNvPr id="68" name="文字方塊 67">
+            <a:extLst>
+              <a:ext uri="{FF2B5EF4-FFF2-40B4-BE49-F238E27FC236}">
+                <a16:creationId xmlns:a16="http://schemas.microsoft.com/office/drawing/2014/main" id="{4E7ECC4B-4E10-4B27-AC18-AB1ACB36EFDB}"/>
+              </a:ext>
+            </a:extLst>
+          </p:cNvPr>
+          <p:cNvSpPr txBox="1"/>
+          <p:nvPr/>
+        </p:nvSpPr>
+        <p:spPr>
+          <a:xfrm>
+            <a:off x="3274946" y="1067893"/>
+            <a:ext cx="4652466" cy="369332"/>
+          </a:xfrm>
+          <a:prstGeom prst="rect">
+            <a:avLst/>
+          </a:prstGeom>
+          <a:noFill/>
+        </p:spPr>
+        <p:txBody>
+          <a:bodyPr wrap="square" rtlCol="0">
+            <a:spAutoFit/>
+          </a:bodyPr>
+          <a:lstStyle/>
+          <a:p>
+            <a:r>
+              <a:rPr lang="zh-TW" altLang="en-US" dirty="0">
+                <a:solidFill>
+                  <a:srgbClr val="0070C0"/>
+                </a:solidFill>
+              </a:rPr>
+              <a:t>觀察事故總數可以發現機車逐年上升</a:t>
+            </a:r>
+          </a:p>
+        </p:txBody>
+      </p:sp>
     </p:spTree>
     <p:extLst>
       <p:ext uri="{BB962C8B-B14F-4D97-AF65-F5344CB8AC3E}">
-        <p14:creationId xmlns:p14="http://schemas.microsoft.com/office/powerpoint/2010/main" val="2443154247"/>
+        <p14:creationId xmlns:p14="http://schemas.microsoft.com/office/powerpoint/2010/main" val="4228529609"/>
       </p:ext>
     </p:extLst>
   </p:cSld>
@@ -6667,7 +8423,7 @@
           <p:cNvPr id="2" name="標題 1">
             <a:extLst>
               <a:ext uri="{FF2B5EF4-FFF2-40B4-BE49-F238E27FC236}">
-                <a16:creationId xmlns:a16="http://schemas.microsoft.com/office/drawing/2014/main" id="{08BE8EE7-9B1B-4650-98A5-2F6264E69073}"/>
+                <a16:creationId xmlns:a16="http://schemas.microsoft.com/office/drawing/2014/main" id="{599471C8-1FA4-4A43-83D4-3C9CCDD44BFB}"/>
               </a:ext>
             </a:extLst>
           </p:cNvPr>
@@ -6678,22 +8434,27 @@
             <p:ph type="title"/>
           </p:nvPr>
         </p:nvSpPr>
-        <p:spPr/>
+        <p:spPr>
+          <a:xfrm>
+            <a:off x="677334" y="184558"/>
+            <a:ext cx="8596668" cy="788565"/>
+          </a:xfrm>
+        </p:spPr>
         <p:txBody>
           <a:bodyPr/>
           <a:lstStyle/>
           <a:p>
             <a:r>
               <a:rPr lang="zh-TW" altLang="en-US" dirty="0"/>
-              <a:t>過程中遇到的問題</a:t>
+              <a:t>各縣市年度事故圖</a:t>
             </a:r>
             <a:r>
               <a:rPr lang="en-US" altLang="zh-TW" dirty="0"/>
-              <a:t>(</a:t>
+              <a:t>(A1</a:t>
             </a:r>
             <a:r>
               <a:rPr lang="zh-TW" altLang="en-US" dirty="0"/>
-              <a:t>三</a:t>
+              <a:t>類</a:t>
             </a:r>
             <a:r>
               <a:rPr lang="en-US" altLang="zh-TW" dirty="0"/>
@@ -6703,207 +8464,41 @@
           </a:p>
         </p:txBody>
       </p:sp>
-      <p:sp>
-        <p:nvSpPr>
-          <p:cNvPr id="3" name="內容版面配置區 2">
+      <p:pic>
+        <p:nvPicPr>
+          <p:cNvPr id="5" name="內容版面配置區 4">
             <a:extLst>
               <a:ext uri="{FF2B5EF4-FFF2-40B4-BE49-F238E27FC236}">
-                <a16:creationId xmlns:a16="http://schemas.microsoft.com/office/drawing/2014/main" id="{15ED451D-AFEB-48EA-9EA4-F0518201A73E}"/>
+                <a16:creationId xmlns:a16="http://schemas.microsoft.com/office/drawing/2014/main" id="{ACB15BB0-DA5F-4927-B720-B0148098C3AC}"/>
               </a:ext>
             </a:extLst>
           </p:cNvPr>
-          <p:cNvSpPr>
-            <a:spLocks noGrp="1"/>
-          </p:cNvSpPr>
+          <p:cNvPicPr>
+            <a:picLocks noGrp="1" noChangeAspect="1"/>
+          </p:cNvPicPr>
           <p:nvPr>
             <p:ph idx="1"/>
           </p:nvPr>
-        </p:nvSpPr>
+        </p:nvPicPr>
+        <p:blipFill>
+          <a:blip r:embed="rId2"/>
+          <a:stretch>
+            <a:fillRect/>
+          </a:stretch>
+        </p:blipFill>
         <p:spPr>
           <a:xfrm>
-            <a:off x="677334" y="1359017"/>
-            <a:ext cx="8596668" cy="4682345"/>
+            <a:off x="214285" y="717682"/>
+            <a:ext cx="4466769" cy="3065753"/>
           </a:xfrm>
         </p:spPr>
-        <p:txBody>
-          <a:bodyPr/>
-          <a:lstStyle/>
-          <a:p>
-            <a:r>
-              <a:rPr lang="zh-TW" altLang="en-US" dirty="0"/>
-              <a:t>以</a:t>
-            </a:r>
-            <a:r>
-              <a:rPr lang="en-US" altLang="zh-TW" dirty="0" err="1"/>
-              <a:t>Beautifulsoup</a:t>
-            </a:r>
-            <a:r>
-              <a:rPr lang="zh-TW" altLang="en-US" dirty="0"/>
-              <a:t>抓取資料後用</a:t>
-            </a:r>
-            <a:r>
-              <a:rPr lang="en-US" altLang="zh-TW" dirty="0" err="1"/>
-              <a:t>Numpy.reshape</a:t>
-            </a:r>
-            <a:r>
-              <a:rPr lang="en-US" altLang="zh-TW" dirty="0"/>
-              <a:t>()</a:t>
-            </a:r>
-            <a:r>
-              <a:rPr lang="zh-TW" altLang="en-US" dirty="0"/>
-              <a:t>轉為陣列後帶入到</a:t>
-            </a:r>
-            <a:r>
-              <a:rPr lang="en-US" altLang="zh-TW" dirty="0"/>
-              <a:t>Pandas</a:t>
-            </a:r>
-            <a:r>
-              <a:rPr lang="zh-TW" altLang="en-US" dirty="0"/>
-              <a:t>中</a:t>
-            </a:r>
-            <a:endParaRPr lang="en-US" altLang="zh-TW" dirty="0"/>
-          </a:p>
-          <a:p>
-            <a:pPr marL="0" indent="0">
-              <a:buNone/>
-            </a:pPr>
-            <a:r>
-              <a:rPr lang="zh-TW" altLang="en-US" dirty="0"/>
-              <a:t>     的</a:t>
-            </a:r>
-            <a:r>
-              <a:rPr lang="en-US" altLang="zh-TW" dirty="0" err="1"/>
-              <a:t>DataFrame</a:t>
-            </a:r>
-            <a:r>
-              <a:rPr lang="zh-TW" altLang="en-US" dirty="0"/>
-              <a:t>卻無法用</a:t>
-            </a:r>
-            <a:r>
-              <a:rPr lang="en-US" altLang="zh-TW" dirty="0"/>
-              <a:t>df[‘</a:t>
-            </a:r>
-            <a:r>
-              <a:rPr lang="en-US" altLang="zh-TW" dirty="0" err="1"/>
-              <a:t>columnName</a:t>
-            </a:r>
-            <a:r>
-              <a:rPr lang="en-US" altLang="zh-TW" dirty="0"/>
-              <a:t>’].sum()</a:t>
-            </a:r>
-            <a:r>
-              <a:rPr lang="zh-TW" altLang="en-US" dirty="0"/>
-              <a:t>做該欄的加總</a:t>
-            </a:r>
-            <a:endParaRPr lang="en-US" altLang="zh-TW" dirty="0"/>
-          </a:p>
-          <a:p>
-            <a:pPr marL="0" indent="0">
-              <a:buNone/>
-            </a:pPr>
-            <a:endParaRPr lang="en-US" altLang="zh-TW" dirty="0"/>
-          </a:p>
-          <a:p>
-            <a:pPr marL="0" indent="0">
-              <a:buNone/>
-            </a:pPr>
-            <a:r>
-              <a:rPr lang="zh-TW" altLang="en-US" dirty="0"/>
-              <a:t>     </a:t>
-            </a:r>
-            <a:r>
-              <a:rPr lang="zh-TW" altLang="en-US" dirty="0">
-                <a:solidFill>
-                  <a:srgbClr val="FF0000"/>
-                </a:solidFill>
-              </a:rPr>
-              <a:t>解決辦法</a:t>
-            </a:r>
-            <a:r>
-              <a:rPr lang="en-US" altLang="zh-TW" dirty="0">
-                <a:solidFill>
-                  <a:srgbClr val="FF0000"/>
-                </a:solidFill>
-              </a:rPr>
-              <a:t>:</a:t>
-            </a:r>
-            <a:r>
-              <a:rPr lang="zh-TW" altLang="en-US" dirty="0"/>
-              <a:t>觀察程式</a:t>
-            </a:r>
-            <a:r>
-              <a:rPr lang="en-US" altLang="zh-TW" dirty="0"/>
-              <a:t>df[‘</a:t>
-            </a:r>
-            <a:r>
-              <a:rPr lang="en-US" altLang="zh-TW" dirty="0" err="1"/>
-              <a:t>columnName</a:t>
-            </a:r>
-            <a:r>
-              <a:rPr lang="en-US" altLang="zh-TW" dirty="0"/>
-              <a:t>’].sum()</a:t>
-            </a:r>
-            <a:r>
-              <a:rPr lang="zh-TW" altLang="en-US" dirty="0"/>
-              <a:t>後加總的數字是用字串連接組成的，</a:t>
-            </a:r>
-            <a:endParaRPr lang="en-US" altLang="zh-TW" dirty="0"/>
-          </a:p>
-          <a:p>
-            <a:pPr marL="0" indent="0">
-              <a:buNone/>
-            </a:pPr>
-            <a:r>
-              <a:rPr lang="zh-TW" altLang="en-US" dirty="0"/>
-              <a:t>     發現用</a:t>
-            </a:r>
-            <a:r>
-              <a:rPr lang="en-US" altLang="zh-TW" dirty="0" err="1"/>
-              <a:t>Beautifulsoup</a:t>
-            </a:r>
-            <a:r>
-              <a:rPr lang="zh-TW" altLang="en-US" dirty="0"/>
-              <a:t>抓取的第一個欄位資料是</a:t>
-            </a:r>
-            <a:r>
-              <a:rPr lang="en-US" altLang="zh-TW" dirty="0"/>
-              <a:t>XX</a:t>
-            </a:r>
-            <a:r>
-              <a:rPr lang="zh-TW" altLang="en-US" dirty="0"/>
-              <a:t>年</a:t>
-            </a:r>
-            <a:r>
-              <a:rPr lang="en-US" altLang="zh-TW" dirty="0"/>
-              <a:t>X</a:t>
-            </a:r>
-            <a:r>
-              <a:rPr lang="zh-TW" altLang="en-US" dirty="0"/>
-              <a:t>月，陣列中應該要全部是</a:t>
-            </a:r>
-            <a:endParaRPr lang="en-US" altLang="zh-TW" dirty="0"/>
-          </a:p>
-          <a:p>
-            <a:pPr marL="0" indent="0">
-              <a:buNone/>
-            </a:pPr>
-            <a:r>
-              <a:rPr lang="zh-TW" altLang="en-US" dirty="0"/>
-              <a:t>     數字才能加總，不能有字串，修改爬蟲程式將日期資訊分開爬取就能順利解決。</a:t>
-            </a:r>
-            <a:endParaRPr lang="en-US" altLang="zh-TW" dirty="0"/>
-          </a:p>
-          <a:p>
-            <a:endParaRPr lang="zh-TW" altLang="en-US" dirty="0"/>
-          </a:p>
-        </p:txBody>
-      </p:sp>
+      </p:pic>
       <p:pic>
         <p:nvPicPr>
-          <p:cNvPr id="5" name="圖片 4">
+          <p:cNvPr id="7" name="圖片 6">
             <a:extLst>
               <a:ext uri="{FF2B5EF4-FFF2-40B4-BE49-F238E27FC236}">
-                <a16:creationId xmlns:a16="http://schemas.microsoft.com/office/drawing/2014/main" id="{3EE8C630-019C-42F3-B1B5-F4248F5F7533}"/>
+                <a16:creationId xmlns:a16="http://schemas.microsoft.com/office/drawing/2014/main" id="{3A124DAB-BA85-47A8-8EFD-7CDC802D6314}"/>
               </a:ext>
             </a:extLst>
           </p:cNvPr>
@@ -6913,15 +8508,15 @@
           <p:nvPr/>
         </p:nvPicPr>
         <p:blipFill>
-          <a:blip r:embed="rId2"/>
+          <a:blip r:embed="rId3"/>
           <a:stretch>
             <a:fillRect/>
           </a:stretch>
         </p:blipFill>
         <p:spPr>
           <a:xfrm>
-            <a:off x="1281112" y="3901525"/>
-            <a:ext cx="7257053" cy="2440552"/>
+            <a:off x="4719634" y="717682"/>
+            <a:ext cx="4554368" cy="3125876"/>
           </a:xfrm>
           <a:prstGeom prst="rect">
             <a:avLst/>
@@ -6930,10 +8525,10 @@
       </p:pic>
       <p:pic>
         <p:nvPicPr>
-          <p:cNvPr id="7" name="圖片 6">
+          <p:cNvPr id="9" name="圖片 8">
             <a:extLst>
               <a:ext uri="{FF2B5EF4-FFF2-40B4-BE49-F238E27FC236}">
-                <a16:creationId xmlns:a16="http://schemas.microsoft.com/office/drawing/2014/main" id="{FC602482-F534-4EA7-A8A8-43582A973B62}"/>
+                <a16:creationId xmlns:a16="http://schemas.microsoft.com/office/drawing/2014/main" id="{55ABE767-32C9-4F49-B3E2-0B8422BE58AB}"/>
               </a:ext>
             </a:extLst>
           </p:cNvPr>
@@ -6942,15 +8537,16 @@
           </p:cNvPicPr>
           <p:nvPr/>
         </p:nvPicPr>
-        <p:blipFill rotWithShape="1">
-          <a:blip r:embed="rId3"/>
-          <a:srcRect l="19" t="15967" r="43107" b="10616"/>
-          <a:stretch/>
+        <p:blipFill>
+          <a:blip r:embed="rId4"/>
+          <a:stretch>
+            <a:fillRect/>
+          </a:stretch>
         </p:blipFill>
         <p:spPr>
           <a:xfrm>
-            <a:off x="6842392" y="4056076"/>
-            <a:ext cx="4127383" cy="1442907"/>
+            <a:off x="214285" y="3732124"/>
+            <a:ext cx="4535423" cy="3125876"/>
           </a:xfrm>
           <a:prstGeom prst="rect">
             <a:avLst/>
@@ -6960,7 +8556,7 @@
     </p:spTree>
     <p:extLst>
       <p:ext uri="{BB962C8B-B14F-4D97-AF65-F5344CB8AC3E}">
-        <p14:creationId xmlns:p14="http://schemas.microsoft.com/office/powerpoint/2010/main" val="1798272861"/>
+        <p14:creationId xmlns:p14="http://schemas.microsoft.com/office/powerpoint/2010/main" val="2765898380"/>
       </p:ext>
     </p:extLst>
   </p:cSld>
@@ -6992,7 +8588,7 @@
           <p:cNvPr id="2" name="標題 1">
             <a:extLst>
               <a:ext uri="{FF2B5EF4-FFF2-40B4-BE49-F238E27FC236}">
-                <a16:creationId xmlns:a16="http://schemas.microsoft.com/office/drawing/2014/main" id="{DA9E6672-7C5F-4180-BD0A-6756D2B4A415}"/>
+                <a16:creationId xmlns:a16="http://schemas.microsoft.com/office/drawing/2014/main" id="{534BF54B-7C48-4C19-9E30-9AF344C7D81C}"/>
               </a:ext>
             </a:extLst>
           </p:cNvPr>
@@ -7003,87 +8599,562 @@
             <p:ph type="title"/>
           </p:nvPr>
         </p:nvSpPr>
-        <p:spPr/>
+        <p:spPr>
+          <a:xfrm>
+            <a:off x="677334" y="142613"/>
+            <a:ext cx="8596668" cy="1787787"/>
+          </a:xfrm>
+        </p:spPr>
         <p:txBody>
           <a:bodyPr/>
           <a:lstStyle/>
           <a:p>
             <a:r>
               <a:rPr lang="zh-TW" altLang="en-US" dirty="0"/>
-              <a:t>資料來源</a:t>
-            </a:r>
-          </a:p>
-        </p:txBody>
-      </p:sp>
-      <p:sp>
-        <p:nvSpPr>
-          <p:cNvPr id="3" name="內容版面配置區 2">
+              <a:t>各縣市年度事故圖</a:t>
+            </a:r>
+            <a:r>
+              <a:rPr lang="en-US" altLang="zh-TW" dirty="0"/>
+              <a:t>(A2</a:t>
+            </a:r>
+            <a:r>
+              <a:rPr lang="zh-TW" altLang="en-US" dirty="0"/>
+              <a:t>類</a:t>
+            </a:r>
+            <a:r>
+              <a:rPr lang="en-US" altLang="zh-TW" dirty="0"/>
+              <a:t>)</a:t>
+            </a:r>
+            <a:endParaRPr lang="zh-TW" altLang="en-US" dirty="0"/>
+          </a:p>
+        </p:txBody>
+      </p:sp>
+      <p:pic>
+        <p:nvPicPr>
+          <p:cNvPr id="5" name="內容版面配置區 4">
             <a:extLst>
               <a:ext uri="{FF2B5EF4-FFF2-40B4-BE49-F238E27FC236}">
-                <a16:creationId xmlns:a16="http://schemas.microsoft.com/office/drawing/2014/main" id="{332D6E1B-1BDA-421C-B2E6-50C67D65E975}"/>
+                <a16:creationId xmlns:a16="http://schemas.microsoft.com/office/drawing/2014/main" id="{B986250A-4982-4F61-98E1-1723895DA0F4}"/>
               </a:ext>
             </a:extLst>
           </p:cNvPr>
-          <p:cNvSpPr>
-            <a:spLocks noGrp="1"/>
-          </p:cNvSpPr>
+          <p:cNvPicPr>
+            <a:picLocks noGrp="1" noChangeAspect="1"/>
+          </p:cNvPicPr>
           <p:nvPr>
             <p:ph idx="1"/>
           </p:nvPr>
-        </p:nvSpPr>
+        </p:nvPicPr>
+        <p:blipFill>
+          <a:blip r:embed="rId2"/>
+          <a:stretch>
+            <a:fillRect/>
+          </a:stretch>
+        </p:blipFill>
         <p:spPr>
           <a:xfrm>
-            <a:off x="677334" y="2449585"/>
-            <a:ext cx="8596668" cy="3591777"/>
+            <a:off x="54567" y="792666"/>
+            <a:ext cx="4665121" cy="3087945"/>
           </a:xfrm>
         </p:spPr>
-        <p:txBody>
-          <a:bodyPr/>
-          <a:lstStyle/>
-          <a:p>
-            <a:r>
-              <a:rPr lang="zh-TW" altLang="en-US" dirty="0"/>
-              <a:t>交通部公路總局</a:t>
-            </a:r>
-            <a:endParaRPr lang="en-US" altLang="zh-TW" dirty="0"/>
-          </a:p>
-          <a:p>
-            <a:pPr marL="0" indent="0">
-              <a:buNone/>
-            </a:pPr>
-            <a:r>
-              <a:rPr lang="en-US" altLang="zh-TW" dirty="0"/>
-              <a:t>https://stat.thb.gov.tw/hb01/webMain.aspx?sys=100&amp;funid=defjsp</a:t>
-            </a:r>
-          </a:p>
-          <a:p>
-            <a:r>
-              <a:rPr lang="zh-TW" altLang="en-US" dirty="0"/>
-              <a:t>內政部警政署全球資訊網</a:t>
-            </a:r>
-            <a:endParaRPr lang="en-US" altLang="zh-TW" dirty="0"/>
-          </a:p>
-          <a:p>
-            <a:pPr marL="0" indent="0">
-              <a:buNone/>
-            </a:pPr>
-            <a:r>
-              <a:rPr lang="en-US" altLang="zh-TW" dirty="0"/>
-              <a:t>https://www.npa.gov.tw/NPAGip/wSite/lp?ctNode=12744&amp;CtUnit=2543&amp;BaseDSD=7</a:t>
-            </a:r>
-          </a:p>
-          <a:p>
-            <a:endParaRPr lang="en-US" altLang="zh-TW" dirty="0"/>
-          </a:p>
-          <a:p>
-            <a:endParaRPr lang="zh-TW" altLang="en-US" dirty="0"/>
-          </a:p>
-        </p:txBody>
-      </p:sp>
+      </p:pic>
+      <p:pic>
+        <p:nvPicPr>
+          <p:cNvPr id="7" name="圖片 6">
+            <a:extLst>
+              <a:ext uri="{FF2B5EF4-FFF2-40B4-BE49-F238E27FC236}">
+                <a16:creationId xmlns:a16="http://schemas.microsoft.com/office/drawing/2014/main" id="{37E68150-2710-459B-9B6F-DA24B89D5B71}"/>
+              </a:ext>
+            </a:extLst>
+          </p:cNvPr>
+          <p:cNvPicPr>
+            <a:picLocks noChangeAspect="1"/>
+          </p:cNvPicPr>
+          <p:nvPr/>
+        </p:nvPicPr>
+        <p:blipFill>
+          <a:blip r:embed="rId3"/>
+          <a:stretch>
+            <a:fillRect/>
+          </a:stretch>
+        </p:blipFill>
+        <p:spPr>
+          <a:xfrm>
+            <a:off x="4664285" y="771998"/>
+            <a:ext cx="4665121" cy="3126892"/>
+          </a:xfrm>
+          <a:prstGeom prst="rect">
+            <a:avLst/>
+          </a:prstGeom>
+        </p:spPr>
+      </p:pic>
+      <p:pic>
+        <p:nvPicPr>
+          <p:cNvPr id="9" name="圖片 8">
+            <a:extLst>
+              <a:ext uri="{FF2B5EF4-FFF2-40B4-BE49-F238E27FC236}">
+                <a16:creationId xmlns:a16="http://schemas.microsoft.com/office/drawing/2014/main" id="{FF82706F-2ED5-482D-A027-4133C9911F7A}"/>
+              </a:ext>
+            </a:extLst>
+          </p:cNvPr>
+          <p:cNvPicPr>
+            <a:picLocks noChangeAspect="1"/>
+          </p:cNvPicPr>
+          <p:nvPr/>
+        </p:nvPicPr>
+        <p:blipFill>
+          <a:blip r:embed="rId4"/>
+          <a:stretch>
+            <a:fillRect/>
+          </a:stretch>
+        </p:blipFill>
+        <p:spPr>
+          <a:xfrm>
+            <a:off x="54568" y="3805110"/>
+            <a:ext cx="4609718" cy="3092285"/>
+          </a:xfrm>
+          <a:prstGeom prst="rect">
+            <a:avLst/>
+          </a:prstGeom>
+        </p:spPr>
+      </p:pic>
     </p:spTree>
     <p:extLst>
       <p:ext uri="{BB962C8B-B14F-4D97-AF65-F5344CB8AC3E}">
-        <p14:creationId xmlns:p14="http://schemas.microsoft.com/office/powerpoint/2010/main" val="254079639"/>
+        <p14:creationId xmlns:p14="http://schemas.microsoft.com/office/powerpoint/2010/main" val="2145640624"/>
+      </p:ext>
+    </p:extLst>
+  </p:cSld>
+  <p:clrMapOvr>
+    <a:masterClrMapping/>
+  </p:clrMapOvr>
+</p:sld>
+</file>
+
+<file path=ppt/slides/slide8.xml><?xml version="1.0" encoding="utf-8"?>
+<p:sld xmlns:a="http://schemas.openxmlformats.org/drawingml/2006/main" xmlns:r="http://schemas.openxmlformats.org/officeDocument/2006/relationships" xmlns:p="http://schemas.openxmlformats.org/presentationml/2006/main">
+  <p:cSld>
+    <p:spTree>
+      <p:nvGrpSpPr>
+        <p:cNvPr id="1" name=""/>
+        <p:cNvGrpSpPr/>
+        <p:nvPr/>
+      </p:nvGrpSpPr>
+      <p:grpSpPr>
+        <a:xfrm>
+          <a:off x="0" y="0"/>
+          <a:ext cx="0" cy="0"/>
+          <a:chOff x="0" y="0"/>
+          <a:chExt cx="0" cy="0"/>
+        </a:xfrm>
+      </p:grpSpPr>
+      <p:sp>
+        <p:nvSpPr>
+          <p:cNvPr id="2" name="標題 1">
+            <a:extLst>
+              <a:ext uri="{FF2B5EF4-FFF2-40B4-BE49-F238E27FC236}">
+                <a16:creationId xmlns:a16="http://schemas.microsoft.com/office/drawing/2014/main" id="{0F2E4F60-080E-481B-A461-3CA46DAC3B12}"/>
+              </a:ext>
+            </a:extLst>
+          </p:cNvPr>
+          <p:cNvSpPr>
+            <a:spLocks noGrp="1"/>
+          </p:cNvSpPr>
+          <p:nvPr>
+            <p:ph type="title"/>
+          </p:nvPr>
+        </p:nvSpPr>
+        <p:spPr>
+          <a:xfrm>
+            <a:off x="677334" y="100668"/>
+            <a:ext cx="8596668" cy="1829732"/>
+          </a:xfrm>
+        </p:spPr>
+        <p:txBody>
+          <a:bodyPr/>
+          <a:lstStyle/>
+          <a:p>
+            <a:r>
+              <a:rPr lang="zh-TW" altLang="en-US" dirty="0"/>
+              <a:t>各縣市機車加權後事故比率</a:t>
+            </a:r>
+            <a:r>
+              <a:rPr lang="en-US" altLang="zh-TW" dirty="0"/>
+              <a:t>(A1</a:t>
+            </a:r>
+            <a:r>
+              <a:rPr lang="zh-TW" altLang="en-US" dirty="0"/>
+              <a:t>類</a:t>
+            </a:r>
+            <a:r>
+              <a:rPr lang="en-US" altLang="zh-TW" dirty="0"/>
+              <a:t>)</a:t>
+            </a:r>
+            <a:endParaRPr lang="zh-TW" altLang="en-US" dirty="0"/>
+          </a:p>
+        </p:txBody>
+      </p:sp>
+      <p:pic>
+        <p:nvPicPr>
+          <p:cNvPr id="5" name="內容版面配置區 4">
+            <a:extLst>
+              <a:ext uri="{FF2B5EF4-FFF2-40B4-BE49-F238E27FC236}">
+                <a16:creationId xmlns:a16="http://schemas.microsoft.com/office/drawing/2014/main" id="{50067D89-17E8-44F3-A692-D46E417B0BA5}"/>
+              </a:ext>
+            </a:extLst>
+          </p:cNvPr>
+          <p:cNvPicPr>
+            <a:picLocks noGrp="1" noChangeAspect="1"/>
+          </p:cNvPicPr>
+          <p:nvPr>
+            <p:ph idx="1"/>
+          </p:nvPr>
+        </p:nvPicPr>
+        <p:blipFill>
+          <a:blip r:embed="rId2"/>
+          <a:stretch>
+            <a:fillRect/>
+          </a:stretch>
+        </p:blipFill>
+        <p:spPr>
+          <a:xfrm>
+            <a:off x="0" y="754760"/>
+            <a:ext cx="4560518" cy="3179811"/>
+          </a:xfrm>
+        </p:spPr>
+      </p:pic>
+      <p:pic>
+        <p:nvPicPr>
+          <p:cNvPr id="7" name="圖片 6">
+            <a:extLst>
+              <a:ext uri="{FF2B5EF4-FFF2-40B4-BE49-F238E27FC236}">
+                <a16:creationId xmlns:a16="http://schemas.microsoft.com/office/drawing/2014/main" id="{08466446-403B-4EDB-AD35-CCDC4F8183A3}"/>
+              </a:ext>
+            </a:extLst>
+          </p:cNvPr>
+          <p:cNvPicPr>
+            <a:picLocks noChangeAspect="1"/>
+          </p:cNvPicPr>
+          <p:nvPr/>
+        </p:nvPicPr>
+        <p:blipFill>
+          <a:blip r:embed="rId3"/>
+          <a:stretch>
+            <a:fillRect/>
+          </a:stretch>
+        </p:blipFill>
+        <p:spPr>
+          <a:xfrm>
+            <a:off x="4560518" y="754760"/>
+            <a:ext cx="4699669" cy="3276833"/>
+          </a:xfrm>
+          <a:prstGeom prst="rect">
+            <a:avLst/>
+          </a:prstGeom>
+        </p:spPr>
+      </p:pic>
+      <p:pic>
+        <p:nvPicPr>
+          <p:cNvPr id="9" name="圖片 8">
+            <a:extLst>
+              <a:ext uri="{FF2B5EF4-FFF2-40B4-BE49-F238E27FC236}">
+                <a16:creationId xmlns:a16="http://schemas.microsoft.com/office/drawing/2014/main" id="{54CF4E9F-47A4-417A-85F7-E1832C1C4FC3}"/>
+              </a:ext>
+            </a:extLst>
+          </p:cNvPr>
+          <p:cNvPicPr>
+            <a:picLocks noChangeAspect="1"/>
+          </p:cNvPicPr>
+          <p:nvPr/>
+        </p:nvPicPr>
+        <p:blipFill>
+          <a:blip r:embed="rId4"/>
+          <a:stretch>
+            <a:fillRect/>
+          </a:stretch>
+        </p:blipFill>
+        <p:spPr>
+          <a:xfrm>
+            <a:off x="0" y="3791958"/>
+            <a:ext cx="4699669" cy="3306858"/>
+          </a:xfrm>
+          <a:prstGeom prst="rect">
+            <a:avLst/>
+          </a:prstGeom>
+        </p:spPr>
+      </p:pic>
+      <p:sp>
+        <p:nvSpPr>
+          <p:cNvPr id="10" name="文字方塊 9">
+            <a:extLst>
+              <a:ext uri="{FF2B5EF4-FFF2-40B4-BE49-F238E27FC236}">
+                <a16:creationId xmlns:a16="http://schemas.microsoft.com/office/drawing/2014/main" id="{37A2C755-5279-4089-8B1A-2CC19272ADBB}"/>
+              </a:ext>
+            </a:extLst>
+          </p:cNvPr>
+          <p:cNvSpPr txBox="1"/>
+          <p:nvPr/>
+        </p:nvSpPr>
+        <p:spPr>
+          <a:xfrm>
+            <a:off x="4975668" y="4224020"/>
+            <a:ext cx="4303553" cy="923330"/>
+          </a:xfrm>
+          <a:prstGeom prst="rect">
+            <a:avLst/>
+          </a:prstGeom>
+          <a:noFill/>
+        </p:spPr>
+        <p:txBody>
+          <a:bodyPr wrap="square" rtlCol="0">
+            <a:spAutoFit/>
+          </a:bodyPr>
+          <a:lstStyle/>
+          <a:p>
+            <a:r>
+              <a:rPr lang="zh-TW" altLang="en-US" dirty="0"/>
+              <a:t>因為各縣市大小不一樣，不能光用事故總數來看，為了增加準確率用了加權方式計算。</a:t>
+            </a:r>
+          </a:p>
+        </p:txBody>
+      </p:sp>
+      <p:sp>
+        <p:nvSpPr>
+          <p:cNvPr id="11" name="文字方塊 10">
+            <a:extLst>
+              <a:ext uri="{FF2B5EF4-FFF2-40B4-BE49-F238E27FC236}">
+                <a16:creationId xmlns:a16="http://schemas.microsoft.com/office/drawing/2014/main" id="{93AF6BB7-E4B2-4A86-B119-79DBD5AD58F6}"/>
+              </a:ext>
+            </a:extLst>
+          </p:cNvPr>
+          <p:cNvSpPr txBox="1"/>
+          <p:nvPr/>
+        </p:nvSpPr>
+        <p:spPr>
+          <a:xfrm>
+            <a:off x="4975668" y="5147350"/>
+            <a:ext cx="6652470" cy="923330"/>
+          </a:xfrm>
+          <a:prstGeom prst="rect">
+            <a:avLst/>
+          </a:prstGeom>
+          <a:noFill/>
+        </p:spPr>
+        <p:txBody>
+          <a:bodyPr wrap="square" rtlCol="0">
+            <a:spAutoFit/>
+          </a:bodyPr>
+          <a:lstStyle/>
+          <a:p>
+            <a:r>
+              <a:rPr lang="zh-TW" altLang="en-US" dirty="0"/>
+              <a:t>算法</a:t>
+            </a:r>
+            <a:r>
+              <a:rPr lang="en-US" altLang="zh-TW" dirty="0"/>
+              <a:t>:</a:t>
+            </a:r>
+          </a:p>
+          <a:p>
+            <a:r>
+              <a:rPr lang="zh-TW" altLang="en-US" dirty="0"/>
+              <a:t>各縣市機車出示的比率</a:t>
+            </a:r>
+            <a:r>
+              <a:rPr lang="en-US" altLang="zh-TW" dirty="0"/>
+              <a:t>=</a:t>
+            </a:r>
+            <a:r>
+              <a:rPr lang="zh-TW" altLang="en-US" dirty="0"/>
+              <a:t>各縣市總機車事故</a:t>
+            </a:r>
+            <a:r>
+              <a:rPr lang="en-US" altLang="zh-TW" dirty="0"/>
+              <a:t>/</a:t>
+            </a:r>
+            <a:r>
+              <a:rPr lang="zh-TW" altLang="en-US" dirty="0"/>
+              <a:t>各縣市登記的機車數</a:t>
+            </a:r>
+            <a:endParaRPr lang="en-US" altLang="zh-TW" dirty="0"/>
+          </a:p>
+          <a:p>
+            <a:r>
+              <a:rPr lang="zh-TW" altLang="en-US" dirty="0"/>
+              <a:t>最後再依照各比率算出百分比</a:t>
+            </a:r>
+          </a:p>
+        </p:txBody>
+      </p:sp>
+    </p:spTree>
+    <p:extLst>
+      <p:ext uri="{BB962C8B-B14F-4D97-AF65-F5344CB8AC3E}">
+        <p14:creationId xmlns:p14="http://schemas.microsoft.com/office/powerpoint/2010/main" val="2044088602"/>
+      </p:ext>
+    </p:extLst>
+  </p:cSld>
+  <p:clrMapOvr>
+    <a:masterClrMapping/>
+  </p:clrMapOvr>
+</p:sld>
+</file>
+
+<file path=ppt/slides/slide9.xml><?xml version="1.0" encoding="utf-8"?>
+<p:sld xmlns:a="http://schemas.openxmlformats.org/drawingml/2006/main" xmlns:r="http://schemas.openxmlformats.org/officeDocument/2006/relationships" xmlns:p="http://schemas.openxmlformats.org/presentationml/2006/main">
+  <p:cSld>
+    <p:spTree>
+      <p:nvGrpSpPr>
+        <p:cNvPr id="1" name=""/>
+        <p:cNvGrpSpPr/>
+        <p:nvPr/>
+      </p:nvGrpSpPr>
+      <p:grpSpPr>
+        <a:xfrm>
+          <a:off x="0" y="0"/>
+          <a:ext cx="0" cy="0"/>
+          <a:chOff x="0" y="0"/>
+          <a:chExt cx="0" cy="0"/>
+        </a:xfrm>
+      </p:grpSpPr>
+      <p:sp>
+        <p:nvSpPr>
+          <p:cNvPr id="2" name="標題 1">
+            <a:extLst>
+              <a:ext uri="{FF2B5EF4-FFF2-40B4-BE49-F238E27FC236}">
+                <a16:creationId xmlns:a16="http://schemas.microsoft.com/office/drawing/2014/main" id="{72B9D67B-27F9-4D2C-B668-2C53C5575395}"/>
+              </a:ext>
+            </a:extLst>
+          </p:cNvPr>
+          <p:cNvSpPr>
+            <a:spLocks noGrp="1"/>
+          </p:cNvSpPr>
+          <p:nvPr>
+            <p:ph type="title"/>
+          </p:nvPr>
+        </p:nvSpPr>
+        <p:spPr>
+          <a:xfrm>
+            <a:off x="677334" y="83890"/>
+            <a:ext cx="8596668" cy="1846510"/>
+          </a:xfrm>
+        </p:spPr>
+        <p:txBody>
+          <a:bodyPr/>
+          <a:lstStyle/>
+          <a:p>
+            <a:r>
+              <a:rPr lang="zh-TW" altLang="en-US" dirty="0"/>
+              <a:t>各縣市機車加權後事故比率</a:t>
+            </a:r>
+            <a:r>
+              <a:rPr lang="en-US" altLang="zh-TW" dirty="0"/>
+              <a:t>(A2</a:t>
+            </a:r>
+            <a:r>
+              <a:rPr lang="zh-TW" altLang="en-US" dirty="0"/>
+              <a:t>類</a:t>
+            </a:r>
+            <a:r>
+              <a:rPr lang="en-US" altLang="zh-TW" dirty="0"/>
+              <a:t>)</a:t>
+            </a:r>
+            <a:endParaRPr lang="zh-TW" altLang="en-US" dirty="0"/>
+          </a:p>
+        </p:txBody>
+      </p:sp>
+      <p:pic>
+        <p:nvPicPr>
+          <p:cNvPr id="5" name="內容版面配置區 4">
+            <a:extLst>
+              <a:ext uri="{FF2B5EF4-FFF2-40B4-BE49-F238E27FC236}">
+                <a16:creationId xmlns:a16="http://schemas.microsoft.com/office/drawing/2014/main" id="{F6835348-7F1B-43CC-986C-ABF5CEC2B30D}"/>
+              </a:ext>
+            </a:extLst>
+          </p:cNvPr>
+          <p:cNvPicPr>
+            <a:picLocks noGrp="1" noChangeAspect="1"/>
+          </p:cNvPicPr>
+          <p:nvPr>
+            <p:ph idx="1"/>
+          </p:nvPr>
+        </p:nvPicPr>
+        <p:blipFill>
+          <a:blip r:embed="rId2"/>
+          <a:stretch>
+            <a:fillRect/>
+          </a:stretch>
+        </p:blipFill>
+        <p:spPr>
+          <a:xfrm>
+            <a:off x="0" y="700799"/>
+            <a:ext cx="4655890" cy="3246309"/>
+          </a:xfrm>
+        </p:spPr>
+      </p:pic>
+      <p:pic>
+        <p:nvPicPr>
+          <p:cNvPr id="7" name="圖片 6">
+            <a:extLst>
+              <a:ext uri="{FF2B5EF4-FFF2-40B4-BE49-F238E27FC236}">
+                <a16:creationId xmlns:a16="http://schemas.microsoft.com/office/drawing/2014/main" id="{90823BDF-B4DC-4F2D-819C-72A32E5DBD02}"/>
+              </a:ext>
+            </a:extLst>
+          </p:cNvPr>
+          <p:cNvPicPr>
+            <a:picLocks noChangeAspect="1"/>
+          </p:cNvPicPr>
+          <p:nvPr/>
+        </p:nvPicPr>
+        <p:blipFill>
+          <a:blip r:embed="rId3"/>
+          <a:stretch>
+            <a:fillRect/>
+          </a:stretch>
+        </p:blipFill>
+        <p:spPr>
+          <a:xfrm>
+            <a:off x="4655890" y="700799"/>
+            <a:ext cx="4773336" cy="3328197"/>
+          </a:xfrm>
+          <a:prstGeom prst="rect">
+            <a:avLst/>
+          </a:prstGeom>
+        </p:spPr>
+      </p:pic>
+      <p:pic>
+        <p:nvPicPr>
+          <p:cNvPr id="9" name="圖片 8">
+            <a:extLst>
+              <a:ext uri="{FF2B5EF4-FFF2-40B4-BE49-F238E27FC236}">
+                <a16:creationId xmlns:a16="http://schemas.microsoft.com/office/drawing/2014/main" id="{41C5491E-0103-45AE-A446-53C27F63CC20}"/>
+              </a:ext>
+            </a:extLst>
+          </p:cNvPr>
+          <p:cNvPicPr>
+            <a:picLocks noChangeAspect="1"/>
+          </p:cNvPicPr>
+          <p:nvPr/>
+        </p:nvPicPr>
+        <p:blipFill>
+          <a:blip r:embed="rId4"/>
+          <a:stretch>
+            <a:fillRect/>
+          </a:stretch>
+        </p:blipFill>
+        <p:spPr>
+          <a:xfrm>
+            <a:off x="138311" y="3947108"/>
+            <a:ext cx="4379268" cy="3081412"/>
+          </a:xfrm>
+          <a:prstGeom prst="rect">
+            <a:avLst/>
+          </a:prstGeom>
+        </p:spPr>
+      </p:pic>
+    </p:spTree>
+    <p:extLst>
+      <p:ext uri="{BB962C8B-B14F-4D97-AF65-F5344CB8AC3E}">
+        <p14:creationId xmlns:p14="http://schemas.microsoft.com/office/powerpoint/2010/main" val="2699333123"/>
       </p:ext>
     </p:extLst>
   </p:cSld>

--- a/python/專題報告/專題報告-台灣交通事故.pptx
+++ b/python/專題報告/專題報告-台灣交通事故.pptx
@@ -16,7 +16,10 @@
     <p:sldId id="265" r:id="rId10"/>
     <p:sldId id="267" r:id="rId11"/>
     <p:sldId id="266" r:id="rId12"/>
-    <p:sldId id="258" r:id="rId13"/>
+    <p:sldId id="268" r:id="rId13"/>
+    <p:sldId id="269" r:id="rId14"/>
+    <p:sldId id="270" r:id="rId15"/>
+    <p:sldId id="258" r:id="rId16"/>
   </p:sldIdLst>
   <p:sldSz cx="12192000" cy="6858000"/>
   <p:notesSz cx="6858000" cy="9144000"/>
@@ -7417,6 +7420,822 @@
           <p:cNvPr id="2" name="標題 1">
             <a:extLst>
               <a:ext uri="{FF2B5EF4-FFF2-40B4-BE49-F238E27FC236}">
+                <a16:creationId xmlns:a16="http://schemas.microsoft.com/office/drawing/2014/main" id="{17D5A0A8-1B36-49C2-B248-AD98B68FDF6D}"/>
+              </a:ext>
+            </a:extLst>
+          </p:cNvPr>
+          <p:cNvSpPr>
+            <a:spLocks noGrp="1"/>
+          </p:cNvSpPr>
+          <p:nvPr>
+            <p:ph type="title"/>
+          </p:nvPr>
+        </p:nvSpPr>
+        <p:spPr/>
+        <p:txBody>
+          <a:bodyPr/>
+          <a:lstStyle/>
+          <a:p>
+            <a:r>
+              <a:rPr lang="zh-TW" altLang="en-US" dirty="0"/>
+              <a:t>過程中遇到的問題</a:t>
+            </a:r>
+            <a:r>
+              <a:rPr lang="en-US" altLang="zh-TW" dirty="0"/>
+              <a:t>(</a:t>
+            </a:r>
+            <a:r>
+              <a:rPr lang="zh-TW" altLang="en-US" dirty="0"/>
+              <a:t>一</a:t>
+            </a:r>
+            <a:r>
+              <a:rPr lang="en-US" altLang="zh-TW" dirty="0"/>
+              <a:t>)</a:t>
+            </a:r>
+            <a:endParaRPr lang="zh-TW" altLang="en-US" dirty="0"/>
+          </a:p>
+        </p:txBody>
+      </p:sp>
+      <p:sp>
+        <p:nvSpPr>
+          <p:cNvPr id="3" name="內容版面配置區 2">
+            <a:extLst>
+              <a:ext uri="{FF2B5EF4-FFF2-40B4-BE49-F238E27FC236}">
+                <a16:creationId xmlns:a16="http://schemas.microsoft.com/office/drawing/2014/main" id="{54EB2F56-CDEE-4BDF-A2A2-D64AFA3D644E}"/>
+              </a:ext>
+            </a:extLst>
+          </p:cNvPr>
+          <p:cNvSpPr>
+            <a:spLocks noGrp="1"/>
+          </p:cNvSpPr>
+          <p:nvPr>
+            <p:ph idx="1"/>
+          </p:nvPr>
+        </p:nvSpPr>
+        <p:spPr>
+          <a:xfrm>
+            <a:off x="677334" y="1400961"/>
+            <a:ext cx="8596668" cy="4640402"/>
+          </a:xfrm>
+        </p:spPr>
+        <p:txBody>
+          <a:bodyPr>
+            <a:normAutofit/>
+          </a:bodyPr>
+          <a:lstStyle/>
+          <a:p>
+            <a:r>
+              <a:rPr lang="zh-TW" altLang="en-US" dirty="0"/>
+              <a:t>字典想要依</a:t>
+            </a:r>
+            <a:r>
+              <a:rPr lang="en-US" altLang="zh-TW" dirty="0"/>
+              <a:t>key</a:t>
+            </a:r>
+            <a:r>
+              <a:rPr lang="zh-TW" altLang="en-US" dirty="0"/>
+              <a:t>排序</a:t>
+            </a:r>
+            <a:r>
+              <a:rPr lang="en-US" altLang="zh-TW" dirty="0"/>
+              <a:t> </a:t>
+            </a:r>
+            <a:r>
+              <a:rPr lang="zh-TW" altLang="en-US" dirty="0"/>
+              <a:t>如</a:t>
+            </a:r>
+            <a:r>
+              <a:rPr lang="en-US" altLang="zh-TW" dirty="0" err="1"/>
+              <a:t>dict</a:t>
+            </a:r>
+            <a:r>
+              <a:rPr lang="en-US" altLang="zh-TW" dirty="0"/>
+              <a:t>={‘</a:t>
+            </a:r>
+            <a:r>
+              <a:rPr lang="zh-TW" altLang="en-US" dirty="0"/>
+              <a:t>臺北市</a:t>
+            </a:r>
+            <a:r>
+              <a:rPr lang="en-US" altLang="zh-TW" dirty="0"/>
+              <a:t>’:50,’</a:t>
+            </a:r>
+            <a:r>
+              <a:rPr lang="zh-TW" altLang="en-US" dirty="0"/>
+              <a:t>高雄市</a:t>
+            </a:r>
+            <a:r>
+              <a:rPr lang="en-US" altLang="zh-TW" dirty="0"/>
+              <a:t>’:30,’</a:t>
+            </a:r>
+            <a:r>
+              <a:rPr lang="zh-TW" altLang="en-US" dirty="0"/>
+              <a:t>臺中市</a:t>
+            </a:r>
+            <a:r>
+              <a:rPr lang="en-US" altLang="zh-TW" dirty="0"/>
+              <a:t>’:10}</a:t>
+            </a:r>
+          </a:p>
+          <a:p>
+            <a:endParaRPr lang="en-US" altLang="zh-TW" dirty="0"/>
+          </a:p>
+          <a:p>
+            <a:pPr marL="0" indent="0">
+              <a:buNone/>
+            </a:pPr>
+            <a:r>
+              <a:rPr lang="zh-TW" altLang="en-US" dirty="0"/>
+              <a:t>     </a:t>
+            </a:r>
+            <a:r>
+              <a:rPr lang="zh-TW" altLang="en-US" dirty="0">
+                <a:solidFill>
+                  <a:srgbClr val="FF0000"/>
+                </a:solidFill>
+              </a:rPr>
+              <a:t>解決辦法</a:t>
+            </a:r>
+            <a:r>
+              <a:rPr lang="en-US" altLang="zh-TW" dirty="0">
+                <a:solidFill>
+                  <a:srgbClr val="FF0000"/>
+                </a:solidFill>
+              </a:rPr>
+              <a:t>:</a:t>
+            </a:r>
+            <a:r>
+              <a:rPr lang="zh-TW" altLang="en-US" dirty="0"/>
+              <a:t>上網找到可以用</a:t>
+            </a:r>
+            <a:r>
+              <a:rPr lang="en-US" altLang="zh-TW" dirty="0"/>
+              <a:t>lambda</a:t>
+            </a:r>
+            <a:r>
+              <a:rPr lang="zh-TW" altLang="en-US" dirty="0"/>
+              <a:t>函式排序字典</a:t>
+            </a:r>
+            <a:endParaRPr lang="en-US" altLang="zh-TW" dirty="0"/>
+          </a:p>
+          <a:p>
+            <a:pPr marL="0" indent="0">
+              <a:buNone/>
+            </a:pPr>
+            <a:r>
+              <a:rPr lang="zh-TW" altLang="en-US" dirty="0"/>
+              <a:t>     </a:t>
+            </a:r>
+            <a:r>
+              <a:rPr lang="en-US" altLang="zh-TW" dirty="0"/>
+              <a:t>sorted(</a:t>
+            </a:r>
+            <a:r>
+              <a:rPr lang="en-US" altLang="zh-TW" dirty="0" err="1"/>
+              <a:t>avg_rate_dic.items</a:t>
+            </a:r>
+            <a:r>
+              <a:rPr lang="en-US" altLang="zh-TW" dirty="0"/>
+              <a:t>(), key=lambda </a:t>
+            </a:r>
+            <a:r>
+              <a:rPr lang="en-US" altLang="zh-TW" dirty="0" err="1"/>
+              <a:t>item:item</a:t>
+            </a:r>
+            <a:r>
+              <a:rPr lang="en-US" altLang="zh-TW" dirty="0"/>
+              <a:t>[1],reverse=1)</a:t>
+            </a:r>
+          </a:p>
+          <a:p>
+            <a:pPr marL="0" indent="0">
+              <a:buNone/>
+            </a:pPr>
+            <a:endParaRPr lang="en-US" altLang="zh-TW" dirty="0"/>
+          </a:p>
+        </p:txBody>
+      </p:sp>
+      <p:pic>
+        <p:nvPicPr>
+          <p:cNvPr id="5" name="圖片 4">
+            <a:extLst>
+              <a:ext uri="{FF2B5EF4-FFF2-40B4-BE49-F238E27FC236}">
+                <a16:creationId xmlns:a16="http://schemas.microsoft.com/office/drawing/2014/main" id="{0A8277B3-690D-46BD-8C01-87651860B5DF}"/>
+              </a:ext>
+            </a:extLst>
+          </p:cNvPr>
+          <p:cNvPicPr>
+            <a:picLocks noChangeAspect="1"/>
+          </p:cNvPicPr>
+          <p:nvPr/>
+        </p:nvPicPr>
+        <p:blipFill>
+          <a:blip r:embed="rId2"/>
+          <a:stretch>
+            <a:fillRect/>
+          </a:stretch>
+        </p:blipFill>
+        <p:spPr>
+          <a:xfrm>
+            <a:off x="1010349" y="3429000"/>
+            <a:ext cx="8191500" cy="2333625"/>
+          </a:xfrm>
+          <a:prstGeom prst="rect">
+            <a:avLst/>
+          </a:prstGeom>
+        </p:spPr>
+      </p:pic>
+    </p:spTree>
+    <p:extLst>
+      <p:ext uri="{BB962C8B-B14F-4D97-AF65-F5344CB8AC3E}">
+        <p14:creationId xmlns:p14="http://schemas.microsoft.com/office/powerpoint/2010/main" val="599581747"/>
+      </p:ext>
+    </p:extLst>
+  </p:cSld>
+  <p:clrMapOvr>
+    <a:masterClrMapping/>
+  </p:clrMapOvr>
+</p:sld>
+</file>
+
+<file path=ppt/slides/slide13.xml><?xml version="1.0" encoding="utf-8"?>
+<p:sld xmlns:a="http://schemas.openxmlformats.org/drawingml/2006/main" xmlns:r="http://schemas.openxmlformats.org/officeDocument/2006/relationships" xmlns:p="http://schemas.openxmlformats.org/presentationml/2006/main">
+  <p:cSld>
+    <p:spTree>
+      <p:nvGrpSpPr>
+        <p:cNvPr id="1" name=""/>
+        <p:cNvGrpSpPr/>
+        <p:nvPr/>
+      </p:nvGrpSpPr>
+      <p:grpSpPr>
+        <a:xfrm>
+          <a:off x="0" y="0"/>
+          <a:ext cx="0" cy="0"/>
+          <a:chOff x="0" y="0"/>
+          <a:chExt cx="0" cy="0"/>
+        </a:xfrm>
+      </p:grpSpPr>
+      <p:sp>
+        <p:nvSpPr>
+          <p:cNvPr id="2" name="標題 1">
+            <a:extLst>
+              <a:ext uri="{FF2B5EF4-FFF2-40B4-BE49-F238E27FC236}">
+                <a16:creationId xmlns:a16="http://schemas.microsoft.com/office/drawing/2014/main" id="{A6908B27-3642-44D4-8A43-D8792F8C2C9D}"/>
+              </a:ext>
+            </a:extLst>
+          </p:cNvPr>
+          <p:cNvSpPr>
+            <a:spLocks noGrp="1"/>
+          </p:cNvSpPr>
+          <p:nvPr>
+            <p:ph type="title"/>
+          </p:nvPr>
+        </p:nvSpPr>
+        <p:spPr/>
+        <p:txBody>
+          <a:bodyPr/>
+          <a:lstStyle/>
+          <a:p>
+            <a:r>
+              <a:rPr lang="zh-TW" altLang="en-US" dirty="0"/>
+              <a:t>過程中遇到的問題</a:t>
+            </a:r>
+            <a:r>
+              <a:rPr lang="en-US" altLang="zh-TW" dirty="0"/>
+              <a:t>(</a:t>
+            </a:r>
+            <a:r>
+              <a:rPr lang="zh-TW" altLang="en-US" dirty="0"/>
+              <a:t>二</a:t>
+            </a:r>
+            <a:r>
+              <a:rPr lang="en-US" altLang="zh-TW" dirty="0"/>
+              <a:t>)</a:t>
+            </a:r>
+            <a:endParaRPr lang="zh-TW" altLang="en-US" dirty="0"/>
+          </a:p>
+        </p:txBody>
+      </p:sp>
+      <p:sp>
+        <p:nvSpPr>
+          <p:cNvPr id="3" name="內容版面配置區 2">
+            <a:extLst>
+              <a:ext uri="{FF2B5EF4-FFF2-40B4-BE49-F238E27FC236}">
+                <a16:creationId xmlns:a16="http://schemas.microsoft.com/office/drawing/2014/main" id="{D9F8F2D5-1943-430B-99F0-B2DAA1EA0A59}"/>
+              </a:ext>
+            </a:extLst>
+          </p:cNvPr>
+          <p:cNvSpPr>
+            <a:spLocks noGrp="1"/>
+          </p:cNvSpPr>
+          <p:nvPr>
+            <p:ph idx="1"/>
+          </p:nvPr>
+        </p:nvSpPr>
+        <p:spPr/>
+        <p:txBody>
+          <a:bodyPr/>
+          <a:lstStyle/>
+          <a:p>
+            <a:r>
+              <a:rPr lang="zh-TW" altLang="en-US" dirty="0"/>
+              <a:t>資料中的車種欄位並不是數字</a:t>
+            </a:r>
+            <a:r>
+              <a:rPr lang="en-US" altLang="zh-TW" dirty="0"/>
+              <a:t>(</a:t>
+            </a:r>
+            <a:r>
+              <a:rPr lang="zh-TW" altLang="en-US" dirty="0"/>
+              <a:t>機車</a:t>
+            </a:r>
+            <a:r>
+              <a:rPr lang="en-US" altLang="zh-TW" dirty="0"/>
+              <a:t>;</a:t>
+            </a:r>
+            <a:r>
+              <a:rPr lang="zh-TW" altLang="en-US" dirty="0"/>
+              <a:t>行人</a:t>
+            </a:r>
+            <a:r>
+              <a:rPr lang="en-US" altLang="zh-TW" dirty="0"/>
+              <a:t>)</a:t>
+            </a:r>
+            <a:r>
+              <a:rPr lang="zh-TW" altLang="en-US" dirty="0"/>
+              <a:t> </a:t>
+            </a:r>
+            <a:r>
+              <a:rPr lang="en-US" altLang="zh-TW" dirty="0"/>
+              <a:t>(</a:t>
+            </a:r>
+            <a:r>
+              <a:rPr lang="zh-TW" altLang="en-US" dirty="0"/>
+              <a:t>機車</a:t>
+            </a:r>
+            <a:r>
+              <a:rPr lang="en-US" altLang="zh-TW" dirty="0"/>
+              <a:t>;</a:t>
+            </a:r>
+            <a:r>
+              <a:rPr lang="zh-TW" altLang="en-US" dirty="0"/>
+              <a:t>汽車</a:t>
+            </a:r>
+            <a:r>
+              <a:rPr lang="en-US" altLang="zh-TW" dirty="0"/>
+              <a:t>)(</a:t>
+            </a:r>
+            <a:r>
+              <a:rPr lang="zh-TW" altLang="en-US" dirty="0"/>
+              <a:t>汽車</a:t>
+            </a:r>
+            <a:r>
+              <a:rPr lang="en-US" altLang="zh-TW" dirty="0"/>
+              <a:t>;</a:t>
+            </a:r>
+            <a:r>
+              <a:rPr lang="zh-TW" altLang="en-US" dirty="0"/>
+              <a:t>汽車</a:t>
+            </a:r>
+            <a:r>
+              <a:rPr lang="en-US" altLang="zh-TW" dirty="0"/>
+              <a:t>;</a:t>
+            </a:r>
+            <a:r>
+              <a:rPr lang="zh-TW" altLang="en-US" dirty="0"/>
+              <a:t>行人</a:t>
+            </a:r>
+            <a:r>
+              <a:rPr lang="en-US" altLang="zh-TW" dirty="0"/>
+              <a:t>)</a:t>
+            </a:r>
+            <a:r>
+              <a:rPr lang="zh-TW" altLang="en-US" dirty="0"/>
+              <a:t>等等。</a:t>
+            </a:r>
+            <a:endParaRPr lang="en-US" altLang="zh-TW" dirty="0"/>
+          </a:p>
+          <a:p>
+            <a:pPr marL="0" indent="0">
+              <a:buNone/>
+            </a:pPr>
+            <a:r>
+              <a:rPr lang="zh-TW" altLang="en-US" dirty="0">
+                <a:solidFill>
+                  <a:srgbClr val="FF0000"/>
+                </a:solidFill>
+              </a:rPr>
+              <a:t>     解決辦法</a:t>
+            </a:r>
+            <a:r>
+              <a:rPr lang="en-US" altLang="zh-TW" dirty="0"/>
+              <a:t>:</a:t>
+            </a:r>
+            <a:r>
+              <a:rPr lang="zh-TW" altLang="en-US" dirty="0"/>
+              <a:t>用了大量的字典依各分類做條件篩選，加總各分類的總數。</a:t>
+            </a:r>
+          </a:p>
+        </p:txBody>
+      </p:sp>
+      <p:pic>
+        <p:nvPicPr>
+          <p:cNvPr id="5" name="圖片 4">
+            <a:extLst>
+              <a:ext uri="{FF2B5EF4-FFF2-40B4-BE49-F238E27FC236}">
+                <a16:creationId xmlns:a16="http://schemas.microsoft.com/office/drawing/2014/main" id="{3C1057D5-5C0D-4D5A-B1EF-1FBFB4225E2F}"/>
+              </a:ext>
+            </a:extLst>
+          </p:cNvPr>
+          <p:cNvPicPr>
+            <a:picLocks noChangeAspect="1"/>
+          </p:cNvPicPr>
+          <p:nvPr/>
+        </p:nvPicPr>
+        <p:blipFill>
+          <a:blip r:embed="rId2"/>
+          <a:stretch>
+            <a:fillRect/>
+          </a:stretch>
+        </p:blipFill>
+        <p:spPr>
+          <a:xfrm>
+            <a:off x="1053093" y="3071642"/>
+            <a:ext cx="7637902" cy="2976012"/>
+          </a:xfrm>
+          <a:prstGeom prst="rect">
+            <a:avLst/>
+          </a:prstGeom>
+        </p:spPr>
+      </p:pic>
+    </p:spTree>
+    <p:extLst>
+      <p:ext uri="{BB962C8B-B14F-4D97-AF65-F5344CB8AC3E}">
+        <p14:creationId xmlns:p14="http://schemas.microsoft.com/office/powerpoint/2010/main" val="1461904407"/>
+      </p:ext>
+    </p:extLst>
+  </p:cSld>
+  <p:clrMapOvr>
+    <a:masterClrMapping/>
+  </p:clrMapOvr>
+</p:sld>
+</file>
+
+<file path=ppt/slides/slide14.xml><?xml version="1.0" encoding="utf-8"?>
+<p:sld xmlns:a="http://schemas.openxmlformats.org/drawingml/2006/main" xmlns:r="http://schemas.openxmlformats.org/officeDocument/2006/relationships" xmlns:p="http://schemas.openxmlformats.org/presentationml/2006/main">
+  <p:cSld>
+    <p:spTree>
+      <p:nvGrpSpPr>
+        <p:cNvPr id="1" name=""/>
+        <p:cNvGrpSpPr/>
+        <p:nvPr/>
+      </p:nvGrpSpPr>
+      <p:grpSpPr>
+        <a:xfrm>
+          <a:off x="0" y="0"/>
+          <a:ext cx="0" cy="0"/>
+          <a:chOff x="0" y="0"/>
+          <a:chExt cx="0" cy="0"/>
+        </a:xfrm>
+      </p:grpSpPr>
+      <p:sp>
+        <p:nvSpPr>
+          <p:cNvPr id="2" name="標題 1">
+            <a:extLst>
+              <a:ext uri="{FF2B5EF4-FFF2-40B4-BE49-F238E27FC236}">
+                <a16:creationId xmlns:a16="http://schemas.microsoft.com/office/drawing/2014/main" id="{08BE8EE7-9B1B-4650-98A5-2F6264E69073}"/>
+              </a:ext>
+            </a:extLst>
+          </p:cNvPr>
+          <p:cNvSpPr>
+            <a:spLocks noGrp="1"/>
+          </p:cNvSpPr>
+          <p:nvPr>
+            <p:ph type="title"/>
+          </p:nvPr>
+        </p:nvSpPr>
+        <p:spPr/>
+        <p:txBody>
+          <a:bodyPr/>
+          <a:lstStyle/>
+          <a:p>
+            <a:r>
+              <a:rPr lang="zh-TW" altLang="en-US" dirty="0"/>
+              <a:t>過程中遇到的問題</a:t>
+            </a:r>
+            <a:r>
+              <a:rPr lang="en-US" altLang="zh-TW" dirty="0"/>
+              <a:t>(</a:t>
+            </a:r>
+            <a:r>
+              <a:rPr lang="zh-TW" altLang="en-US" dirty="0"/>
+              <a:t>三</a:t>
+            </a:r>
+            <a:r>
+              <a:rPr lang="en-US" altLang="zh-TW" dirty="0"/>
+              <a:t>)</a:t>
+            </a:r>
+            <a:endParaRPr lang="zh-TW" altLang="en-US" dirty="0"/>
+          </a:p>
+        </p:txBody>
+      </p:sp>
+      <p:sp>
+        <p:nvSpPr>
+          <p:cNvPr id="3" name="內容版面配置區 2">
+            <a:extLst>
+              <a:ext uri="{FF2B5EF4-FFF2-40B4-BE49-F238E27FC236}">
+                <a16:creationId xmlns:a16="http://schemas.microsoft.com/office/drawing/2014/main" id="{15ED451D-AFEB-48EA-9EA4-F0518201A73E}"/>
+              </a:ext>
+            </a:extLst>
+          </p:cNvPr>
+          <p:cNvSpPr>
+            <a:spLocks noGrp="1"/>
+          </p:cNvSpPr>
+          <p:nvPr>
+            <p:ph idx="1"/>
+          </p:nvPr>
+        </p:nvSpPr>
+        <p:spPr>
+          <a:xfrm>
+            <a:off x="677334" y="1359017"/>
+            <a:ext cx="8596668" cy="4682345"/>
+          </a:xfrm>
+        </p:spPr>
+        <p:txBody>
+          <a:bodyPr/>
+          <a:lstStyle/>
+          <a:p>
+            <a:r>
+              <a:rPr lang="zh-TW" altLang="en-US" dirty="0"/>
+              <a:t>以</a:t>
+            </a:r>
+            <a:r>
+              <a:rPr lang="en-US" altLang="zh-TW" dirty="0" err="1"/>
+              <a:t>Beautifulsoup</a:t>
+            </a:r>
+            <a:r>
+              <a:rPr lang="zh-TW" altLang="en-US" dirty="0"/>
+              <a:t>抓取資料後用</a:t>
+            </a:r>
+            <a:r>
+              <a:rPr lang="en-US" altLang="zh-TW" dirty="0" err="1"/>
+              <a:t>Numpy.reshape</a:t>
+            </a:r>
+            <a:r>
+              <a:rPr lang="en-US" altLang="zh-TW" dirty="0"/>
+              <a:t>()</a:t>
+            </a:r>
+            <a:r>
+              <a:rPr lang="zh-TW" altLang="en-US" dirty="0"/>
+              <a:t>轉為陣列後帶入到</a:t>
+            </a:r>
+            <a:r>
+              <a:rPr lang="en-US" altLang="zh-TW" dirty="0"/>
+              <a:t>Pandas</a:t>
+            </a:r>
+            <a:r>
+              <a:rPr lang="zh-TW" altLang="en-US" dirty="0"/>
+              <a:t>中</a:t>
+            </a:r>
+            <a:endParaRPr lang="en-US" altLang="zh-TW" dirty="0"/>
+          </a:p>
+          <a:p>
+            <a:pPr marL="0" indent="0">
+              <a:buNone/>
+            </a:pPr>
+            <a:r>
+              <a:rPr lang="zh-TW" altLang="en-US" dirty="0"/>
+              <a:t>     的</a:t>
+            </a:r>
+            <a:r>
+              <a:rPr lang="en-US" altLang="zh-TW" dirty="0" err="1"/>
+              <a:t>DataFrame</a:t>
+            </a:r>
+            <a:r>
+              <a:rPr lang="zh-TW" altLang="en-US" dirty="0"/>
+              <a:t>卻無法用</a:t>
+            </a:r>
+            <a:r>
+              <a:rPr lang="en-US" altLang="zh-TW" dirty="0"/>
+              <a:t>df[‘</a:t>
+            </a:r>
+            <a:r>
+              <a:rPr lang="en-US" altLang="zh-TW" dirty="0" err="1"/>
+              <a:t>columnName</a:t>
+            </a:r>
+            <a:r>
+              <a:rPr lang="en-US" altLang="zh-TW" dirty="0"/>
+              <a:t>’].sum()</a:t>
+            </a:r>
+            <a:r>
+              <a:rPr lang="zh-TW" altLang="en-US" dirty="0"/>
+              <a:t>做該欄的加總</a:t>
+            </a:r>
+            <a:endParaRPr lang="en-US" altLang="zh-TW" dirty="0"/>
+          </a:p>
+          <a:p>
+            <a:pPr marL="0" indent="0">
+              <a:buNone/>
+            </a:pPr>
+            <a:endParaRPr lang="en-US" altLang="zh-TW" dirty="0"/>
+          </a:p>
+          <a:p>
+            <a:pPr marL="0" indent="0">
+              <a:buNone/>
+            </a:pPr>
+            <a:r>
+              <a:rPr lang="zh-TW" altLang="en-US" dirty="0"/>
+              <a:t>     </a:t>
+            </a:r>
+            <a:r>
+              <a:rPr lang="zh-TW" altLang="en-US" dirty="0">
+                <a:solidFill>
+                  <a:srgbClr val="FF0000"/>
+                </a:solidFill>
+              </a:rPr>
+              <a:t>解決辦法</a:t>
+            </a:r>
+            <a:r>
+              <a:rPr lang="en-US" altLang="zh-TW" dirty="0">
+                <a:solidFill>
+                  <a:srgbClr val="FF0000"/>
+                </a:solidFill>
+              </a:rPr>
+              <a:t>:</a:t>
+            </a:r>
+            <a:r>
+              <a:rPr lang="zh-TW" altLang="en-US" dirty="0"/>
+              <a:t>觀察程式</a:t>
+            </a:r>
+            <a:r>
+              <a:rPr lang="en-US" altLang="zh-TW" dirty="0"/>
+              <a:t>df[‘</a:t>
+            </a:r>
+            <a:r>
+              <a:rPr lang="en-US" altLang="zh-TW" dirty="0" err="1"/>
+              <a:t>columnName</a:t>
+            </a:r>
+            <a:r>
+              <a:rPr lang="en-US" altLang="zh-TW" dirty="0"/>
+              <a:t>’].sum()</a:t>
+            </a:r>
+            <a:r>
+              <a:rPr lang="zh-TW" altLang="en-US" dirty="0"/>
+              <a:t>後加總的數字是用字串連接組成的，</a:t>
+            </a:r>
+            <a:endParaRPr lang="en-US" altLang="zh-TW" dirty="0"/>
+          </a:p>
+          <a:p>
+            <a:pPr marL="0" indent="0">
+              <a:buNone/>
+            </a:pPr>
+            <a:r>
+              <a:rPr lang="zh-TW" altLang="en-US" dirty="0"/>
+              <a:t>     發現用</a:t>
+            </a:r>
+            <a:r>
+              <a:rPr lang="en-US" altLang="zh-TW" dirty="0" err="1"/>
+              <a:t>Beautifulsoup</a:t>
+            </a:r>
+            <a:r>
+              <a:rPr lang="zh-TW" altLang="en-US" dirty="0"/>
+              <a:t>抓取的第一個欄位資料是</a:t>
+            </a:r>
+            <a:r>
+              <a:rPr lang="en-US" altLang="zh-TW" dirty="0"/>
+              <a:t>XX</a:t>
+            </a:r>
+            <a:r>
+              <a:rPr lang="zh-TW" altLang="en-US" dirty="0"/>
+              <a:t>年</a:t>
+            </a:r>
+            <a:r>
+              <a:rPr lang="en-US" altLang="zh-TW" dirty="0"/>
+              <a:t>X</a:t>
+            </a:r>
+            <a:r>
+              <a:rPr lang="zh-TW" altLang="en-US" dirty="0"/>
+              <a:t>月，不能有字串，修改擷取</a:t>
+            </a:r>
+            <a:endParaRPr lang="en-US" altLang="zh-TW" dirty="0"/>
+          </a:p>
+          <a:p>
+            <a:pPr marL="0" indent="0">
+              <a:buNone/>
+            </a:pPr>
+            <a:r>
+              <a:rPr lang="zh-TW" altLang="en-US" dirty="0"/>
+              <a:t>     程式將日期資訊</a:t>
+            </a:r>
+            <a:r>
+              <a:rPr lang="zh-TW" altLang="en-US"/>
+              <a:t>分開存放，剩下都是數字就</a:t>
+            </a:r>
+            <a:r>
+              <a:rPr lang="zh-TW" altLang="en-US" dirty="0"/>
+              <a:t>能順利解決。</a:t>
+            </a:r>
+            <a:endParaRPr lang="en-US" altLang="zh-TW" dirty="0"/>
+          </a:p>
+          <a:p>
+            <a:endParaRPr lang="zh-TW" altLang="en-US" dirty="0"/>
+          </a:p>
+        </p:txBody>
+      </p:sp>
+      <p:pic>
+        <p:nvPicPr>
+          <p:cNvPr id="5" name="圖片 4">
+            <a:extLst>
+              <a:ext uri="{FF2B5EF4-FFF2-40B4-BE49-F238E27FC236}">
+                <a16:creationId xmlns:a16="http://schemas.microsoft.com/office/drawing/2014/main" id="{3EE8C630-019C-42F3-B1B5-F4248F5F7533}"/>
+              </a:ext>
+            </a:extLst>
+          </p:cNvPr>
+          <p:cNvPicPr>
+            <a:picLocks noChangeAspect="1"/>
+          </p:cNvPicPr>
+          <p:nvPr/>
+        </p:nvPicPr>
+        <p:blipFill>
+          <a:blip r:embed="rId2"/>
+          <a:stretch>
+            <a:fillRect/>
+          </a:stretch>
+        </p:blipFill>
+        <p:spPr>
+          <a:xfrm>
+            <a:off x="1281112" y="3901525"/>
+            <a:ext cx="7257053" cy="2440552"/>
+          </a:xfrm>
+          <a:prstGeom prst="rect">
+            <a:avLst/>
+          </a:prstGeom>
+        </p:spPr>
+      </p:pic>
+      <p:pic>
+        <p:nvPicPr>
+          <p:cNvPr id="7" name="圖片 6">
+            <a:extLst>
+              <a:ext uri="{FF2B5EF4-FFF2-40B4-BE49-F238E27FC236}">
+                <a16:creationId xmlns:a16="http://schemas.microsoft.com/office/drawing/2014/main" id="{FC602482-F534-4EA7-A8A8-43582A973B62}"/>
+              </a:ext>
+            </a:extLst>
+          </p:cNvPr>
+          <p:cNvPicPr>
+            <a:picLocks noChangeAspect="1"/>
+          </p:cNvPicPr>
+          <p:nvPr/>
+        </p:nvPicPr>
+        <p:blipFill rotWithShape="1">
+          <a:blip r:embed="rId3"/>
+          <a:srcRect l="19" t="15967" r="43107" b="10616"/>
+          <a:stretch/>
+        </p:blipFill>
+        <p:spPr>
+          <a:xfrm>
+            <a:off x="6783505" y="4123188"/>
+            <a:ext cx="4127383" cy="1442907"/>
+          </a:xfrm>
+          <a:prstGeom prst="rect">
+            <a:avLst/>
+          </a:prstGeom>
+        </p:spPr>
+      </p:pic>
+    </p:spTree>
+    <p:extLst>
+      <p:ext uri="{BB962C8B-B14F-4D97-AF65-F5344CB8AC3E}">
+        <p14:creationId xmlns:p14="http://schemas.microsoft.com/office/powerpoint/2010/main" val="1798272861"/>
+      </p:ext>
+    </p:extLst>
+  </p:cSld>
+  <p:clrMapOvr>
+    <a:masterClrMapping/>
+  </p:clrMapOvr>
+</p:sld>
+</file>
+
+<file path=ppt/slides/slide15.xml><?xml version="1.0" encoding="utf-8"?>
+<p:sld xmlns:a="http://schemas.openxmlformats.org/drawingml/2006/main" xmlns:r="http://schemas.openxmlformats.org/officeDocument/2006/relationships" xmlns:p="http://schemas.openxmlformats.org/presentationml/2006/main">
+  <p:cSld>
+    <p:spTree>
+      <p:nvGrpSpPr>
+        <p:cNvPr id="1" name=""/>
+        <p:cNvGrpSpPr/>
+        <p:nvPr/>
+      </p:nvGrpSpPr>
+      <p:grpSpPr>
+        <a:xfrm>
+          <a:off x="0" y="0"/>
+          <a:ext cx="0" cy="0"/>
+          <a:chOff x="0" y="0"/>
+          <a:chExt cx="0" cy="0"/>
+        </a:xfrm>
+      </p:grpSpPr>
+      <p:sp>
+        <p:nvSpPr>
+          <p:cNvPr id="2" name="標題 1">
+            <a:extLst>
+              <a:ext uri="{FF2B5EF4-FFF2-40B4-BE49-F238E27FC236}">
                 <a16:creationId xmlns:a16="http://schemas.microsoft.com/office/drawing/2014/main" id="{DA9E6672-7C5F-4180-BD0A-6756D2B4A415}"/>
               </a:ext>
             </a:extLst>

--- a/python/專題報告/專題報告-台灣交通事故.pptx
+++ b/python/專題報告/專題報告-台灣交通事故.pptx
@@ -849,7 +849,7 @@
             <a:fld id="{B61BEF0D-F0BB-DE4B-95CE-6DB70DBA9567}" type="datetimeFigureOut">
               <a:rPr lang="en-US" dirty="0"/>
               <a:pPr/>
-              <a:t>6/26/2020</a:t>
+              <a:t>6/27/2020</a:t>
             </a:fld>
             <a:endParaRPr lang="en-US" dirty="0"/>
           </a:p>
@@ -1097,7 +1097,7 @@
             <a:fld id="{B61BEF0D-F0BB-DE4B-95CE-6DB70DBA9567}" type="datetimeFigureOut">
               <a:rPr lang="en-US" dirty="0"/>
               <a:pPr/>
-              <a:t>6/26/2020</a:t>
+              <a:t>6/27/2020</a:t>
             </a:fld>
             <a:endParaRPr lang="en-US" dirty="0"/>
           </a:p>
@@ -1408,7 +1408,7 @@
             <a:fld id="{B61BEF0D-F0BB-DE4B-95CE-6DB70DBA9567}" type="datetimeFigureOut">
               <a:rPr lang="en-US" dirty="0"/>
               <a:pPr/>
-              <a:t>6/26/2020</a:t>
+              <a:t>6/27/2020</a:t>
             </a:fld>
             <a:endParaRPr lang="en-US" dirty="0"/>
           </a:p>
@@ -1746,7 +1746,7 @@
             <a:fld id="{B61BEF0D-F0BB-DE4B-95CE-6DB70DBA9567}" type="datetimeFigureOut">
               <a:rPr lang="en-US" dirty="0"/>
               <a:pPr/>
-              <a:t>6/26/2020</a:t>
+              <a:t>6/27/2020</a:t>
             </a:fld>
             <a:endParaRPr lang="en-US" dirty="0"/>
           </a:p>
@@ -2057,7 +2057,7 @@
             <a:fld id="{B61BEF0D-F0BB-DE4B-95CE-6DB70DBA9567}" type="datetimeFigureOut">
               <a:rPr lang="en-US" dirty="0"/>
               <a:pPr/>
-              <a:t>6/26/2020</a:t>
+              <a:t>6/27/2020</a:t>
             </a:fld>
             <a:endParaRPr lang="en-US" dirty="0"/>
           </a:p>
@@ -2447,7 +2447,7 @@
             <a:fld id="{B61BEF0D-F0BB-DE4B-95CE-6DB70DBA9567}" type="datetimeFigureOut">
               <a:rPr lang="en-US" dirty="0"/>
               <a:pPr/>
-              <a:t>6/26/2020</a:t>
+              <a:t>6/27/2020</a:t>
             </a:fld>
             <a:endParaRPr lang="en-US" dirty="0"/>
           </a:p>
@@ -2613,7 +2613,7 @@
           <a:p>
             <a:fld id="{55C6B4A9-1611-4792-9094-5F34BCA07E0B}" type="datetimeFigureOut">
               <a:rPr lang="en-US" dirty="0"/>
-              <a:t>6/26/2020</a:t>
+              <a:t>6/27/2020</a:t>
             </a:fld>
             <a:endParaRPr lang="en-US" dirty="0"/>
           </a:p>
@@ -2789,7 +2789,7 @@
             <a:fld id="{B61BEF0D-F0BB-DE4B-95CE-6DB70DBA9567}" type="datetimeFigureOut">
               <a:rPr lang="en-US" dirty="0"/>
               <a:pPr/>
-              <a:t>6/26/2020</a:t>
+              <a:t>6/27/2020</a:t>
             </a:fld>
             <a:endParaRPr lang="en-US" dirty="0"/>
           </a:p>
@@ -2962,7 +2962,7 @@
             <a:fld id="{B61BEF0D-F0BB-DE4B-95CE-6DB70DBA9567}" type="datetimeFigureOut">
               <a:rPr lang="en-US" dirty="0"/>
               <a:pPr/>
-              <a:t>6/26/2020</a:t>
+              <a:t>6/27/2020</a:t>
             </a:fld>
             <a:endParaRPr lang="en-US" dirty="0"/>
           </a:p>
@@ -3206,7 +3206,7 @@
             <a:fld id="{B61BEF0D-F0BB-DE4B-95CE-6DB70DBA9567}" type="datetimeFigureOut">
               <a:rPr lang="en-US" dirty="0"/>
               <a:pPr/>
-              <a:t>6/26/2020</a:t>
+              <a:t>6/27/2020</a:t>
             </a:fld>
             <a:endParaRPr lang="en-US" dirty="0"/>
           </a:p>
@@ -3434,7 +3434,7 @@
           <a:p>
             <a:fld id="{EB712588-04B1-427B-82EE-E8DB90309F08}" type="datetimeFigureOut">
               <a:rPr lang="en-US" dirty="0"/>
-              <a:t>6/26/2020</a:t>
+              <a:t>6/27/2020</a:t>
             </a:fld>
             <a:endParaRPr lang="en-US" dirty="0"/>
           </a:p>
@@ -3804,7 +3804,7 @@
             <a:fld id="{B61BEF0D-F0BB-DE4B-95CE-6DB70DBA9567}" type="datetimeFigureOut">
               <a:rPr lang="en-US" dirty="0"/>
               <a:pPr/>
-              <a:t>6/26/2020</a:t>
+              <a:t>6/27/2020</a:t>
             </a:fld>
             <a:endParaRPr lang="en-US" dirty="0"/>
           </a:p>
@@ -3924,7 +3924,7 @@
             <a:fld id="{B61BEF0D-F0BB-DE4B-95CE-6DB70DBA9567}" type="datetimeFigureOut">
               <a:rPr lang="en-US" dirty="0"/>
               <a:pPr/>
-              <a:t>6/26/2020</a:t>
+              <a:t>6/27/2020</a:t>
             </a:fld>
             <a:endParaRPr lang="en-US" dirty="0"/>
           </a:p>
@@ -4016,7 +4016,7 @@
             <a:fld id="{B61BEF0D-F0BB-DE4B-95CE-6DB70DBA9567}" type="datetimeFigureOut">
               <a:rPr lang="en-US" dirty="0"/>
               <a:pPr/>
-              <a:t>6/26/2020</a:t>
+              <a:t>6/27/2020</a:t>
             </a:fld>
             <a:endParaRPr lang="en-US" dirty="0"/>
           </a:p>
@@ -4267,7 +4267,7 @@
           <a:p>
             <a:fld id="{42A54C80-263E-416B-A8E0-580EDEADCBDC}" type="datetimeFigureOut">
               <a:rPr lang="en-US" dirty="0"/>
-              <a:t>6/26/2020</a:t>
+              <a:t>6/27/2020</a:t>
             </a:fld>
             <a:endParaRPr lang="en-US" dirty="0"/>
           </a:p>
@@ -4526,7 +4526,7 @@
             <a:fld id="{B61BEF0D-F0BB-DE4B-95CE-6DB70DBA9567}" type="datetimeFigureOut">
               <a:rPr lang="en-US" dirty="0"/>
               <a:pPr/>
-              <a:t>6/26/2020</a:t>
+              <a:t>6/27/2020</a:t>
             </a:fld>
             <a:endParaRPr lang="en-US" dirty="0"/>
           </a:p>
@@ -5266,7 +5266,7 @@
             <a:fld id="{B61BEF0D-F0BB-DE4B-95CE-6DB70DBA9567}" type="datetimeFigureOut">
               <a:rPr lang="en-US" dirty="0"/>
               <a:pPr/>
-              <a:t>6/26/2020</a:t>
+              <a:t>6/27/2020</a:t>
             </a:fld>
             <a:endParaRPr lang="en-US" dirty="0"/>
           </a:p>
@@ -5812,6 +5812,7 @@
           <a:bodyPr/>
           <a:lstStyle/>
           <a:p>
+            <a:pPr algn="ctr"/>
             <a:r>
               <a:rPr lang="zh-TW" altLang="en-US" dirty="0"/>
               <a:t>專題報告</a:t>
@@ -5822,7 +5823,7 @@
             </a:r>
             <a:r>
               <a:rPr lang="zh-TW" altLang="en-US" dirty="0"/>
-              <a:t>台灣交通事故</a:t>
+              <a:t>機車交通事故</a:t>
             </a:r>
           </a:p>
         </p:txBody>
@@ -5845,7 +5846,7 @@
         </p:nvSpPr>
         <p:spPr>
           <a:xfrm>
-            <a:off x="2759978" y="3707934"/>
+            <a:off x="2617365" y="4123189"/>
             <a:ext cx="7453591" cy="1006678"/>
           </a:xfrm>
         </p:spPr>
@@ -6017,7 +6018,7 @@
             <p:ph idx="1"/>
             <p:extLst>
               <p:ext uri="{D42A27DB-BD31-4B8C-83A1-F6EECF244321}">
-                <p14:modId xmlns:p14="http://schemas.microsoft.com/office/powerpoint/2010/main" val="87940893"/>
+                <p14:modId xmlns:p14="http://schemas.microsoft.com/office/powerpoint/2010/main" val="972755397"/>
               </p:ext>
             </p:extLst>
           </p:nvPr>
@@ -6082,6 +6083,7 @@
                     <a:bodyPr/>
                     <a:lstStyle/>
                     <a:p>
+                      <a:pPr algn="ctr"/>
                       <a:r>
                         <a:rPr lang="en-US" altLang="zh-TW" dirty="0"/>
                         <a:t>A1</a:t>
@@ -6099,6 +6101,7 @@
                     <a:bodyPr/>
                     <a:lstStyle/>
                     <a:p>
+                      <a:pPr algn="ctr"/>
                       <a:r>
                         <a:rPr lang="zh-TW" altLang="en-US" dirty="0"/>
                         <a:t>第</a:t>
@@ -6120,7 +6123,7 @@
                     <a:bodyPr/>
                     <a:lstStyle/>
                     <a:p>
-                      <a:pPr marL="0" marR="0" lvl="0" indent="0" algn="l" defTabSz="457200" rtl="0" eaLnBrk="1" fontAlgn="auto" latinLnBrk="0" hangingPunct="1">
+                      <a:pPr marL="0" marR="0" lvl="0" indent="0" algn="ctr" defTabSz="457200" rtl="0" eaLnBrk="1" fontAlgn="auto" latinLnBrk="0" hangingPunct="1">
                         <a:lnSpc>
                           <a:spcPct val="100000"/>
                         </a:lnSpc>
@@ -6158,7 +6161,7 @@
                     <a:bodyPr/>
                     <a:lstStyle/>
                     <a:p>
-                      <a:pPr marL="0" marR="0" lvl="0" indent="0" algn="l" defTabSz="457200" rtl="0" eaLnBrk="1" fontAlgn="auto" latinLnBrk="0" hangingPunct="1">
+                      <a:pPr marL="0" marR="0" lvl="0" indent="0" algn="ctr" defTabSz="457200" rtl="0" eaLnBrk="1" fontAlgn="auto" latinLnBrk="0" hangingPunct="1">
                         <a:lnSpc>
                           <a:spcPct val="100000"/>
                         </a:lnSpc>
@@ -6197,7 +6200,7 @@
                     <a:bodyPr/>
                     <a:lstStyle/>
                     <a:p>
-                      <a:pPr marL="0" marR="0" lvl="0" indent="0" algn="l" defTabSz="457200" rtl="0" eaLnBrk="1" fontAlgn="auto" latinLnBrk="0" hangingPunct="1">
+                      <a:pPr marL="0" marR="0" lvl="0" indent="0" algn="ctr" defTabSz="457200" rtl="0" eaLnBrk="1" fontAlgn="auto" latinLnBrk="0" hangingPunct="1">
                         <a:lnSpc>
                           <a:spcPct val="100000"/>
                         </a:lnSpc>
@@ -6235,7 +6238,7 @@
                     <a:bodyPr/>
                     <a:lstStyle/>
                     <a:p>
-                      <a:pPr marL="0" marR="0" lvl="0" indent="0" algn="l" defTabSz="457200" rtl="0" eaLnBrk="1" fontAlgn="auto" latinLnBrk="0" hangingPunct="1">
+                      <a:pPr marL="0" marR="0" lvl="0" indent="0" algn="ctr" defTabSz="457200" rtl="0" eaLnBrk="1" fontAlgn="auto" latinLnBrk="0" hangingPunct="1">
                         <a:lnSpc>
                           <a:spcPct val="100000"/>
                         </a:lnSpc>
@@ -6280,6 +6283,7 @@
                     <a:bodyPr/>
                     <a:lstStyle/>
                     <a:p>
+                      <a:pPr algn="ctr"/>
                       <a:r>
                         <a:rPr lang="en-US" altLang="zh-TW" dirty="0"/>
                         <a:t>107</a:t>
@@ -6297,6 +6301,7 @@
                     <a:bodyPr/>
                     <a:lstStyle/>
                     <a:p>
+                      <a:pPr algn="ctr"/>
                       <a:r>
                         <a:rPr lang="zh-TW" altLang="en-US" dirty="0"/>
                         <a:t>嘉義縣</a:t>
@@ -6310,6 +6315,7 @@
                     <a:bodyPr/>
                     <a:lstStyle/>
                     <a:p>
+                      <a:pPr algn="ctr"/>
                       <a:r>
                         <a:rPr lang="zh-TW" altLang="en-US" dirty="0"/>
                         <a:t>臺東縣</a:t>
@@ -6323,6 +6329,7 @@
                     <a:bodyPr/>
                     <a:lstStyle/>
                     <a:p>
+                      <a:pPr algn="ctr"/>
                       <a:r>
                         <a:rPr lang="zh-TW" altLang="en-US" dirty="0"/>
                         <a:t>屏東縣</a:t>
@@ -6336,6 +6343,7 @@
                     <a:bodyPr/>
                     <a:lstStyle/>
                     <a:p>
+                      <a:pPr algn="ctr"/>
                       <a:r>
                         <a:rPr lang="zh-TW" altLang="en-US" dirty="0"/>
                         <a:t>南投縣</a:t>
@@ -6349,6 +6357,7 @@
                     <a:bodyPr/>
                     <a:lstStyle/>
                     <a:p>
+                      <a:pPr algn="ctr"/>
                       <a:r>
                         <a:rPr lang="zh-TW" altLang="en-US" dirty="0"/>
                         <a:t>新竹縣</a:t>
@@ -6369,6 +6378,7 @@
                     <a:bodyPr/>
                     <a:lstStyle/>
                     <a:p>
+                      <a:pPr algn="ctr"/>
                       <a:r>
                         <a:rPr lang="en-US" altLang="zh-TW" dirty="0"/>
                         <a:t>108</a:t>
@@ -6386,6 +6396,7 @@
                     <a:bodyPr/>
                     <a:lstStyle/>
                     <a:p>
+                      <a:pPr algn="ctr"/>
                       <a:r>
                         <a:rPr lang="zh-TW" altLang="en-US" dirty="0"/>
                         <a:t>嘉義縣</a:t>
@@ -6399,6 +6410,7 @@
                     <a:bodyPr/>
                     <a:lstStyle/>
                     <a:p>
+                      <a:pPr algn="ctr"/>
                       <a:r>
                         <a:rPr lang="zh-TW" altLang="en-US" dirty="0"/>
                         <a:t>臺東縣</a:t>
@@ -6412,6 +6424,7 @@
                     <a:bodyPr/>
                     <a:lstStyle/>
                     <a:p>
+                      <a:pPr algn="ctr"/>
                       <a:r>
                         <a:rPr lang="zh-TW" altLang="en-US" dirty="0"/>
                         <a:t>屏東縣</a:t>
@@ -6425,6 +6438,7 @@
                     <a:bodyPr/>
                     <a:lstStyle/>
                     <a:p>
+                      <a:pPr algn="ctr"/>
                       <a:r>
                         <a:rPr lang="zh-TW" altLang="en-US" dirty="0"/>
                         <a:t>雲林縣</a:t>
@@ -6438,6 +6452,7 @@
                     <a:bodyPr/>
                     <a:lstStyle/>
                     <a:p>
+                      <a:pPr algn="ctr"/>
                       <a:r>
                         <a:rPr lang="zh-TW" altLang="en-US" dirty="0"/>
                         <a:t>苗栗縣</a:t>
@@ -6458,6 +6473,7 @@
                     <a:bodyPr/>
                     <a:lstStyle/>
                     <a:p>
+                      <a:pPr algn="ctr"/>
                       <a:r>
                         <a:rPr lang="en-US" altLang="zh-TW" dirty="0"/>
                         <a:t>109</a:t>
@@ -6488,6 +6504,7 @@
                     <a:bodyPr/>
                     <a:lstStyle/>
                     <a:p>
+                      <a:pPr algn="ctr"/>
                       <a:r>
                         <a:rPr lang="zh-TW" altLang="en-US" dirty="0"/>
                         <a:t>新竹市</a:t>
@@ -6501,6 +6518,7 @@
                     <a:bodyPr/>
                     <a:lstStyle/>
                     <a:p>
+                      <a:pPr algn="ctr"/>
                       <a:r>
                         <a:rPr lang="zh-TW" altLang="en-US" dirty="0"/>
                         <a:t>臺東縣</a:t>
@@ -6514,6 +6532,7 @@
                     <a:bodyPr/>
                     <a:lstStyle/>
                     <a:p>
+                      <a:pPr algn="ctr"/>
                       <a:r>
                         <a:rPr lang="zh-TW" altLang="en-US" dirty="0"/>
                         <a:t>嘉義縣</a:t>
@@ -6527,6 +6546,7 @@
                     <a:bodyPr/>
                     <a:lstStyle/>
                     <a:p>
+                      <a:pPr algn="ctr"/>
                       <a:r>
                         <a:rPr lang="zh-TW" altLang="en-US" dirty="0"/>
                         <a:t>雲林縣</a:t>
@@ -6540,6 +6560,7 @@
                     <a:bodyPr/>
                     <a:lstStyle/>
                     <a:p>
+                      <a:pPr algn="ctr"/>
                       <a:r>
                         <a:rPr lang="zh-TW" altLang="en-US" dirty="0"/>
                         <a:t>屏東縣</a:t>
@@ -6573,7 +6594,7 @@
           <p:nvPr>
             <p:extLst>
               <p:ext uri="{D42A27DB-BD31-4B8C-83A1-F6EECF244321}">
-                <p14:modId xmlns:p14="http://schemas.microsoft.com/office/powerpoint/2010/main" val="4158936488"/>
+                <p14:modId xmlns:p14="http://schemas.microsoft.com/office/powerpoint/2010/main" val="601543533"/>
               </p:ext>
             </p:extLst>
           </p:nvPr>
@@ -6638,6 +6659,7 @@
                     <a:bodyPr/>
                     <a:lstStyle/>
                     <a:p>
+                      <a:pPr algn="ctr"/>
                       <a:r>
                         <a:rPr lang="en-US" altLang="zh-TW" dirty="0"/>
                         <a:t>A2</a:t>
@@ -6655,7 +6677,7 @@
                     <a:bodyPr/>
                     <a:lstStyle/>
                     <a:p>
-                      <a:pPr marL="0" marR="0" lvl="0" indent="0" algn="l" defTabSz="457200" rtl="0" eaLnBrk="1" fontAlgn="auto" latinLnBrk="0" hangingPunct="1">
+                      <a:pPr marL="0" marR="0" lvl="0" indent="0" algn="ctr" defTabSz="457200" rtl="0" eaLnBrk="1" fontAlgn="auto" latinLnBrk="0" hangingPunct="1">
                         <a:lnSpc>
                           <a:spcPct val="100000"/>
                         </a:lnSpc>
@@ -6693,6 +6715,7 @@
                     <a:bodyPr/>
                     <a:lstStyle/>
                     <a:p>
+                      <a:pPr algn="ctr"/>
                       <a:r>
                         <a:rPr lang="zh-TW" altLang="en-US" dirty="0"/>
                         <a:t>第</a:t>
@@ -6714,6 +6737,7 @@
                     <a:bodyPr/>
                     <a:lstStyle/>
                     <a:p>
+                      <a:pPr algn="ctr"/>
                       <a:r>
                         <a:rPr lang="zh-TW" altLang="en-US" dirty="0"/>
                         <a:t>第</a:t>
@@ -6735,6 +6759,7 @@
                     <a:bodyPr/>
                     <a:lstStyle/>
                     <a:p>
+                      <a:pPr algn="ctr"/>
                       <a:r>
                         <a:rPr lang="zh-TW" altLang="en-US" dirty="0"/>
                         <a:t>第</a:t>
@@ -6756,6 +6781,7 @@
                     <a:bodyPr/>
                     <a:lstStyle/>
                     <a:p>
+                      <a:pPr algn="ctr"/>
                       <a:r>
                         <a:rPr lang="zh-TW" altLang="en-US" dirty="0"/>
                         <a:t>第</a:t>
@@ -6784,7 +6810,7 @@
                     <a:bodyPr/>
                     <a:lstStyle/>
                     <a:p>
-                      <a:pPr marL="0" marR="0" lvl="0" indent="0" algn="l" defTabSz="457200" rtl="0" eaLnBrk="1" fontAlgn="auto" latinLnBrk="0" hangingPunct="1">
+                      <a:pPr marL="0" marR="0" lvl="0" indent="0" algn="ctr" defTabSz="457200" rtl="0" eaLnBrk="1" fontAlgn="auto" latinLnBrk="0" hangingPunct="1">
                         <a:lnSpc>
                           <a:spcPct val="100000"/>
                         </a:lnSpc>
@@ -6818,6 +6844,7 @@
                     <a:bodyPr/>
                     <a:lstStyle/>
                     <a:p>
+                      <a:pPr algn="ctr"/>
                       <a:r>
                         <a:rPr lang="zh-TW" altLang="en-US" dirty="0"/>
                         <a:t>新竹市</a:t>
@@ -6831,6 +6858,7 @@
                     <a:bodyPr/>
                     <a:lstStyle/>
                     <a:p>
+                      <a:pPr algn="ctr"/>
                       <a:r>
                         <a:rPr lang="zh-TW" altLang="en-US" dirty="0"/>
                         <a:t>新竹縣</a:t>
@@ -6844,6 +6872,7 @@
                     <a:bodyPr/>
                     <a:lstStyle/>
                     <a:p>
+                      <a:pPr algn="ctr"/>
                       <a:r>
                         <a:rPr lang="zh-TW" altLang="en-US" dirty="0"/>
                         <a:t>臺南市</a:t>
@@ -6857,6 +6886,7 @@
                     <a:bodyPr/>
                     <a:lstStyle/>
                     <a:p>
+                      <a:pPr algn="ctr"/>
                       <a:r>
                         <a:rPr lang="zh-TW" altLang="en-US" dirty="0"/>
                         <a:t>桃園市</a:t>
@@ -6870,6 +6900,7 @@
                     <a:bodyPr/>
                     <a:lstStyle/>
                     <a:p>
+                      <a:pPr algn="ctr"/>
                       <a:r>
                         <a:rPr lang="zh-TW" altLang="en-US" dirty="0"/>
                         <a:t>臺中市</a:t>
@@ -6890,7 +6921,7 @@
                     <a:bodyPr/>
                     <a:lstStyle/>
                     <a:p>
-                      <a:pPr marL="0" marR="0" lvl="0" indent="0" algn="l" defTabSz="457200" rtl="0" eaLnBrk="1" fontAlgn="auto" latinLnBrk="0" hangingPunct="1">
+                      <a:pPr marL="0" marR="0" lvl="0" indent="0" algn="ctr" defTabSz="457200" rtl="0" eaLnBrk="1" fontAlgn="auto" latinLnBrk="0" hangingPunct="1">
                         <a:lnSpc>
                           <a:spcPct val="100000"/>
                         </a:lnSpc>
@@ -6924,6 +6955,7 @@
                     <a:bodyPr/>
                     <a:lstStyle/>
                     <a:p>
+                      <a:pPr algn="ctr"/>
                       <a:r>
                         <a:rPr lang="zh-TW" altLang="en-US" dirty="0"/>
                         <a:t>新竹市</a:t>
@@ -6937,6 +6969,7 @@
                     <a:bodyPr/>
                     <a:lstStyle/>
                     <a:p>
+                      <a:pPr algn="ctr"/>
                       <a:r>
                         <a:rPr lang="zh-TW" altLang="en-US" dirty="0"/>
                         <a:t>桃園市</a:t>
@@ -6950,6 +6983,7 @@
                     <a:bodyPr/>
                     <a:lstStyle/>
                     <a:p>
+                      <a:pPr algn="ctr"/>
                       <a:r>
                         <a:rPr lang="zh-TW" altLang="en-US" dirty="0"/>
                         <a:t>新竹縣</a:t>
@@ -6963,6 +6997,7 @@
                     <a:bodyPr/>
                     <a:lstStyle/>
                     <a:p>
+                      <a:pPr algn="ctr"/>
                       <a:r>
                         <a:rPr lang="zh-TW" altLang="en-US" dirty="0"/>
                         <a:t>臺南市</a:t>
@@ -6976,6 +7011,7 @@
                     <a:bodyPr/>
                     <a:lstStyle/>
                     <a:p>
+                      <a:pPr algn="ctr"/>
                       <a:r>
                         <a:rPr lang="zh-TW" altLang="en-US" dirty="0"/>
                         <a:t>宜蘭縣</a:t>
@@ -6996,7 +7032,7 @@
                     <a:bodyPr/>
                     <a:lstStyle/>
                     <a:p>
-                      <a:pPr marL="0" marR="0" lvl="0" indent="0" algn="l" defTabSz="457200" rtl="0" eaLnBrk="1" fontAlgn="auto" latinLnBrk="0" hangingPunct="1">
+                      <a:pPr marL="0" marR="0" lvl="0" indent="0" algn="ctr" defTabSz="457200" rtl="0" eaLnBrk="1" fontAlgn="auto" latinLnBrk="0" hangingPunct="1">
                         <a:lnSpc>
                           <a:spcPct val="100000"/>
                         </a:lnSpc>
@@ -7043,6 +7079,7 @@
                     <a:bodyPr/>
                     <a:lstStyle/>
                     <a:p>
+                      <a:pPr algn="ctr"/>
                       <a:r>
                         <a:rPr lang="zh-TW" altLang="en-US" dirty="0"/>
                         <a:t>新竹市</a:t>
@@ -7056,6 +7093,7 @@
                     <a:bodyPr/>
                     <a:lstStyle/>
                     <a:p>
+                      <a:pPr algn="ctr"/>
                       <a:r>
                         <a:rPr lang="zh-TW" altLang="en-US" dirty="0"/>
                         <a:t>桃園市</a:t>
@@ -7069,6 +7107,7 @@
                     <a:bodyPr/>
                     <a:lstStyle/>
                     <a:p>
+                      <a:pPr algn="ctr"/>
                       <a:r>
                         <a:rPr lang="zh-TW" altLang="en-US" dirty="0"/>
                         <a:t>新竹縣</a:t>
@@ -7082,6 +7121,7 @@
                     <a:bodyPr/>
                     <a:lstStyle/>
                     <a:p>
+                      <a:pPr algn="ctr"/>
                       <a:r>
                         <a:rPr lang="zh-TW" altLang="en-US" dirty="0"/>
                         <a:t>臺北市</a:t>
@@ -7095,6 +7135,7 @@
                     <a:bodyPr/>
                     <a:lstStyle/>
                     <a:p>
+                      <a:pPr algn="ctr"/>
                       <a:r>
                         <a:rPr lang="zh-TW" altLang="en-US" dirty="0"/>
                         <a:t>臺南市</a:t>
@@ -7261,7 +7302,7 @@
             </a:r>
             <a:r>
               <a:rPr lang="zh-TW" altLang="en-US" dirty="0"/>
-              <a:t>成，還是逐年上升的趨勢。</a:t>
+              <a:t>成，並且有逐年上升的趨勢。</a:t>
             </a:r>
             <a:endParaRPr lang="en-US" altLang="zh-TW" dirty="0"/>
           </a:p>
@@ -7330,7 +7371,7 @@
             </a:pPr>
             <a:r>
               <a:rPr lang="zh-TW" altLang="en-US" dirty="0"/>
-              <a:t>             如是保險業者也應該針對這些地區銷售機車強制險以外的保險，可以</a:t>
+              <a:t>             如是保險業者也應該針對這些地區銷售機車強制險以外的保險，可用</a:t>
             </a:r>
             <a:endParaRPr lang="en-US" altLang="zh-TW" dirty="0"/>
           </a:p>
@@ -7340,7 +7381,7 @@
             </a:pPr>
             <a:r>
               <a:rPr lang="zh-TW" altLang="en-US" dirty="0"/>
-              <a:t>             藉由此圖表向客戶做比較，選擇對自身安全更有保障的商品，以促進</a:t>
+              <a:t>             此圖表向客戶做比較，選擇對自身安全更有保障的商品，例如駕駛人</a:t>
             </a:r>
             <a:endParaRPr lang="en-US" altLang="zh-TW" dirty="0"/>
           </a:p>
@@ -7350,7 +7391,7 @@
             </a:pPr>
             <a:r>
               <a:rPr lang="zh-TW" altLang="en-US" dirty="0"/>
-              <a:t>             保單的銷售額。</a:t>
+              <a:t>             傷害險、機車財損、超額保險以增加保單的銷售額。</a:t>
             </a:r>
             <a:endParaRPr lang="en-US" altLang="zh-TW" dirty="0"/>
           </a:p>
@@ -7732,7 +7773,12 @@
             <p:ph idx="1"/>
           </p:nvPr>
         </p:nvSpPr>
-        <p:spPr/>
+        <p:spPr>
+          <a:xfrm>
+            <a:off x="677334" y="1677797"/>
+            <a:ext cx="8596668" cy="4363565"/>
+          </a:xfrm>
+        </p:spPr>
         <p:txBody>
           <a:bodyPr/>
           <a:lstStyle/>
@@ -7743,7 +7789,7 @@
             </a:r>
             <a:r>
               <a:rPr lang="en-US" altLang="zh-TW" dirty="0"/>
-              <a:t>(</a:t>
+              <a:t>[</a:t>
             </a:r>
             <a:r>
               <a:rPr lang="zh-TW" altLang="en-US" dirty="0"/>
@@ -7755,11 +7801,11 @@
             </a:r>
             <a:r>
               <a:rPr lang="zh-TW" altLang="en-US" dirty="0"/>
-              <a:t>行人</a:t>
+              <a:t>行人機車</a:t>
             </a:r>
             <a:r>
               <a:rPr lang="en-US" altLang="zh-TW" dirty="0"/>
-              <a:t>)</a:t>
+              <a:t>]</a:t>
             </a:r>
             <a:r>
               <a:rPr lang="zh-TW" altLang="en-US" dirty="0"/>
@@ -7767,11 +7813,11 @@
             </a:r>
             <a:r>
               <a:rPr lang="en-US" altLang="zh-TW" dirty="0"/>
-              <a:t>(</a:t>
+              <a:t>[</a:t>
             </a:r>
             <a:r>
               <a:rPr lang="zh-TW" altLang="en-US" dirty="0"/>
-              <a:t>機車</a:t>
+              <a:t>汽車汽車</a:t>
             </a:r>
             <a:r>
               <a:rPr lang="en-US" altLang="zh-TW" dirty="0"/>
@@ -7783,22 +7829,6 @@
             </a:r>
             <a:r>
               <a:rPr lang="en-US" altLang="zh-TW" dirty="0"/>
-              <a:t>)(</a:t>
-            </a:r>
-            <a:r>
-              <a:rPr lang="zh-TW" altLang="en-US" dirty="0"/>
-              <a:t>汽車</a:t>
-            </a:r>
-            <a:r>
-              <a:rPr lang="en-US" altLang="zh-TW" dirty="0"/>
-              <a:t>;</a:t>
-            </a:r>
-            <a:r>
-              <a:rPr lang="zh-TW" altLang="en-US" dirty="0"/>
-              <a:t>汽車</a:t>
-            </a:r>
-            <a:r>
-              <a:rPr lang="en-US" altLang="zh-TW" dirty="0"/>
               <a:t>;</a:t>
             </a:r>
             <a:r>
@@ -7807,11 +7837,21 @@
             </a:r>
             <a:r>
               <a:rPr lang="en-US" altLang="zh-TW" dirty="0"/>
-              <a:t>)</a:t>
+              <a:t>]</a:t>
             </a:r>
             <a:r>
               <a:rPr lang="zh-TW" altLang="en-US" dirty="0"/>
-              <a:t>等等。</a:t>
+              <a:t>。</a:t>
+            </a:r>
+            <a:endParaRPr lang="en-US" altLang="zh-TW" dirty="0"/>
+          </a:p>
+          <a:p>
+            <a:pPr marL="0" indent="0">
+              <a:buNone/>
+            </a:pPr>
+            <a:r>
+              <a:rPr lang="zh-TW" altLang="en-US" dirty="0"/>
+              <a:t>     日期及地點都只想抓前幾個字就好，以便做分類。</a:t>
             </a:r>
             <a:endParaRPr lang="en-US" altLang="zh-TW" dirty="0"/>
           </a:p>
@@ -7828,22 +7868,52 @@
               <a:t>     解決辦法</a:t>
             </a:r>
             <a:r>
+              <a:rPr lang="en-US" altLang="zh-TW" dirty="0">
+                <a:solidFill>
+                  <a:srgbClr val="FF0000"/>
+                </a:solidFill>
+              </a:rPr>
+              <a:t>:</a:t>
+            </a:r>
+            <a:r>
+              <a:rPr lang="zh-TW" altLang="en-US" dirty="0">
+                <a:solidFill>
+                  <a:schemeClr val="tx1"/>
+                </a:solidFill>
+              </a:rPr>
+              <a:t>用</a:t>
+            </a:r>
+            <a:r>
+              <a:rPr lang="zh-TW" altLang="en-US" dirty="0"/>
+              <a:t>迴圈將</a:t>
+            </a:r>
+            <a:r>
               <a:rPr lang="en-US" altLang="zh-TW" dirty="0"/>
-              <a:t>:</a:t>
+              <a:t>row</a:t>
             </a:r>
             <a:r>
               <a:rPr lang="zh-TW" altLang="en-US" dirty="0"/>
-              <a:t>用了大量的字典依各分類做條件篩選，加總各分類的總數。</a:t>
+              <a:t>一行一行的拆解，依各分類做條件篩選，並以字典加</a:t>
+            </a:r>
+            <a:endParaRPr lang="en-US" altLang="zh-TW" dirty="0"/>
+          </a:p>
+          <a:p>
+            <a:pPr marL="0" indent="0">
+              <a:buNone/>
+            </a:pPr>
+            <a:r>
+              <a:rPr lang="zh-TW" altLang="en-US" dirty="0"/>
+              <a:t>                    總各分類，取得各種事故的數量。</a:t>
             </a:r>
           </a:p>
         </p:txBody>
       </p:sp>
       <p:pic>
         <p:nvPicPr>
-          <p:cNvPr id="5" name="圖片 4">
+          <p:cNvPr id="6" name="圖片 5">
             <a:extLst>
               <a:ext uri="{FF2B5EF4-FFF2-40B4-BE49-F238E27FC236}">
-                <a16:creationId xmlns:a16="http://schemas.microsoft.com/office/drawing/2014/main" id="{3C1057D5-5C0D-4D5A-B1EF-1FBFB4225E2F}"/>
+                <a16:creationId xmlns:a16="http://schemas.microsoft.com/office/drawing/2014/main" id="{116A17B8-9767-470D-8B94-1E6CC7FFD1D2}"/>
               </a:ext>
             </a:extLst>
           </p:cNvPr>
@@ -7860,8 +7930,8 @@
         </p:blipFill>
         <p:spPr>
           <a:xfrm>
-            <a:off x="1053093" y="3071642"/>
-            <a:ext cx="7637902" cy="2976012"/>
+            <a:off x="1095025" y="3696181"/>
+            <a:ext cx="7109408" cy="2345181"/>
           </a:xfrm>
           <a:prstGeom prst="rect">
             <a:avLst/>
@@ -7914,7 +7984,12 @@
             <p:ph type="title"/>
           </p:nvPr>
         </p:nvSpPr>
-        <p:spPr/>
+        <p:spPr>
+          <a:xfrm>
+            <a:off x="677334" y="234892"/>
+            <a:ext cx="8596668" cy="1695508"/>
+          </a:xfrm>
+        </p:spPr>
         <p:txBody>
           <a:bodyPr/>
           <a:lstStyle/>
@@ -7957,8 +8032,8 @@
         </p:nvSpPr>
         <p:spPr>
           <a:xfrm>
-            <a:off x="677334" y="1359017"/>
-            <a:ext cx="8596668" cy="4682345"/>
+            <a:off x="677334" y="914401"/>
+            <a:ext cx="8596668" cy="4651694"/>
           </a:xfrm>
         </p:spPr>
         <p:txBody>
@@ -8095,27 +8170,31 @@
             </a:r>
             <a:r>
               <a:rPr lang="en-US" altLang="zh-TW" dirty="0" err="1"/>
-              <a:t>Beautifulsoup</a:t>
+              <a:t>Numpy.reshape</a:t>
+            </a:r>
+            <a:r>
+              <a:rPr lang="en-US" altLang="zh-TW" dirty="0"/>
+              <a:t>()</a:t>
             </a:r>
             <a:r>
               <a:rPr lang="zh-TW" altLang="en-US" dirty="0"/>
-              <a:t>抓取的第一個欄位資料是</a:t>
+              <a:t>後會轉為</a:t>
             </a:r>
             <a:r>
               <a:rPr lang="en-US" altLang="zh-TW" dirty="0"/>
-              <a:t>XX</a:t>
+              <a:t>np</a:t>
             </a:r>
             <a:r>
               <a:rPr lang="zh-TW" altLang="en-US" dirty="0"/>
-              <a:t>年</a:t>
+              <a:t>物件，就不能直接</a:t>
             </a:r>
             <a:r>
               <a:rPr lang="en-US" altLang="zh-TW" dirty="0"/>
-              <a:t>X</a:t>
+              <a:t>.sum()</a:t>
             </a:r>
             <a:r>
               <a:rPr lang="zh-TW" altLang="en-US" dirty="0"/>
-              <a:t>月，不能有字串，修改擷取</a:t>
+              <a:t>加總，修改不使用</a:t>
             </a:r>
             <a:endParaRPr lang="en-US" altLang="zh-TW" dirty="0"/>
           </a:p>
@@ -8125,20 +8204,199 @@
             </a:pPr>
             <a:r>
               <a:rPr lang="zh-TW" altLang="en-US" dirty="0"/>
-              <a:t>     程式將日期資訊</a:t>
-            </a:r>
-            <a:r>
-              <a:rPr lang="zh-TW" altLang="en-US"/>
-              <a:t>分開存放，剩下都是數字就</a:t>
+              <a:t>     </a:t>
+            </a:r>
+            <a:r>
+              <a:rPr lang="en-US" altLang="zh-TW" dirty="0"/>
+              <a:t>reshape()</a:t>
             </a:r>
             <a:r>
               <a:rPr lang="zh-TW" altLang="en-US" dirty="0"/>
-              <a:t>能順利解決。</a:t>
+              <a:t>就能順利解決。</a:t>
             </a:r>
             <a:endParaRPr lang="en-US" altLang="zh-TW" dirty="0"/>
           </a:p>
           <a:p>
-            <a:endParaRPr lang="zh-TW" altLang="en-US" dirty="0"/>
+            <a:pPr marL="0" indent="0">
+              <a:buNone/>
+            </a:pPr>
+            <a:r>
+              <a:rPr lang="zh-TW" altLang="en-US" dirty="0">
+                <a:solidFill>
+                  <a:srgbClr val="FF0000"/>
+                </a:solidFill>
+              </a:rPr>
+              <a:t>     解決辦法</a:t>
+            </a:r>
+            <a:r>
+              <a:rPr lang="en-US" altLang="zh-TW" dirty="0">
+                <a:solidFill>
+                  <a:srgbClr val="FF0000"/>
+                </a:solidFill>
+              </a:rPr>
+              <a:t>(</a:t>
+            </a:r>
+            <a:r>
+              <a:rPr lang="zh-TW" altLang="en-US" dirty="0">
+                <a:solidFill>
+                  <a:srgbClr val="FF0000"/>
+                </a:solidFill>
+              </a:rPr>
+              <a:t>二</a:t>
+            </a:r>
+            <a:r>
+              <a:rPr lang="en-US" altLang="zh-TW" dirty="0">
+                <a:solidFill>
+                  <a:srgbClr val="FF0000"/>
+                </a:solidFill>
+              </a:rPr>
+              <a:t>): df[</a:t>
+            </a:r>
+            <a:r>
+              <a:rPr lang="zh-TW" altLang="en-US" dirty="0">
+                <a:solidFill>
+                  <a:srgbClr val="FF0000"/>
+                </a:solidFill>
+              </a:rPr>
+              <a:t>該欄位名稱</a:t>
+            </a:r>
+            <a:r>
+              <a:rPr lang="en-US" altLang="zh-TW" dirty="0">
+                <a:solidFill>
+                  <a:srgbClr val="FF0000"/>
+                </a:solidFill>
+              </a:rPr>
+              <a:t>] = df[</a:t>
+            </a:r>
+            <a:r>
+              <a:rPr lang="zh-TW" altLang="en-US" dirty="0">
+                <a:solidFill>
+                  <a:srgbClr val="FF0000"/>
+                </a:solidFill>
+              </a:rPr>
+              <a:t>該欄位名稱</a:t>
+            </a:r>
+            <a:r>
+              <a:rPr lang="en-US" altLang="zh-TW" dirty="0">
+                <a:solidFill>
+                  <a:srgbClr val="FF0000"/>
+                </a:solidFill>
+              </a:rPr>
+              <a:t>].</a:t>
+            </a:r>
+            <a:r>
+              <a:rPr lang="en-US" altLang="zh-TW" dirty="0" err="1">
+                <a:solidFill>
+                  <a:srgbClr val="FF0000"/>
+                </a:solidFill>
+              </a:rPr>
+              <a:t>astype</a:t>
+            </a:r>
+            <a:r>
+              <a:rPr lang="en-US" altLang="zh-TW" dirty="0">
+                <a:solidFill>
+                  <a:srgbClr val="FF0000"/>
+                </a:solidFill>
+              </a:rPr>
+              <a:t>(int)</a:t>
+            </a:r>
+            <a:r>
+              <a:rPr lang="zh-TW" altLang="en-US" dirty="0">
+                <a:solidFill>
+                  <a:srgbClr val="FF0000"/>
+                </a:solidFill>
+              </a:rPr>
+              <a:t> </a:t>
+            </a:r>
+            <a:endParaRPr lang="en-US" altLang="zh-TW" dirty="0">
+              <a:solidFill>
+                <a:srgbClr val="FF0000"/>
+              </a:solidFill>
+            </a:endParaRPr>
+          </a:p>
+          <a:p>
+            <a:pPr marL="0" indent="0">
+              <a:buNone/>
+            </a:pPr>
+            <a:r>
+              <a:rPr lang="en-US" altLang="zh-TW" dirty="0">
+                <a:solidFill>
+                  <a:srgbClr val="FF0000"/>
+                </a:solidFill>
+              </a:rPr>
+              <a:t>     </a:t>
+            </a:r>
+            <a:r>
+              <a:rPr lang="zh-TW" altLang="en-US" dirty="0">
+                <a:solidFill>
+                  <a:srgbClr val="FF0000"/>
+                </a:solidFill>
+              </a:rPr>
+              <a:t>即可把</a:t>
+            </a:r>
+            <a:r>
+              <a:rPr lang="en-US" altLang="zh-TW" dirty="0" err="1">
+                <a:solidFill>
+                  <a:srgbClr val="FF0000"/>
+                </a:solidFill>
+              </a:rPr>
+              <a:t>DataFrame</a:t>
+            </a:r>
+            <a:r>
+              <a:rPr lang="zh-TW" altLang="en-US" dirty="0">
+                <a:solidFill>
+                  <a:srgbClr val="FF0000"/>
+                </a:solidFill>
+              </a:rPr>
+              <a:t>的物件從</a:t>
+            </a:r>
+            <a:r>
+              <a:rPr lang="en-US" altLang="zh-TW" dirty="0">
+                <a:solidFill>
+                  <a:srgbClr val="FF0000"/>
+                </a:solidFill>
+              </a:rPr>
+              <a:t>obj</a:t>
+            </a:r>
+            <a:r>
+              <a:rPr lang="zh-TW" altLang="en-US" dirty="0">
+                <a:solidFill>
+                  <a:srgbClr val="FF0000"/>
+                </a:solidFill>
+              </a:rPr>
+              <a:t>型態轉為</a:t>
+            </a:r>
+            <a:r>
+              <a:rPr lang="en-US" altLang="zh-TW" dirty="0">
+                <a:solidFill>
+                  <a:srgbClr val="FF0000"/>
+                </a:solidFill>
+              </a:rPr>
+              <a:t>int</a:t>
+            </a:r>
+            <a:r>
+              <a:rPr lang="zh-TW" altLang="en-US" dirty="0">
+                <a:solidFill>
+                  <a:srgbClr val="FF0000"/>
+                </a:solidFill>
+              </a:rPr>
+              <a:t>，就可加總了。</a:t>
+            </a:r>
+            <a:endParaRPr lang="en-US" altLang="zh-TW" dirty="0">
+              <a:solidFill>
+                <a:srgbClr val="FF0000"/>
+              </a:solidFill>
+            </a:endParaRPr>
+          </a:p>
+          <a:p>
+            <a:pPr marL="0" indent="0">
+              <a:buNone/>
+            </a:pPr>
+            <a:endParaRPr lang="zh-TW" altLang="en-US" dirty="0">
+              <a:solidFill>
+                <a:srgbClr val="FF0000"/>
+              </a:solidFill>
+            </a:endParaRPr>
           </a:p>
         </p:txBody>
       </p:sp>
@@ -8164,7 +8422,7 @@
         </p:blipFill>
         <p:spPr>
           <a:xfrm>
-            <a:off x="1281112" y="3901525"/>
+            <a:off x="1012665" y="4123188"/>
             <a:ext cx="7257053" cy="2440552"/>
           </a:xfrm>
           <a:prstGeom prst="rect">
@@ -8193,7 +8451,7 @@
         </p:blipFill>
         <p:spPr>
           <a:xfrm>
-            <a:off x="6783505" y="4123188"/>
+            <a:off x="6708169" y="4324524"/>
             <a:ext cx="4127383" cy="1442907"/>
           </a:xfrm>
           <a:prstGeom prst="rect">
@@ -8835,8 +9093,89 @@
         </p:blipFill>
         <p:spPr>
           <a:xfrm>
-            <a:off x="454429" y="3754228"/>
+            <a:off x="477708" y="3904471"/>
             <a:ext cx="4235017" cy="2795715"/>
+          </a:xfrm>
+          <a:prstGeom prst="rect">
+            <a:avLst/>
+          </a:prstGeom>
+        </p:spPr>
+      </p:pic>
+      <p:sp>
+        <p:nvSpPr>
+          <p:cNvPr id="3" name="文字方塊 2">
+            <a:extLst>
+              <a:ext uri="{FF2B5EF4-FFF2-40B4-BE49-F238E27FC236}">
+                <a16:creationId xmlns:a16="http://schemas.microsoft.com/office/drawing/2014/main" id="{5A7A22DF-8EDF-4CBC-B352-52ED9C4AE6CE}"/>
+              </a:ext>
+            </a:extLst>
+          </p:cNvPr>
+          <p:cNvSpPr txBox="1"/>
+          <p:nvPr/>
+        </p:nvSpPr>
+        <p:spPr>
+          <a:xfrm>
+            <a:off x="5465400" y="4319930"/>
+            <a:ext cx="3808602" cy="369332"/>
+          </a:xfrm>
+          <a:prstGeom prst="rect">
+            <a:avLst/>
+          </a:prstGeom>
+          <a:noFill/>
+        </p:spPr>
+        <p:txBody>
+          <a:bodyPr wrap="square" rtlCol="0">
+            <a:spAutoFit/>
+          </a:bodyPr>
+          <a:lstStyle/>
+          <a:p>
+            <a:r>
+              <a:rPr lang="zh-TW" altLang="en-US" dirty="0"/>
+              <a:t>每年的</a:t>
+            </a:r>
+            <a:r>
+              <a:rPr lang="en-US" altLang="zh-TW" dirty="0"/>
+              <a:t>1</a:t>
+            </a:r>
+            <a:r>
+              <a:rPr lang="zh-TW" altLang="en-US" dirty="0"/>
+              <a:t>月及</a:t>
+            </a:r>
+            <a:r>
+              <a:rPr lang="en-US" altLang="zh-TW" dirty="0"/>
+              <a:t>12</a:t>
+            </a:r>
+            <a:r>
+              <a:rPr lang="zh-TW" altLang="en-US" dirty="0"/>
+              <a:t>月事故比率都偏高</a:t>
+            </a:r>
+          </a:p>
+        </p:txBody>
+      </p:sp>
+      <p:pic>
+        <p:nvPicPr>
+          <p:cNvPr id="6" name="圖片 5">
+            <a:extLst>
+              <a:ext uri="{FF2B5EF4-FFF2-40B4-BE49-F238E27FC236}">
+                <a16:creationId xmlns:a16="http://schemas.microsoft.com/office/drawing/2014/main" id="{7F23F7C5-915A-49F9-BD0D-588668FEE455}"/>
+              </a:ext>
+            </a:extLst>
+          </p:cNvPr>
+          <p:cNvPicPr>
+            <a:picLocks noChangeAspect="1"/>
+          </p:cNvPicPr>
+          <p:nvPr/>
+        </p:nvPicPr>
+        <p:blipFill>
+          <a:blip r:embed="rId5"/>
+          <a:stretch>
+            <a:fillRect/>
+          </a:stretch>
+        </p:blipFill>
+        <p:spPr>
+          <a:xfrm>
+            <a:off x="5603846" y="4932543"/>
+            <a:ext cx="2197916" cy="1657023"/>
           </a:xfrm>
           <a:prstGeom prst="rect">
             <a:avLst/>
@@ -9537,6 +9876,545 @@
           </a:prstGeom>
         </p:spPr>
       </p:pic>
+      <p:graphicFrame>
+        <p:nvGraphicFramePr>
+          <p:cNvPr id="3" name="表格 3">
+            <a:extLst>
+              <a:ext uri="{FF2B5EF4-FFF2-40B4-BE49-F238E27FC236}">
+                <a16:creationId xmlns:a16="http://schemas.microsoft.com/office/drawing/2014/main" id="{B08AE229-6AD2-45EC-9BBC-B0387B2376CF}"/>
+              </a:ext>
+            </a:extLst>
+          </p:cNvPr>
+          <p:cNvGraphicFramePr>
+            <a:graphicFrameLocks noGrp="1"/>
+          </p:cNvGraphicFramePr>
+          <p:nvPr>
+            <p:extLst>
+              <p:ext uri="{D42A27DB-BD31-4B8C-83A1-F6EECF244321}">
+                <p14:modId xmlns:p14="http://schemas.microsoft.com/office/powerpoint/2010/main" val="4292332487"/>
+              </p:ext>
+            </p:extLst>
+          </p:nvPr>
+        </p:nvGraphicFramePr>
+        <p:xfrm>
+          <a:off x="4975667" y="4738060"/>
+          <a:ext cx="6953478" cy="1471062"/>
+        </p:xfrm>
+        <a:graphic>
+          <a:graphicData uri="http://schemas.openxmlformats.org/drawingml/2006/table">
+            <a:tbl>
+              <a:tblPr firstRow="1" bandRow="1">
+                <a:tableStyleId>{5C22544A-7EE6-4342-B048-85BDC9FD1C3A}</a:tableStyleId>
+              </a:tblPr>
+              <a:tblGrid>
+                <a:gridCol w="1158913">
+                  <a:extLst>
+                    <a:ext uri="{9D8B030D-6E8A-4147-A177-3AD203B41FA5}">
+                      <a16:colId xmlns:a16="http://schemas.microsoft.com/office/drawing/2014/main" val="3632223657"/>
+                    </a:ext>
+                  </a:extLst>
+                </a:gridCol>
+                <a:gridCol w="1158913">
+                  <a:extLst>
+                    <a:ext uri="{9D8B030D-6E8A-4147-A177-3AD203B41FA5}">
+                      <a16:colId xmlns:a16="http://schemas.microsoft.com/office/drawing/2014/main" val="2349290303"/>
+                    </a:ext>
+                  </a:extLst>
+                </a:gridCol>
+                <a:gridCol w="1158913">
+                  <a:extLst>
+                    <a:ext uri="{9D8B030D-6E8A-4147-A177-3AD203B41FA5}">
+                      <a16:colId xmlns:a16="http://schemas.microsoft.com/office/drawing/2014/main" val="1493593364"/>
+                    </a:ext>
+                  </a:extLst>
+                </a:gridCol>
+                <a:gridCol w="1158913">
+                  <a:extLst>
+                    <a:ext uri="{9D8B030D-6E8A-4147-A177-3AD203B41FA5}">
+                      <a16:colId xmlns:a16="http://schemas.microsoft.com/office/drawing/2014/main" val="4155794145"/>
+                    </a:ext>
+                  </a:extLst>
+                </a:gridCol>
+                <a:gridCol w="1158913">
+                  <a:extLst>
+                    <a:ext uri="{9D8B030D-6E8A-4147-A177-3AD203B41FA5}">
+                      <a16:colId xmlns:a16="http://schemas.microsoft.com/office/drawing/2014/main" val="4095233956"/>
+                    </a:ext>
+                  </a:extLst>
+                </a:gridCol>
+                <a:gridCol w="1158913">
+                  <a:extLst>
+                    <a:ext uri="{9D8B030D-6E8A-4147-A177-3AD203B41FA5}">
+                      <a16:colId xmlns:a16="http://schemas.microsoft.com/office/drawing/2014/main" val="362751910"/>
+                    </a:ext>
+                  </a:extLst>
+                </a:gridCol>
+              </a:tblGrid>
+              <a:tr h="365351">
+                <a:tc>
+                  <a:txBody>
+                    <a:bodyPr/>
+                    <a:lstStyle/>
+                    <a:p>
+                      <a:pPr algn="ctr"/>
+                      <a:endParaRPr lang="zh-TW" altLang="en-US"/>
+                    </a:p>
+                  </a:txBody>
+                  <a:tcPr/>
+                </a:tc>
+                <a:tc>
+                  <a:txBody>
+                    <a:bodyPr/>
+                    <a:lstStyle/>
+                    <a:p>
+                      <a:pPr algn="ctr"/>
+                      <a:r>
+                        <a:rPr lang="zh-TW" altLang="en-US" dirty="0"/>
+                        <a:t>第</a:t>
+                      </a:r>
+                      <a:r>
+                        <a:rPr lang="en-US" altLang="zh-TW" dirty="0"/>
+                        <a:t>1</a:t>
+                      </a:r>
+                      <a:r>
+                        <a:rPr lang="zh-TW" altLang="en-US" dirty="0"/>
+                        <a:t>名</a:t>
+                      </a:r>
+                    </a:p>
+                  </a:txBody>
+                  <a:tcPr/>
+                </a:tc>
+                <a:tc>
+                  <a:txBody>
+                    <a:bodyPr/>
+                    <a:lstStyle/>
+                    <a:p>
+                      <a:pPr algn="ctr"/>
+                      <a:r>
+                        <a:rPr lang="zh-TW" altLang="en-US" dirty="0"/>
+                        <a:t>第</a:t>
+                      </a:r>
+                      <a:r>
+                        <a:rPr lang="en-US" altLang="zh-TW" dirty="0"/>
+                        <a:t>2</a:t>
+                      </a:r>
+                      <a:r>
+                        <a:rPr lang="zh-TW" altLang="en-US" dirty="0"/>
+                        <a:t>名</a:t>
+                      </a:r>
+                    </a:p>
+                  </a:txBody>
+                  <a:tcPr/>
+                </a:tc>
+                <a:tc>
+                  <a:txBody>
+                    <a:bodyPr/>
+                    <a:lstStyle/>
+                    <a:p>
+                      <a:pPr algn="ctr"/>
+                      <a:r>
+                        <a:rPr lang="zh-TW" altLang="en-US" dirty="0"/>
+                        <a:t>第</a:t>
+                      </a:r>
+                      <a:r>
+                        <a:rPr lang="en-US" altLang="zh-TW" dirty="0"/>
+                        <a:t>3</a:t>
+                      </a:r>
+                      <a:r>
+                        <a:rPr lang="zh-TW" altLang="en-US" dirty="0"/>
+                        <a:t>名</a:t>
+                      </a:r>
+                    </a:p>
+                  </a:txBody>
+                  <a:tcPr/>
+                </a:tc>
+                <a:tc>
+                  <a:txBody>
+                    <a:bodyPr/>
+                    <a:lstStyle/>
+                    <a:p>
+                      <a:pPr algn="ctr"/>
+                      <a:r>
+                        <a:rPr lang="zh-TW" altLang="en-US" dirty="0"/>
+                        <a:t>第</a:t>
+                      </a:r>
+                      <a:r>
+                        <a:rPr lang="en-US" altLang="zh-TW" dirty="0"/>
+                        <a:t>4</a:t>
+                      </a:r>
+                      <a:r>
+                        <a:rPr lang="zh-TW" altLang="en-US" dirty="0"/>
+                        <a:t>名</a:t>
+                      </a:r>
+                    </a:p>
+                  </a:txBody>
+                  <a:tcPr/>
+                </a:tc>
+                <a:tc>
+                  <a:txBody>
+                    <a:bodyPr/>
+                    <a:lstStyle/>
+                    <a:p>
+                      <a:pPr algn="ctr"/>
+                      <a:r>
+                        <a:rPr lang="zh-TW" altLang="en-US" dirty="0"/>
+                        <a:t>第</a:t>
+                      </a:r>
+                      <a:r>
+                        <a:rPr lang="en-US" altLang="zh-TW" dirty="0"/>
+                        <a:t>5</a:t>
+                      </a:r>
+                      <a:r>
+                        <a:rPr lang="zh-TW" altLang="en-US" dirty="0"/>
+                        <a:t>名</a:t>
+                      </a:r>
+                    </a:p>
+                  </a:txBody>
+                  <a:tcPr/>
+                </a:tc>
+                <a:extLst>
+                  <a:ext uri="{0D108BD9-81ED-4DB2-BD59-A6C34878D82A}">
+                    <a16:rowId xmlns:a16="http://schemas.microsoft.com/office/drawing/2014/main" val="4148395155"/>
+                  </a:ext>
+                </a:extLst>
+              </a:tr>
+              <a:tr h="373782">
+                <a:tc>
+                  <a:txBody>
+                    <a:bodyPr/>
+                    <a:lstStyle/>
+                    <a:p>
+                      <a:pPr algn="ctr"/>
+                      <a:r>
+                        <a:rPr lang="en-US" altLang="zh-TW" dirty="0"/>
+                        <a:t>107</a:t>
+                      </a:r>
+                      <a:r>
+                        <a:rPr lang="zh-TW" altLang="en-US" dirty="0"/>
+                        <a:t>年</a:t>
+                      </a:r>
+                    </a:p>
+                  </a:txBody>
+                  <a:tcPr/>
+                </a:tc>
+                <a:tc>
+                  <a:txBody>
+                    <a:bodyPr/>
+                    <a:lstStyle/>
+                    <a:p>
+                      <a:pPr algn="ctr"/>
+                      <a:r>
+                        <a:rPr lang="zh-TW" altLang="en-US" dirty="0"/>
+                        <a:t>高雄市</a:t>
+                      </a:r>
+                    </a:p>
+                  </a:txBody>
+                  <a:tcPr/>
+                </a:tc>
+                <a:tc>
+                  <a:txBody>
+                    <a:bodyPr/>
+                    <a:lstStyle/>
+                    <a:p>
+                      <a:pPr algn="ctr"/>
+                      <a:r>
+                        <a:rPr lang="zh-TW" altLang="en-US" dirty="0"/>
+                        <a:t>臺中市</a:t>
+                      </a:r>
+                    </a:p>
+                  </a:txBody>
+                  <a:tcPr/>
+                </a:tc>
+                <a:tc>
+                  <a:txBody>
+                    <a:bodyPr/>
+                    <a:lstStyle/>
+                    <a:p>
+                      <a:pPr algn="ctr"/>
+                      <a:r>
+                        <a:rPr lang="zh-TW" altLang="en-US" dirty="0"/>
+                        <a:t>臺南市</a:t>
+                      </a:r>
+                    </a:p>
+                  </a:txBody>
+                  <a:tcPr/>
+                </a:tc>
+                <a:tc>
+                  <a:txBody>
+                    <a:bodyPr/>
+                    <a:lstStyle/>
+                    <a:p>
+                      <a:pPr algn="ctr"/>
+                      <a:r>
+                        <a:rPr lang="zh-TW" altLang="en-US" dirty="0"/>
+                        <a:t>新北市</a:t>
+                      </a:r>
+                    </a:p>
+                  </a:txBody>
+                  <a:tcPr/>
+                </a:tc>
+                <a:tc>
+                  <a:txBody>
+                    <a:bodyPr/>
+                    <a:lstStyle/>
+                    <a:p>
+                      <a:pPr algn="ctr"/>
+                      <a:r>
+                        <a:rPr lang="zh-TW" altLang="en-US" dirty="0"/>
+                        <a:t>桃園市</a:t>
+                      </a:r>
+                    </a:p>
+                  </a:txBody>
+                  <a:tcPr/>
+                </a:tc>
+                <a:extLst>
+                  <a:ext uri="{0D108BD9-81ED-4DB2-BD59-A6C34878D82A}">
+                    <a16:rowId xmlns:a16="http://schemas.microsoft.com/office/drawing/2014/main" val="3467899732"/>
+                  </a:ext>
+                </a:extLst>
+              </a:tr>
+              <a:tr h="365351">
+                <a:tc>
+                  <a:txBody>
+                    <a:bodyPr/>
+                    <a:lstStyle/>
+                    <a:p>
+                      <a:pPr algn="ctr"/>
+                      <a:r>
+                        <a:rPr lang="en-US" altLang="zh-TW" dirty="0"/>
+                        <a:t>108</a:t>
+                      </a:r>
+                      <a:r>
+                        <a:rPr lang="zh-TW" altLang="en-US" dirty="0"/>
+                        <a:t>年</a:t>
+                      </a:r>
+                    </a:p>
+                  </a:txBody>
+                  <a:tcPr/>
+                </a:tc>
+                <a:tc>
+                  <a:txBody>
+                    <a:bodyPr/>
+                    <a:lstStyle/>
+                    <a:p>
+                      <a:pPr algn="ctr"/>
+                      <a:r>
+                        <a:rPr lang="zh-TW" altLang="en-US" dirty="0"/>
+                        <a:t>高雄市</a:t>
+                      </a:r>
+                    </a:p>
+                  </a:txBody>
+                  <a:tcPr/>
+                </a:tc>
+                <a:tc>
+                  <a:txBody>
+                    <a:bodyPr/>
+                    <a:lstStyle/>
+                    <a:p>
+                      <a:pPr algn="ctr"/>
+                      <a:r>
+                        <a:rPr lang="zh-TW" altLang="en-US" dirty="0"/>
+                        <a:t>桃園市</a:t>
+                      </a:r>
+                    </a:p>
+                  </a:txBody>
+                  <a:tcPr/>
+                </a:tc>
+                <a:tc>
+                  <a:txBody>
+                    <a:bodyPr/>
+                    <a:lstStyle/>
+                    <a:p>
+                      <a:pPr algn="ctr"/>
+                      <a:r>
+                        <a:rPr lang="zh-TW" altLang="en-US" dirty="0"/>
+                        <a:t>臺中市</a:t>
+                      </a:r>
+                    </a:p>
+                  </a:txBody>
+                  <a:tcPr/>
+                </a:tc>
+                <a:tc>
+                  <a:txBody>
+                    <a:bodyPr/>
+                    <a:lstStyle/>
+                    <a:p>
+                      <a:pPr algn="ctr"/>
+                      <a:r>
+                        <a:rPr lang="zh-TW" altLang="en-US" dirty="0"/>
+                        <a:t>臺南市</a:t>
+                      </a:r>
+                    </a:p>
+                  </a:txBody>
+                  <a:tcPr/>
+                </a:tc>
+                <a:tc>
+                  <a:txBody>
+                    <a:bodyPr/>
+                    <a:lstStyle/>
+                    <a:p>
+                      <a:pPr algn="ctr"/>
+                      <a:r>
+                        <a:rPr lang="zh-TW" altLang="en-US" dirty="0"/>
+                        <a:t>新北市</a:t>
+                      </a:r>
+                    </a:p>
+                  </a:txBody>
+                  <a:tcPr/>
+                </a:tc>
+                <a:extLst>
+                  <a:ext uri="{0D108BD9-81ED-4DB2-BD59-A6C34878D82A}">
+                    <a16:rowId xmlns:a16="http://schemas.microsoft.com/office/drawing/2014/main" val="2247690885"/>
+                  </a:ext>
+                </a:extLst>
+              </a:tr>
+              <a:tr h="365351">
+                <a:tc>
+                  <a:txBody>
+                    <a:bodyPr/>
+                    <a:lstStyle/>
+                    <a:p>
+                      <a:pPr algn="ctr"/>
+                      <a:r>
+                        <a:rPr lang="en-US" altLang="zh-TW" sz="1400" dirty="0"/>
+                        <a:t>109</a:t>
+                      </a:r>
+                      <a:r>
+                        <a:rPr lang="zh-TW" altLang="en-US" sz="1400" dirty="0"/>
+                        <a:t>年</a:t>
+                      </a:r>
+                      <a:r>
+                        <a:rPr lang="en-US" altLang="zh-TW" sz="1400" dirty="0"/>
+                        <a:t>(1-5</a:t>
+                      </a:r>
+                      <a:r>
+                        <a:rPr lang="zh-TW" altLang="en-US" sz="1400" dirty="0"/>
+                        <a:t>月</a:t>
+                      </a:r>
+                      <a:r>
+                        <a:rPr lang="en-US" altLang="zh-TW" sz="1400" dirty="0"/>
+                        <a:t>)</a:t>
+                      </a:r>
+                      <a:endParaRPr lang="zh-TW" altLang="en-US" sz="1400" dirty="0"/>
+                    </a:p>
+                  </a:txBody>
+                  <a:tcPr/>
+                </a:tc>
+                <a:tc>
+                  <a:txBody>
+                    <a:bodyPr/>
+                    <a:lstStyle/>
+                    <a:p>
+                      <a:pPr algn="ctr"/>
+                      <a:r>
+                        <a:rPr lang="zh-TW" altLang="en-US" dirty="0"/>
+                        <a:t>新北市</a:t>
+                      </a:r>
+                    </a:p>
+                  </a:txBody>
+                  <a:tcPr/>
+                </a:tc>
+                <a:tc>
+                  <a:txBody>
+                    <a:bodyPr/>
+                    <a:lstStyle/>
+                    <a:p>
+                      <a:pPr algn="ctr"/>
+                      <a:r>
+                        <a:rPr lang="zh-TW" altLang="en-US" dirty="0"/>
+                        <a:t>桃園市</a:t>
+                      </a:r>
+                    </a:p>
+                  </a:txBody>
+                  <a:tcPr/>
+                </a:tc>
+                <a:tc>
+                  <a:txBody>
+                    <a:bodyPr/>
+                    <a:lstStyle/>
+                    <a:p>
+                      <a:pPr algn="ctr"/>
+                      <a:r>
+                        <a:rPr lang="zh-TW" altLang="en-US" dirty="0"/>
+                        <a:t>高雄市</a:t>
+                      </a:r>
+                    </a:p>
+                  </a:txBody>
+                  <a:tcPr/>
+                </a:tc>
+                <a:tc>
+                  <a:txBody>
+                    <a:bodyPr/>
+                    <a:lstStyle/>
+                    <a:p>
+                      <a:pPr algn="ctr"/>
+                      <a:r>
+                        <a:rPr lang="zh-TW" altLang="en-US" dirty="0"/>
+                        <a:t>臺中市</a:t>
+                      </a:r>
+                    </a:p>
+                  </a:txBody>
+                  <a:tcPr/>
+                </a:tc>
+                <a:tc>
+                  <a:txBody>
+                    <a:bodyPr/>
+                    <a:lstStyle/>
+                    <a:p>
+                      <a:pPr algn="ctr"/>
+                      <a:r>
+                        <a:rPr lang="zh-TW" altLang="en-US" dirty="0"/>
+                        <a:t>臺南市</a:t>
+                      </a:r>
+                    </a:p>
+                  </a:txBody>
+                  <a:tcPr/>
+                </a:tc>
+                <a:extLst>
+                  <a:ext uri="{0D108BD9-81ED-4DB2-BD59-A6C34878D82A}">
+                    <a16:rowId xmlns:a16="http://schemas.microsoft.com/office/drawing/2014/main" val="497551676"/>
+                  </a:ext>
+                </a:extLst>
+              </a:tr>
+            </a:tbl>
+          </a:graphicData>
+        </a:graphic>
+      </p:graphicFrame>
+      <p:sp>
+        <p:nvSpPr>
+          <p:cNvPr id="6" name="文字方塊 5">
+            <a:extLst>
+              <a:ext uri="{FF2B5EF4-FFF2-40B4-BE49-F238E27FC236}">
+                <a16:creationId xmlns:a16="http://schemas.microsoft.com/office/drawing/2014/main" id="{1788F5D8-FD85-483D-B33C-5B24ECADEBB7}"/>
+              </a:ext>
+            </a:extLst>
+          </p:cNvPr>
+          <p:cNvSpPr txBox="1"/>
+          <p:nvPr/>
+        </p:nvSpPr>
+        <p:spPr>
+          <a:xfrm>
+            <a:off x="4975667" y="4343609"/>
+            <a:ext cx="3693952" cy="369332"/>
+          </a:xfrm>
+          <a:prstGeom prst="rect">
+            <a:avLst/>
+          </a:prstGeom>
+          <a:noFill/>
+        </p:spPr>
+        <p:txBody>
+          <a:bodyPr wrap="square" rtlCol="0">
+            <a:spAutoFit/>
+          </a:bodyPr>
+          <a:lstStyle/>
+          <a:p>
+            <a:r>
+              <a:rPr lang="zh-TW" altLang="en-US" dirty="0"/>
+              <a:t>機車事故排序</a:t>
+            </a:r>
+          </a:p>
+        </p:txBody>
+      </p:sp>
     </p:spTree>
     <p:extLst>
       <p:ext uri="{BB962C8B-B14F-4D97-AF65-F5344CB8AC3E}">
@@ -9716,8 +10594,8 @@
         </p:nvSpPr>
         <p:spPr>
           <a:xfrm>
-            <a:off x="4975668" y="4224020"/>
-            <a:ext cx="4303553" cy="923330"/>
+            <a:off x="4975668" y="4198853"/>
+            <a:ext cx="4699669" cy="646331"/>
           </a:xfrm>
           <a:prstGeom prst="rect">
             <a:avLst/>
@@ -9751,7 +10629,7 @@
         </p:nvSpPr>
         <p:spPr>
           <a:xfrm>
-            <a:off x="4975668" y="5147350"/>
+            <a:off x="4975668" y="5103539"/>
             <a:ext cx="6652470" cy="923330"/>
           </a:xfrm>
           <a:prstGeom prst="rect">
@@ -9766,40 +10644,76 @@
           <a:lstStyle/>
           <a:p>
             <a:r>
-              <a:rPr lang="zh-TW" altLang="en-US" dirty="0"/>
+              <a:rPr lang="zh-TW" altLang="en-US" dirty="0">
+                <a:solidFill>
+                  <a:srgbClr val="002060"/>
+                </a:solidFill>
+              </a:rPr>
               <a:t>算法</a:t>
             </a:r>
             <a:r>
-              <a:rPr lang="en-US" altLang="zh-TW" dirty="0"/>
+              <a:rPr lang="en-US" altLang="zh-TW" dirty="0">
+                <a:solidFill>
+                  <a:srgbClr val="002060"/>
+                </a:solidFill>
+              </a:rPr>
               <a:t>:</a:t>
             </a:r>
           </a:p>
           <a:p>
             <a:r>
-              <a:rPr lang="zh-TW" altLang="en-US" dirty="0"/>
+              <a:rPr lang="zh-TW" altLang="en-US" dirty="0">
+                <a:solidFill>
+                  <a:srgbClr val="FF0000"/>
+                </a:solidFill>
+              </a:rPr>
               <a:t>各縣市機車出示的比率</a:t>
             </a:r>
             <a:r>
-              <a:rPr lang="en-US" altLang="zh-TW" dirty="0"/>
+              <a:rPr lang="en-US" altLang="zh-TW" dirty="0">
+                <a:solidFill>
+                  <a:srgbClr val="FF0000"/>
+                </a:solidFill>
+              </a:rPr>
               <a:t>=</a:t>
             </a:r>
             <a:r>
-              <a:rPr lang="zh-TW" altLang="en-US" dirty="0"/>
+              <a:rPr lang="zh-TW" altLang="en-US" dirty="0">
+                <a:solidFill>
+                  <a:srgbClr val="FF0000"/>
+                </a:solidFill>
+              </a:rPr>
               <a:t>各縣市總機車事故</a:t>
             </a:r>
             <a:r>
-              <a:rPr lang="en-US" altLang="zh-TW" dirty="0"/>
+              <a:rPr lang="en-US" altLang="zh-TW" dirty="0">
+                <a:solidFill>
+                  <a:srgbClr val="FF0000"/>
+                </a:solidFill>
+              </a:rPr>
               <a:t>/</a:t>
             </a:r>
             <a:r>
-              <a:rPr lang="zh-TW" altLang="en-US" dirty="0"/>
+              <a:rPr lang="zh-TW" altLang="en-US" dirty="0">
+                <a:solidFill>
+                  <a:srgbClr val="FF0000"/>
+                </a:solidFill>
+              </a:rPr>
               <a:t>各縣市登記的機車數</a:t>
             </a:r>
-            <a:endParaRPr lang="en-US" altLang="zh-TW" dirty="0"/>
-          </a:p>
-          <a:p>
-            <a:r>
-              <a:rPr lang="zh-TW" altLang="en-US" dirty="0"/>
+            <a:endParaRPr lang="en-US" altLang="zh-TW" dirty="0">
+              <a:solidFill>
+                <a:srgbClr val="FF0000"/>
+              </a:solidFill>
+            </a:endParaRPr>
+          </a:p>
+          <a:p>
+            <a:r>
+              <a:rPr lang="zh-TW" altLang="en-US" dirty="0">
+                <a:solidFill>
+                  <a:srgbClr val="002060"/>
+                </a:solidFill>
+              </a:rPr>
               <a:t>最後再依照各比率算出百分比</a:t>
             </a:r>
           </a:p>

--- a/python/專題報告/專題報告-台灣交通事故.pptx
+++ b/python/專題報告/專題報告-台灣交通事故.pptx
@@ -7,19 +7,20 @@
   <p:sldIdLst>
     <p:sldId id="256" r:id="rId2"/>
     <p:sldId id="257" r:id="rId3"/>
-    <p:sldId id="260" r:id="rId4"/>
-    <p:sldId id="261" r:id="rId5"/>
-    <p:sldId id="259" r:id="rId6"/>
-    <p:sldId id="264" r:id="rId7"/>
-    <p:sldId id="263" r:id="rId8"/>
-    <p:sldId id="262" r:id="rId9"/>
-    <p:sldId id="265" r:id="rId10"/>
-    <p:sldId id="267" r:id="rId11"/>
-    <p:sldId id="266" r:id="rId12"/>
-    <p:sldId id="268" r:id="rId13"/>
-    <p:sldId id="269" r:id="rId14"/>
-    <p:sldId id="270" r:id="rId15"/>
-    <p:sldId id="258" r:id="rId16"/>
+    <p:sldId id="271" r:id="rId4"/>
+    <p:sldId id="260" r:id="rId5"/>
+    <p:sldId id="261" r:id="rId6"/>
+    <p:sldId id="259" r:id="rId7"/>
+    <p:sldId id="264" r:id="rId8"/>
+    <p:sldId id="263" r:id="rId9"/>
+    <p:sldId id="262" r:id="rId10"/>
+    <p:sldId id="265" r:id="rId11"/>
+    <p:sldId id="267" r:id="rId12"/>
+    <p:sldId id="266" r:id="rId13"/>
+    <p:sldId id="268" r:id="rId14"/>
+    <p:sldId id="269" r:id="rId15"/>
+    <p:sldId id="270" r:id="rId16"/>
+    <p:sldId id="258" r:id="rId17"/>
   </p:sldIdLst>
   <p:sldSz cx="12192000" cy="6858000"/>
   <p:notesSz cx="6858000" cy="9144000"/>
@@ -849,7 +850,7 @@
             <a:fld id="{B61BEF0D-F0BB-DE4B-95CE-6DB70DBA9567}" type="datetimeFigureOut">
               <a:rPr lang="en-US" dirty="0"/>
               <a:pPr/>
-              <a:t>6/27/2020</a:t>
+              <a:t>6/29/2020</a:t>
             </a:fld>
             <a:endParaRPr lang="en-US" dirty="0"/>
           </a:p>
@@ -1097,7 +1098,7 @@
             <a:fld id="{B61BEF0D-F0BB-DE4B-95CE-6DB70DBA9567}" type="datetimeFigureOut">
               <a:rPr lang="en-US" dirty="0"/>
               <a:pPr/>
-              <a:t>6/27/2020</a:t>
+              <a:t>6/29/2020</a:t>
             </a:fld>
             <a:endParaRPr lang="en-US" dirty="0"/>
           </a:p>
@@ -1408,7 +1409,7 @@
             <a:fld id="{B61BEF0D-F0BB-DE4B-95CE-6DB70DBA9567}" type="datetimeFigureOut">
               <a:rPr lang="en-US" dirty="0"/>
               <a:pPr/>
-              <a:t>6/27/2020</a:t>
+              <a:t>6/29/2020</a:t>
             </a:fld>
             <a:endParaRPr lang="en-US" dirty="0"/>
           </a:p>
@@ -1746,7 +1747,7 @@
             <a:fld id="{B61BEF0D-F0BB-DE4B-95CE-6DB70DBA9567}" type="datetimeFigureOut">
               <a:rPr lang="en-US" dirty="0"/>
               <a:pPr/>
-              <a:t>6/27/2020</a:t>
+              <a:t>6/29/2020</a:t>
             </a:fld>
             <a:endParaRPr lang="en-US" dirty="0"/>
           </a:p>
@@ -2057,7 +2058,7 @@
             <a:fld id="{B61BEF0D-F0BB-DE4B-95CE-6DB70DBA9567}" type="datetimeFigureOut">
               <a:rPr lang="en-US" dirty="0"/>
               <a:pPr/>
-              <a:t>6/27/2020</a:t>
+              <a:t>6/29/2020</a:t>
             </a:fld>
             <a:endParaRPr lang="en-US" dirty="0"/>
           </a:p>
@@ -2447,7 +2448,7 @@
             <a:fld id="{B61BEF0D-F0BB-DE4B-95CE-6DB70DBA9567}" type="datetimeFigureOut">
               <a:rPr lang="en-US" dirty="0"/>
               <a:pPr/>
-              <a:t>6/27/2020</a:t>
+              <a:t>6/29/2020</a:t>
             </a:fld>
             <a:endParaRPr lang="en-US" dirty="0"/>
           </a:p>
@@ -2613,7 +2614,7 @@
           <a:p>
             <a:fld id="{55C6B4A9-1611-4792-9094-5F34BCA07E0B}" type="datetimeFigureOut">
               <a:rPr lang="en-US" dirty="0"/>
-              <a:t>6/27/2020</a:t>
+              <a:t>6/29/2020</a:t>
             </a:fld>
             <a:endParaRPr lang="en-US" dirty="0"/>
           </a:p>
@@ -2789,7 +2790,7 @@
             <a:fld id="{B61BEF0D-F0BB-DE4B-95CE-6DB70DBA9567}" type="datetimeFigureOut">
               <a:rPr lang="en-US" dirty="0"/>
               <a:pPr/>
-              <a:t>6/27/2020</a:t>
+              <a:t>6/29/2020</a:t>
             </a:fld>
             <a:endParaRPr lang="en-US" dirty="0"/>
           </a:p>
@@ -2962,7 +2963,7 @@
             <a:fld id="{B61BEF0D-F0BB-DE4B-95CE-6DB70DBA9567}" type="datetimeFigureOut">
               <a:rPr lang="en-US" dirty="0"/>
               <a:pPr/>
-              <a:t>6/27/2020</a:t>
+              <a:t>6/29/2020</a:t>
             </a:fld>
             <a:endParaRPr lang="en-US" dirty="0"/>
           </a:p>
@@ -3206,7 +3207,7 @@
             <a:fld id="{B61BEF0D-F0BB-DE4B-95CE-6DB70DBA9567}" type="datetimeFigureOut">
               <a:rPr lang="en-US" dirty="0"/>
               <a:pPr/>
-              <a:t>6/27/2020</a:t>
+              <a:t>6/29/2020</a:t>
             </a:fld>
             <a:endParaRPr lang="en-US" dirty="0"/>
           </a:p>
@@ -3434,7 +3435,7 @@
           <a:p>
             <a:fld id="{EB712588-04B1-427B-82EE-E8DB90309F08}" type="datetimeFigureOut">
               <a:rPr lang="en-US" dirty="0"/>
-              <a:t>6/27/2020</a:t>
+              <a:t>6/29/2020</a:t>
             </a:fld>
             <a:endParaRPr lang="en-US" dirty="0"/>
           </a:p>
@@ -3804,7 +3805,7 @@
             <a:fld id="{B61BEF0D-F0BB-DE4B-95CE-6DB70DBA9567}" type="datetimeFigureOut">
               <a:rPr lang="en-US" dirty="0"/>
               <a:pPr/>
-              <a:t>6/27/2020</a:t>
+              <a:t>6/29/2020</a:t>
             </a:fld>
             <a:endParaRPr lang="en-US" dirty="0"/>
           </a:p>
@@ -3924,7 +3925,7 @@
             <a:fld id="{B61BEF0D-F0BB-DE4B-95CE-6DB70DBA9567}" type="datetimeFigureOut">
               <a:rPr lang="en-US" dirty="0"/>
               <a:pPr/>
-              <a:t>6/27/2020</a:t>
+              <a:t>6/29/2020</a:t>
             </a:fld>
             <a:endParaRPr lang="en-US" dirty="0"/>
           </a:p>
@@ -4016,7 +4017,7 @@
             <a:fld id="{B61BEF0D-F0BB-DE4B-95CE-6DB70DBA9567}" type="datetimeFigureOut">
               <a:rPr lang="en-US" dirty="0"/>
               <a:pPr/>
-              <a:t>6/27/2020</a:t>
+              <a:t>6/29/2020</a:t>
             </a:fld>
             <a:endParaRPr lang="en-US" dirty="0"/>
           </a:p>
@@ -4267,7 +4268,7 @@
           <a:p>
             <a:fld id="{42A54C80-263E-416B-A8E0-580EDEADCBDC}" type="datetimeFigureOut">
               <a:rPr lang="en-US" dirty="0"/>
-              <a:t>6/27/2020</a:t>
+              <a:t>6/29/2020</a:t>
             </a:fld>
             <a:endParaRPr lang="en-US" dirty="0"/>
           </a:p>
@@ -4526,7 +4527,7 @@
             <a:fld id="{B61BEF0D-F0BB-DE4B-95CE-6DB70DBA9567}" type="datetimeFigureOut">
               <a:rPr lang="en-US" dirty="0"/>
               <a:pPr/>
-              <a:t>6/27/2020</a:t>
+              <a:t>6/29/2020</a:t>
             </a:fld>
             <a:endParaRPr lang="en-US" dirty="0"/>
           </a:p>
@@ -5266,7 +5267,7 @@
             <a:fld id="{B61BEF0D-F0BB-DE4B-95CE-6DB70DBA9567}" type="datetimeFigureOut">
               <a:rPr lang="en-US" dirty="0"/>
               <a:pPr/>
-              <a:t>6/27/2020</a:t>
+              <a:t>6/29/2020</a:t>
             </a:fld>
             <a:endParaRPr lang="en-US" dirty="0"/>
           </a:p>
@@ -5915,7 +5916,7 @@
         </p:blipFill>
         <p:spPr>
           <a:xfrm>
-            <a:off x="6199464" y="5129867"/>
+            <a:off x="7304364" y="5028267"/>
             <a:ext cx="1761688" cy="1564547"/>
           </a:xfrm>
           <a:prstGeom prst="rect">
@@ -5958,6 +5959,171 @@
           <p:cNvPr id="2" name="標題 1">
             <a:extLst>
               <a:ext uri="{FF2B5EF4-FFF2-40B4-BE49-F238E27FC236}">
+                <a16:creationId xmlns:a16="http://schemas.microsoft.com/office/drawing/2014/main" id="{72B9D67B-27F9-4D2C-B668-2C53C5575395}"/>
+              </a:ext>
+            </a:extLst>
+          </p:cNvPr>
+          <p:cNvSpPr>
+            <a:spLocks noGrp="1"/>
+          </p:cNvSpPr>
+          <p:nvPr>
+            <p:ph type="title"/>
+          </p:nvPr>
+        </p:nvSpPr>
+        <p:spPr>
+          <a:xfrm>
+            <a:off x="677334" y="83890"/>
+            <a:ext cx="8596668" cy="1846510"/>
+          </a:xfrm>
+        </p:spPr>
+        <p:txBody>
+          <a:bodyPr/>
+          <a:lstStyle/>
+          <a:p>
+            <a:r>
+              <a:rPr lang="zh-TW" altLang="en-US" dirty="0"/>
+              <a:t>各縣市機車加權後事故比率</a:t>
+            </a:r>
+            <a:r>
+              <a:rPr lang="en-US" altLang="zh-TW" dirty="0"/>
+              <a:t>(A2</a:t>
+            </a:r>
+            <a:r>
+              <a:rPr lang="zh-TW" altLang="en-US" dirty="0"/>
+              <a:t>類</a:t>
+            </a:r>
+            <a:r>
+              <a:rPr lang="en-US" altLang="zh-TW" dirty="0"/>
+              <a:t>)</a:t>
+            </a:r>
+            <a:endParaRPr lang="zh-TW" altLang="en-US" dirty="0"/>
+          </a:p>
+        </p:txBody>
+      </p:sp>
+      <p:pic>
+        <p:nvPicPr>
+          <p:cNvPr id="5" name="內容版面配置區 4">
+            <a:extLst>
+              <a:ext uri="{FF2B5EF4-FFF2-40B4-BE49-F238E27FC236}">
+                <a16:creationId xmlns:a16="http://schemas.microsoft.com/office/drawing/2014/main" id="{F6835348-7F1B-43CC-986C-ABF5CEC2B30D}"/>
+              </a:ext>
+            </a:extLst>
+          </p:cNvPr>
+          <p:cNvPicPr>
+            <a:picLocks noGrp="1" noChangeAspect="1"/>
+          </p:cNvPicPr>
+          <p:nvPr>
+            <p:ph idx="1"/>
+          </p:nvPr>
+        </p:nvPicPr>
+        <p:blipFill>
+          <a:blip r:embed="rId2"/>
+          <a:stretch>
+            <a:fillRect/>
+          </a:stretch>
+        </p:blipFill>
+        <p:spPr>
+          <a:xfrm>
+            <a:off x="0" y="700799"/>
+            <a:ext cx="4655890" cy="3246309"/>
+          </a:xfrm>
+        </p:spPr>
+      </p:pic>
+      <p:pic>
+        <p:nvPicPr>
+          <p:cNvPr id="7" name="圖片 6">
+            <a:extLst>
+              <a:ext uri="{FF2B5EF4-FFF2-40B4-BE49-F238E27FC236}">
+                <a16:creationId xmlns:a16="http://schemas.microsoft.com/office/drawing/2014/main" id="{90823BDF-B4DC-4F2D-819C-72A32E5DBD02}"/>
+              </a:ext>
+            </a:extLst>
+          </p:cNvPr>
+          <p:cNvPicPr>
+            <a:picLocks noChangeAspect="1"/>
+          </p:cNvPicPr>
+          <p:nvPr/>
+        </p:nvPicPr>
+        <p:blipFill>
+          <a:blip r:embed="rId3"/>
+          <a:stretch>
+            <a:fillRect/>
+          </a:stretch>
+        </p:blipFill>
+        <p:spPr>
+          <a:xfrm>
+            <a:off x="4655890" y="700799"/>
+            <a:ext cx="4773336" cy="3328197"/>
+          </a:xfrm>
+          <a:prstGeom prst="rect">
+            <a:avLst/>
+          </a:prstGeom>
+        </p:spPr>
+      </p:pic>
+      <p:pic>
+        <p:nvPicPr>
+          <p:cNvPr id="9" name="圖片 8">
+            <a:extLst>
+              <a:ext uri="{FF2B5EF4-FFF2-40B4-BE49-F238E27FC236}">
+                <a16:creationId xmlns:a16="http://schemas.microsoft.com/office/drawing/2014/main" id="{41C5491E-0103-45AE-A446-53C27F63CC20}"/>
+              </a:ext>
+            </a:extLst>
+          </p:cNvPr>
+          <p:cNvPicPr>
+            <a:picLocks noChangeAspect="1"/>
+          </p:cNvPicPr>
+          <p:nvPr/>
+        </p:nvPicPr>
+        <p:blipFill>
+          <a:blip r:embed="rId4"/>
+          <a:stretch>
+            <a:fillRect/>
+          </a:stretch>
+        </p:blipFill>
+        <p:spPr>
+          <a:xfrm>
+            <a:off x="138311" y="3947108"/>
+            <a:ext cx="4379268" cy="3081412"/>
+          </a:xfrm>
+          <a:prstGeom prst="rect">
+            <a:avLst/>
+          </a:prstGeom>
+        </p:spPr>
+      </p:pic>
+    </p:spTree>
+    <p:extLst>
+      <p:ext uri="{BB962C8B-B14F-4D97-AF65-F5344CB8AC3E}">
+        <p14:creationId xmlns:p14="http://schemas.microsoft.com/office/powerpoint/2010/main" val="2699333123"/>
+      </p:ext>
+    </p:extLst>
+  </p:cSld>
+  <p:clrMapOvr>
+    <a:masterClrMapping/>
+  </p:clrMapOvr>
+</p:sld>
+</file>
+
+<file path=ppt/slides/slide11.xml><?xml version="1.0" encoding="utf-8"?>
+<p:sld xmlns:a="http://schemas.openxmlformats.org/drawingml/2006/main" xmlns:r="http://schemas.openxmlformats.org/officeDocument/2006/relationships" xmlns:p="http://schemas.openxmlformats.org/presentationml/2006/main">
+  <p:cSld>
+    <p:spTree>
+      <p:nvGrpSpPr>
+        <p:cNvPr id="1" name=""/>
+        <p:cNvGrpSpPr/>
+        <p:nvPr/>
+      </p:nvGrpSpPr>
+      <p:grpSpPr>
+        <a:xfrm>
+          <a:off x="0" y="0"/>
+          <a:ext cx="0" cy="0"/>
+          <a:chOff x="0" y="0"/>
+          <a:chExt cx="0" cy="0"/>
+        </a:xfrm>
+      </p:grpSpPr>
+      <p:sp>
+        <p:nvSpPr>
+          <p:cNvPr id="2" name="標題 1">
+            <a:extLst>
+              <a:ext uri="{FF2B5EF4-FFF2-40B4-BE49-F238E27FC236}">
                 <a16:creationId xmlns:a16="http://schemas.microsoft.com/office/drawing/2014/main" id="{BCA50BD2-ADA4-455B-A50B-19E3D2317D7A}"/>
               </a:ext>
             </a:extLst>
@@ -5989,6 +6155,14 @@
             <a:r>
               <a:rPr lang="en-US" altLang="zh-TW" dirty="0"/>
               <a:t>(</a:t>
+            </a:r>
+            <a:r>
+              <a:rPr lang="zh-TW" altLang="en-US" dirty="0"/>
+              <a:t>加權後</a:t>
+            </a:r>
+            <a:r>
+              <a:rPr lang="en-US" altLang="zh-TW" dirty="0"/>
+              <a:t>-</a:t>
             </a:r>
             <a:r>
               <a:rPr lang="zh-TW" altLang="en-US" dirty="0"/>
@@ -7183,6 +7357,87 @@
           </a:prstGeom>
         </p:spPr>
       </p:pic>
+      <p:sp>
+        <p:nvSpPr>
+          <p:cNvPr id="5" name="文字方塊 4">
+            <a:extLst>
+              <a:ext uri="{FF2B5EF4-FFF2-40B4-BE49-F238E27FC236}">
+                <a16:creationId xmlns:a16="http://schemas.microsoft.com/office/drawing/2014/main" id="{FF6EB823-FCD0-4FE5-9987-CA3DA1BA6DC9}"/>
+              </a:ext>
+            </a:extLst>
+          </p:cNvPr>
+          <p:cNvSpPr txBox="1"/>
+          <p:nvPr/>
+        </p:nvSpPr>
+        <p:spPr>
+          <a:xfrm>
+            <a:off x="677334" y="5175477"/>
+            <a:ext cx="6129866" cy="646331"/>
+          </a:xfrm>
+          <a:prstGeom prst="rect">
+            <a:avLst/>
+          </a:prstGeom>
+          <a:noFill/>
+        </p:spPr>
+        <p:txBody>
+          <a:bodyPr wrap="square" rtlCol="0">
+            <a:spAutoFit/>
+          </a:bodyPr>
+          <a:lstStyle/>
+          <a:p>
+            <a:r>
+              <a:rPr lang="en-US" altLang="zh-TW" dirty="0">
+                <a:solidFill>
+                  <a:srgbClr val="FF0000"/>
+                </a:solidFill>
+              </a:rPr>
+              <a:t>A2</a:t>
+            </a:r>
+            <a:r>
+              <a:rPr lang="zh-TW" altLang="en-US" dirty="0">
+                <a:solidFill>
+                  <a:srgbClr val="FF0000"/>
+                </a:solidFill>
+              </a:rPr>
+              <a:t>類</a:t>
+            </a:r>
+            <a:r>
+              <a:rPr lang="en-US" altLang="zh-TW" dirty="0">
+                <a:solidFill>
+                  <a:srgbClr val="FF0000"/>
+                </a:solidFill>
+              </a:rPr>
+              <a:t>:</a:t>
+            </a:r>
+          </a:p>
+          <a:p>
+            <a:r>
+              <a:rPr lang="zh-TW" altLang="en-US" dirty="0">
+                <a:solidFill>
+                  <a:srgbClr val="FF0000"/>
+                </a:solidFill>
+              </a:rPr>
+              <a:t>新竹市、新竹縣、桃園市、臺南市每年度都上前</a:t>
+            </a:r>
+            <a:r>
+              <a:rPr lang="en-US" altLang="zh-TW" dirty="0">
+                <a:solidFill>
+                  <a:srgbClr val="FF0000"/>
+                </a:solidFill>
+              </a:rPr>
+              <a:t>5</a:t>
+            </a:r>
+            <a:r>
+              <a:rPr lang="zh-TW" altLang="en-US" dirty="0">
+                <a:solidFill>
+                  <a:srgbClr val="FF0000"/>
+                </a:solidFill>
+              </a:rPr>
+              <a:t>名</a:t>
+            </a:r>
+          </a:p>
+        </p:txBody>
+      </p:sp>
     </p:spTree>
     <p:extLst>
       <p:ext uri="{BB962C8B-B14F-4D97-AF65-F5344CB8AC3E}">
@@ -7196,7 +7451,7 @@
 </p:sld>
 </file>
 
-<file path=ppt/slides/slide11.xml><?xml version="1.0" encoding="utf-8"?>
+<file path=ppt/slides/slide12.xml><?xml version="1.0" encoding="utf-8"?>
 <p:sld xmlns:a="http://schemas.openxmlformats.org/drawingml/2006/main" xmlns:r="http://schemas.openxmlformats.org/officeDocument/2006/relationships" xmlns:p="http://schemas.openxmlformats.org/presentationml/2006/main">
   <p:cSld>
     <p:spTree>
@@ -7439,7 +7694,7 @@
 </p:sld>
 </file>
 
-<file path=ppt/slides/slide12.xml><?xml version="1.0" encoding="utf-8"?>
+<file path=ppt/slides/slide13.xml><?xml version="1.0" encoding="utf-8"?>
 <p:sld xmlns:a="http://schemas.openxmlformats.org/drawingml/2006/main" xmlns:r="http://schemas.openxmlformats.org/officeDocument/2006/relationships" xmlns:p="http://schemas.openxmlformats.org/presentationml/2006/main">
   <p:cSld>
     <p:spTree>
@@ -7699,7 +7954,7 @@
 </p:sld>
 </file>
 
-<file path=ppt/slides/slide13.xml><?xml version="1.0" encoding="utf-8"?>
+<file path=ppt/slides/slide14.xml><?xml version="1.0" encoding="utf-8"?>
 <p:sld xmlns:a="http://schemas.openxmlformats.org/drawingml/2006/main" xmlns:r="http://schemas.openxmlformats.org/officeDocument/2006/relationships" xmlns:p="http://schemas.openxmlformats.org/presentationml/2006/main">
   <p:cSld>
     <p:spTree>
@@ -7951,7 +8206,7 @@
 </p:sld>
 </file>
 
-<file path=ppt/slides/slide14.xml><?xml version="1.0" encoding="utf-8"?>
+<file path=ppt/slides/slide15.xml><?xml version="1.0" encoding="utf-8"?>
 <p:sld xmlns:a="http://schemas.openxmlformats.org/drawingml/2006/main" xmlns:r="http://schemas.openxmlformats.org/officeDocument/2006/relationships" xmlns:p="http://schemas.openxmlformats.org/presentationml/2006/main">
   <p:cSld>
     <p:spTree>
@@ -8472,7 +8727,7 @@
 </p:sld>
 </file>
 
-<file path=ppt/slides/slide15.xml><?xml version="1.0" encoding="utf-8"?>
+<file path=ppt/slides/slide16.xml><?xml version="1.0" encoding="utf-8"?>
 <p:sld xmlns:a="http://schemas.openxmlformats.org/drawingml/2006/main" xmlns:r="http://schemas.openxmlformats.org/officeDocument/2006/relationships" xmlns:p="http://schemas.openxmlformats.org/presentationml/2006/main">
   <p:cSld>
     <p:spTree>
@@ -8785,6 +9040,93 @@
 </file>
 
 <file path=ppt/slides/slide3.xml><?xml version="1.0" encoding="utf-8"?>
+<p:sld xmlns:a="http://schemas.openxmlformats.org/drawingml/2006/main" xmlns:r="http://schemas.openxmlformats.org/officeDocument/2006/relationships" xmlns:p="http://schemas.openxmlformats.org/presentationml/2006/main">
+  <p:cSld>
+    <p:spTree>
+      <p:nvGrpSpPr>
+        <p:cNvPr id="1" name=""/>
+        <p:cNvGrpSpPr/>
+        <p:nvPr/>
+      </p:nvGrpSpPr>
+      <p:grpSpPr>
+        <a:xfrm>
+          <a:off x="0" y="0"/>
+          <a:ext cx="0" cy="0"/>
+          <a:chOff x="0" y="0"/>
+          <a:chExt cx="0" cy="0"/>
+        </a:xfrm>
+      </p:grpSpPr>
+      <p:sp>
+        <p:nvSpPr>
+          <p:cNvPr id="2" name="標題 1">
+            <a:extLst>
+              <a:ext uri="{FF2B5EF4-FFF2-40B4-BE49-F238E27FC236}">
+                <a16:creationId xmlns:a16="http://schemas.microsoft.com/office/drawing/2014/main" id="{D848B71C-A606-4BC7-B1D6-015F2E47FAF3}"/>
+              </a:ext>
+            </a:extLst>
+          </p:cNvPr>
+          <p:cNvSpPr>
+            <a:spLocks noGrp="1"/>
+          </p:cNvSpPr>
+          <p:nvPr>
+            <p:ph type="title"/>
+          </p:nvPr>
+        </p:nvSpPr>
+        <p:spPr/>
+        <p:txBody>
+          <a:bodyPr/>
+          <a:lstStyle/>
+          <a:p>
+            <a:r>
+              <a:rPr lang="zh-TW" altLang="en-US" dirty="0"/>
+              <a:t>開放資料庫的原始數據</a:t>
+            </a:r>
+          </a:p>
+        </p:txBody>
+      </p:sp>
+      <p:pic>
+        <p:nvPicPr>
+          <p:cNvPr id="8" name="內容版面配置區 7">
+            <a:extLst>
+              <a:ext uri="{FF2B5EF4-FFF2-40B4-BE49-F238E27FC236}">
+                <a16:creationId xmlns:a16="http://schemas.microsoft.com/office/drawing/2014/main" id="{2E2A280C-6328-40D4-9A11-9EEF5D4730ED}"/>
+              </a:ext>
+            </a:extLst>
+          </p:cNvPr>
+          <p:cNvPicPr>
+            <a:picLocks noGrp="1" noChangeAspect="1"/>
+          </p:cNvPicPr>
+          <p:nvPr>
+            <p:ph idx="1"/>
+          </p:nvPr>
+        </p:nvPicPr>
+        <p:blipFill>
+          <a:blip r:embed="rId2"/>
+          <a:stretch>
+            <a:fillRect/>
+          </a:stretch>
+        </p:blipFill>
+        <p:spPr>
+          <a:xfrm>
+            <a:off x="677334" y="1930400"/>
+            <a:ext cx="10697156" cy="3656730"/>
+          </a:xfrm>
+        </p:spPr>
+      </p:pic>
+    </p:spTree>
+    <p:extLst>
+      <p:ext uri="{BB962C8B-B14F-4D97-AF65-F5344CB8AC3E}">
+        <p14:creationId xmlns:p14="http://schemas.microsoft.com/office/powerpoint/2010/main" val="3841775568"/>
+      </p:ext>
+    </p:extLst>
+  </p:cSld>
+  <p:clrMapOvr>
+    <a:masterClrMapping/>
+  </p:clrMapOvr>
+</p:sld>
+</file>
+
+<file path=ppt/slides/slide4.xml><?xml version="1.0" encoding="utf-8"?>
 <p:sld xmlns:a="http://schemas.openxmlformats.org/drawingml/2006/main" xmlns:r="http://schemas.openxmlformats.org/officeDocument/2006/relationships" xmlns:p="http://schemas.openxmlformats.org/presentationml/2006/main">
   <p:cSld>
     <p:spTree>
@@ -8936,6 +9278,49 @@
           </a:prstGeom>
         </p:spPr>
       </p:pic>
+      <p:sp>
+        <p:nvSpPr>
+          <p:cNvPr id="5" name="文字方塊 4">
+            <a:extLst>
+              <a:ext uri="{FF2B5EF4-FFF2-40B4-BE49-F238E27FC236}">
+                <a16:creationId xmlns:a16="http://schemas.microsoft.com/office/drawing/2014/main" id="{599F8B1D-94EC-4454-8CFC-2D8ABEFD2094}"/>
+              </a:ext>
+            </a:extLst>
+          </p:cNvPr>
+          <p:cNvSpPr txBox="1"/>
+          <p:nvPr/>
+        </p:nvSpPr>
+        <p:spPr>
+          <a:xfrm>
+            <a:off x="5626100" y="4414918"/>
+            <a:ext cx="4550349" cy="369332"/>
+          </a:xfrm>
+          <a:prstGeom prst="rect">
+            <a:avLst/>
+          </a:prstGeom>
+          <a:noFill/>
+        </p:spPr>
+        <p:txBody>
+          <a:bodyPr wrap="square" rtlCol="0">
+            <a:spAutoFit/>
+          </a:bodyPr>
+          <a:lstStyle/>
+          <a:p>
+            <a:r>
+              <a:rPr lang="zh-TW" altLang="en-US" dirty="0"/>
+              <a:t>目前只有到</a:t>
+            </a:r>
+            <a:r>
+              <a:rPr lang="en-US" altLang="zh-TW" dirty="0"/>
+              <a:t>5</a:t>
+            </a:r>
+            <a:r>
+              <a:rPr lang="zh-TW" altLang="en-US" dirty="0"/>
+              <a:t>月的資料</a:t>
+            </a:r>
+          </a:p>
+        </p:txBody>
+      </p:sp>
     </p:spTree>
     <p:extLst>
       <p:ext uri="{BB962C8B-B14F-4D97-AF65-F5344CB8AC3E}">
@@ -8949,7 +9334,7 @@
 </p:sld>
 </file>
 
-<file path=ppt/slides/slide4.xml><?xml version="1.0" encoding="utf-8"?>
+<file path=ppt/slides/slide5.xml><?xml version="1.0" encoding="utf-8"?>
 <p:sld xmlns:a="http://schemas.openxmlformats.org/drawingml/2006/main" xmlns:r="http://schemas.openxmlformats.org/officeDocument/2006/relationships" xmlns:p="http://schemas.openxmlformats.org/presentationml/2006/main">
   <p:cSld>
     <p:spTree>
@@ -9195,7 +9580,7 @@
 </p:sld>
 </file>
 
-<file path=ppt/slides/slide5.xml><?xml version="1.0" encoding="utf-8"?>
+<file path=ppt/slides/slide6.xml><?xml version="1.0" encoding="utf-8"?>
 <p:sld xmlns:a="http://schemas.openxmlformats.org/drawingml/2006/main" xmlns:r="http://schemas.openxmlformats.org/officeDocument/2006/relationships" xmlns:p="http://schemas.openxmlformats.org/presentationml/2006/main">
   <p:cSld>
     <p:spTree>
@@ -9559,7 +9944,7 @@
 </p:sld>
 </file>
 
-<file path=ppt/slides/slide6.xml><?xml version="1.0" encoding="utf-8"?>
+<file path=ppt/slides/slide7.xml><?xml version="1.0" encoding="utf-8"?>
 <p:sld xmlns:a="http://schemas.openxmlformats.org/drawingml/2006/main" xmlns:r="http://schemas.openxmlformats.org/officeDocument/2006/relationships" xmlns:p="http://schemas.openxmlformats.org/presentationml/2006/main">
   <p:cSld>
     <p:spTree>
@@ -9604,7 +9989,7 @@
           <a:p>
             <a:r>
               <a:rPr lang="zh-TW" altLang="en-US" dirty="0"/>
-              <a:t>各縣市年度事故圖</a:t>
+              <a:t>各縣市年度總事故圖</a:t>
             </a:r>
             <a:r>
               <a:rPr lang="en-US" altLang="zh-TW" dirty="0"/>
@@ -9724,7 +10109,7 @@
 </p:sld>
 </file>
 
-<file path=ppt/slides/slide7.xml><?xml version="1.0" encoding="utf-8"?>
+<file path=ppt/slides/slide8.xml><?xml version="1.0" encoding="utf-8"?>
 <p:sld xmlns:a="http://schemas.openxmlformats.org/drawingml/2006/main" xmlns:r="http://schemas.openxmlformats.org/officeDocument/2006/relationships" xmlns:p="http://schemas.openxmlformats.org/presentationml/2006/main">
   <p:cSld>
     <p:spTree>
@@ -9769,7 +10154,7 @@
           <a:p>
             <a:r>
               <a:rPr lang="zh-TW" altLang="en-US" dirty="0"/>
-              <a:t>各縣市年度事故圖</a:t>
+              <a:t>各縣市年度總事故圖</a:t>
             </a:r>
             <a:r>
               <a:rPr lang="en-US" altLang="zh-TW" dirty="0"/>
@@ -10428,7 +10813,7 @@
 </p:sld>
 </file>
 
-<file path=ppt/slides/slide8.xml><?xml version="1.0" encoding="utf-8"?>
+<file path=ppt/slides/slide9.xml><?xml version="1.0" encoding="utf-8"?>
 <p:sld xmlns:a="http://schemas.openxmlformats.org/drawingml/2006/main" xmlns:r="http://schemas.openxmlformats.org/officeDocument/2006/relationships" xmlns:p="http://schemas.openxmlformats.org/presentationml/2006/main">
   <p:cSld>
     <p:spTree>
@@ -10629,8 +11014,8 @@
         </p:nvSpPr>
         <p:spPr>
           <a:xfrm>
-            <a:off x="4975668" y="5103539"/>
-            <a:ext cx="6652470" cy="923330"/>
+            <a:off x="5089968" y="4845184"/>
+            <a:ext cx="6652470" cy="1754326"/>
           </a:xfrm>
           <a:prstGeom prst="rect">
             <a:avLst/>
@@ -10661,13 +11046,20 @@
             </a:r>
           </a:p>
           <a:p>
+            <a:endParaRPr lang="en-US" altLang="zh-TW" dirty="0">
+              <a:solidFill>
+                <a:srgbClr val="002060"/>
+              </a:solidFill>
+            </a:endParaRPr>
+          </a:p>
+          <a:p>
             <a:r>
               <a:rPr lang="zh-TW" altLang="en-US" dirty="0">
                 <a:solidFill>
                   <a:srgbClr val="FF0000"/>
                 </a:solidFill>
               </a:rPr>
-              <a:t>各縣市機車出示的比率</a:t>
+              <a:t>各縣市機車事故的比率</a:t>
             </a:r>
             <a:r>
               <a:rPr lang="en-US" altLang="zh-TW" dirty="0">
@@ -10677,13 +11069,15 @@
               </a:rPr>
               <a:t>=</a:t>
             </a:r>
+          </a:p>
+          <a:p>
             <a:r>
               <a:rPr lang="zh-TW" altLang="en-US" dirty="0">
                 <a:solidFill>
                   <a:srgbClr val="FF0000"/>
                 </a:solidFill>
               </a:rPr>
-              <a:t>各縣市總機車事故</a:t>
+              <a:t>各縣市年度總機車事故</a:t>
             </a:r>
             <a:r>
               <a:rPr lang="en-US" altLang="zh-TW" dirty="0">
@@ -10699,7 +11093,7 @@
                   <a:srgbClr val="FF0000"/>
                 </a:solidFill>
               </a:rPr>
-              <a:t>各縣市登記的機車數</a:t>
+              <a:t>每年度各縣市登記的機車數量</a:t>
             </a:r>
             <a:endParaRPr lang="en-US" altLang="zh-TW" dirty="0">
               <a:solidFill>
@@ -10708,13 +11102,20 @@
             </a:endParaRPr>
           </a:p>
           <a:p>
+            <a:endParaRPr lang="en-US" altLang="zh-TW" dirty="0">
+              <a:solidFill>
+                <a:srgbClr val="FF0000"/>
+              </a:solidFill>
+            </a:endParaRPr>
+          </a:p>
+          <a:p>
             <a:r>
               <a:rPr lang="zh-TW" altLang="en-US" dirty="0">
                 <a:solidFill>
                   <a:srgbClr val="002060"/>
                 </a:solidFill>
               </a:rPr>
-              <a:t>最後再依照各比率算出百分比</a:t>
+              <a:t>最後再依照各比率加權算出百分比</a:t>
             </a:r>
           </a:p>
         </p:txBody>
@@ -10723,171 +11124,6 @@
     <p:extLst>
       <p:ext uri="{BB962C8B-B14F-4D97-AF65-F5344CB8AC3E}">
         <p14:creationId xmlns:p14="http://schemas.microsoft.com/office/powerpoint/2010/main" val="2044088602"/>
-      </p:ext>
-    </p:extLst>
-  </p:cSld>
-  <p:clrMapOvr>
-    <a:masterClrMapping/>
-  </p:clrMapOvr>
-</p:sld>
-</file>
-
-<file path=ppt/slides/slide9.xml><?xml version="1.0" encoding="utf-8"?>
-<p:sld xmlns:a="http://schemas.openxmlformats.org/drawingml/2006/main" xmlns:r="http://schemas.openxmlformats.org/officeDocument/2006/relationships" xmlns:p="http://schemas.openxmlformats.org/presentationml/2006/main">
-  <p:cSld>
-    <p:spTree>
-      <p:nvGrpSpPr>
-        <p:cNvPr id="1" name=""/>
-        <p:cNvGrpSpPr/>
-        <p:nvPr/>
-      </p:nvGrpSpPr>
-      <p:grpSpPr>
-        <a:xfrm>
-          <a:off x="0" y="0"/>
-          <a:ext cx="0" cy="0"/>
-          <a:chOff x="0" y="0"/>
-          <a:chExt cx="0" cy="0"/>
-        </a:xfrm>
-      </p:grpSpPr>
-      <p:sp>
-        <p:nvSpPr>
-          <p:cNvPr id="2" name="標題 1">
-            <a:extLst>
-              <a:ext uri="{FF2B5EF4-FFF2-40B4-BE49-F238E27FC236}">
-                <a16:creationId xmlns:a16="http://schemas.microsoft.com/office/drawing/2014/main" id="{72B9D67B-27F9-4D2C-B668-2C53C5575395}"/>
-              </a:ext>
-            </a:extLst>
-          </p:cNvPr>
-          <p:cNvSpPr>
-            <a:spLocks noGrp="1"/>
-          </p:cNvSpPr>
-          <p:nvPr>
-            <p:ph type="title"/>
-          </p:nvPr>
-        </p:nvSpPr>
-        <p:spPr>
-          <a:xfrm>
-            <a:off x="677334" y="83890"/>
-            <a:ext cx="8596668" cy="1846510"/>
-          </a:xfrm>
-        </p:spPr>
-        <p:txBody>
-          <a:bodyPr/>
-          <a:lstStyle/>
-          <a:p>
-            <a:r>
-              <a:rPr lang="zh-TW" altLang="en-US" dirty="0"/>
-              <a:t>各縣市機車加權後事故比率</a:t>
-            </a:r>
-            <a:r>
-              <a:rPr lang="en-US" altLang="zh-TW" dirty="0"/>
-              <a:t>(A2</a:t>
-            </a:r>
-            <a:r>
-              <a:rPr lang="zh-TW" altLang="en-US" dirty="0"/>
-              <a:t>類</a:t>
-            </a:r>
-            <a:r>
-              <a:rPr lang="en-US" altLang="zh-TW" dirty="0"/>
-              <a:t>)</a:t>
-            </a:r>
-            <a:endParaRPr lang="zh-TW" altLang="en-US" dirty="0"/>
-          </a:p>
-        </p:txBody>
-      </p:sp>
-      <p:pic>
-        <p:nvPicPr>
-          <p:cNvPr id="5" name="內容版面配置區 4">
-            <a:extLst>
-              <a:ext uri="{FF2B5EF4-FFF2-40B4-BE49-F238E27FC236}">
-                <a16:creationId xmlns:a16="http://schemas.microsoft.com/office/drawing/2014/main" id="{F6835348-7F1B-43CC-986C-ABF5CEC2B30D}"/>
-              </a:ext>
-            </a:extLst>
-          </p:cNvPr>
-          <p:cNvPicPr>
-            <a:picLocks noGrp="1" noChangeAspect="1"/>
-          </p:cNvPicPr>
-          <p:nvPr>
-            <p:ph idx="1"/>
-          </p:nvPr>
-        </p:nvPicPr>
-        <p:blipFill>
-          <a:blip r:embed="rId2"/>
-          <a:stretch>
-            <a:fillRect/>
-          </a:stretch>
-        </p:blipFill>
-        <p:spPr>
-          <a:xfrm>
-            <a:off x="0" y="700799"/>
-            <a:ext cx="4655890" cy="3246309"/>
-          </a:xfrm>
-        </p:spPr>
-      </p:pic>
-      <p:pic>
-        <p:nvPicPr>
-          <p:cNvPr id="7" name="圖片 6">
-            <a:extLst>
-              <a:ext uri="{FF2B5EF4-FFF2-40B4-BE49-F238E27FC236}">
-                <a16:creationId xmlns:a16="http://schemas.microsoft.com/office/drawing/2014/main" id="{90823BDF-B4DC-4F2D-819C-72A32E5DBD02}"/>
-              </a:ext>
-            </a:extLst>
-          </p:cNvPr>
-          <p:cNvPicPr>
-            <a:picLocks noChangeAspect="1"/>
-          </p:cNvPicPr>
-          <p:nvPr/>
-        </p:nvPicPr>
-        <p:blipFill>
-          <a:blip r:embed="rId3"/>
-          <a:stretch>
-            <a:fillRect/>
-          </a:stretch>
-        </p:blipFill>
-        <p:spPr>
-          <a:xfrm>
-            <a:off x="4655890" y="700799"/>
-            <a:ext cx="4773336" cy="3328197"/>
-          </a:xfrm>
-          <a:prstGeom prst="rect">
-            <a:avLst/>
-          </a:prstGeom>
-        </p:spPr>
-      </p:pic>
-      <p:pic>
-        <p:nvPicPr>
-          <p:cNvPr id="9" name="圖片 8">
-            <a:extLst>
-              <a:ext uri="{FF2B5EF4-FFF2-40B4-BE49-F238E27FC236}">
-                <a16:creationId xmlns:a16="http://schemas.microsoft.com/office/drawing/2014/main" id="{41C5491E-0103-45AE-A446-53C27F63CC20}"/>
-              </a:ext>
-            </a:extLst>
-          </p:cNvPr>
-          <p:cNvPicPr>
-            <a:picLocks noChangeAspect="1"/>
-          </p:cNvPicPr>
-          <p:nvPr/>
-        </p:nvPicPr>
-        <p:blipFill>
-          <a:blip r:embed="rId4"/>
-          <a:stretch>
-            <a:fillRect/>
-          </a:stretch>
-        </p:blipFill>
-        <p:spPr>
-          <a:xfrm>
-            <a:off x="138311" y="3947108"/>
-            <a:ext cx="4379268" cy="3081412"/>
-          </a:xfrm>
-          <a:prstGeom prst="rect">
-            <a:avLst/>
-          </a:prstGeom>
-        </p:spPr>
-      </p:pic>
-    </p:spTree>
-    <p:extLst>
-      <p:ext uri="{BB962C8B-B14F-4D97-AF65-F5344CB8AC3E}">
-        <p14:creationId xmlns:p14="http://schemas.microsoft.com/office/powerpoint/2010/main" val="2699333123"/>
       </p:ext>
     </p:extLst>
   </p:cSld>
